--- a/宜科电子/大庆沃尔沃总装物流PTL项目/2_PTL 图纸.pptx
+++ b/宜科电子/大庆沃尔沃总装物流PTL项目/2_PTL 图纸.pptx
@@ -239,7 +239,7 @@
           <a:p>
             <a:fld id="{A2584646-60C3-4C6E-B766-FD7DA7C7C741}" type="datetimeFigureOut">
               <a:rPr lang="en-US" smtClean="0"/>
-              <a:t>12/3/2023</a:t>
+              <a:t>12/10/2023</a:t>
             </a:fld>
             <a:endParaRPr lang="en-US"/>
           </a:p>
@@ -1128,7 +1128,7 @@
           <p:cNvPr id="2" name="Title 1">
             <a:extLst>
               <a:ext uri="{FF2B5EF4-FFF2-40B4-BE49-F238E27FC236}">
-                <a16:creationId xmlns:a16="http://schemas.microsoft.com/office/drawing/2014/main" xmlns="" id="{104E7E21-BCCA-48F6-9AF0-9772FC16BB17}"/>
+                <a16:creationId xmlns="" xmlns:a16="http://schemas.microsoft.com/office/drawing/2014/main" id="{104E7E21-BCCA-48F6-9AF0-9772FC16BB17}"/>
               </a:ext>
             </a:extLst>
           </p:cNvPr>
@@ -1165,7 +1165,7 @@
           <p:cNvPr id="3" name="Subtitle 2">
             <a:extLst>
               <a:ext uri="{FF2B5EF4-FFF2-40B4-BE49-F238E27FC236}">
-                <a16:creationId xmlns:a16="http://schemas.microsoft.com/office/drawing/2014/main" xmlns="" id="{6A0F7D44-48A1-4B66-A58E-51DA15207716}"/>
+                <a16:creationId xmlns="" xmlns:a16="http://schemas.microsoft.com/office/drawing/2014/main" id="{6A0F7D44-48A1-4B66-A58E-51DA15207716}"/>
               </a:ext>
             </a:extLst>
           </p:cNvPr>
@@ -1235,7 +1235,7 @@
           <p:cNvPr id="4" name="Date Placeholder 3">
             <a:extLst>
               <a:ext uri="{FF2B5EF4-FFF2-40B4-BE49-F238E27FC236}">
-                <a16:creationId xmlns:a16="http://schemas.microsoft.com/office/drawing/2014/main" xmlns="" id="{89228D00-E446-429A-AC37-E1E5FB332C4F}"/>
+                <a16:creationId xmlns="" xmlns:a16="http://schemas.microsoft.com/office/drawing/2014/main" id="{89228D00-E446-429A-AC37-E1E5FB332C4F}"/>
               </a:ext>
             </a:extLst>
           </p:cNvPr>
@@ -1253,7 +1253,7 @@
           <a:p>
             <a:fld id="{E6B745F9-3542-49C6-ABAF-CEF90058D141}" type="datetimeFigureOut">
               <a:rPr lang="en-US" smtClean="0"/>
-              <a:t>12/3/2023</a:t>
+              <a:t>12/10/2023</a:t>
             </a:fld>
             <a:endParaRPr lang="en-US"/>
           </a:p>
@@ -1264,7 +1264,7 @@
           <p:cNvPr id="5" name="Footer Placeholder 4">
             <a:extLst>
               <a:ext uri="{FF2B5EF4-FFF2-40B4-BE49-F238E27FC236}">
-                <a16:creationId xmlns:a16="http://schemas.microsoft.com/office/drawing/2014/main" xmlns="" id="{693CAF90-0A67-43DD-B2AD-EAB0A083232B}"/>
+                <a16:creationId xmlns="" xmlns:a16="http://schemas.microsoft.com/office/drawing/2014/main" id="{693CAF90-0A67-43DD-B2AD-EAB0A083232B}"/>
               </a:ext>
             </a:extLst>
           </p:cNvPr>
@@ -1289,7 +1289,7 @@
           <p:cNvPr id="6" name="Slide Number Placeholder 5">
             <a:extLst>
               <a:ext uri="{FF2B5EF4-FFF2-40B4-BE49-F238E27FC236}">
-                <a16:creationId xmlns:a16="http://schemas.microsoft.com/office/drawing/2014/main" xmlns="" id="{D5358205-6232-44F8-AEB3-2160FD532475}"/>
+                <a16:creationId xmlns="" xmlns:a16="http://schemas.microsoft.com/office/drawing/2014/main" id="{D5358205-6232-44F8-AEB3-2160FD532475}"/>
               </a:ext>
             </a:extLst>
           </p:cNvPr>
@@ -1348,7 +1348,7 @@
           <p:cNvPr id="2" name="Title 1">
             <a:extLst>
               <a:ext uri="{FF2B5EF4-FFF2-40B4-BE49-F238E27FC236}">
-                <a16:creationId xmlns:a16="http://schemas.microsoft.com/office/drawing/2014/main" xmlns="" id="{C2ECB745-4A97-4A92-AD59-DB9FC70F0D0C}"/>
+                <a16:creationId xmlns="" xmlns:a16="http://schemas.microsoft.com/office/drawing/2014/main" id="{C2ECB745-4A97-4A92-AD59-DB9FC70F0D0C}"/>
               </a:ext>
             </a:extLst>
           </p:cNvPr>
@@ -1376,7 +1376,7 @@
           <p:cNvPr id="3" name="Vertical Text Placeholder 2">
             <a:extLst>
               <a:ext uri="{FF2B5EF4-FFF2-40B4-BE49-F238E27FC236}">
-                <a16:creationId xmlns:a16="http://schemas.microsoft.com/office/drawing/2014/main" xmlns="" id="{062951DF-1738-4115-B0C9-759399F85052}"/>
+                <a16:creationId xmlns="" xmlns:a16="http://schemas.microsoft.com/office/drawing/2014/main" id="{062951DF-1738-4115-B0C9-759399F85052}"/>
               </a:ext>
             </a:extLst>
           </p:cNvPr>
@@ -1433,7 +1433,7 @@
           <p:cNvPr id="4" name="Date Placeholder 3">
             <a:extLst>
               <a:ext uri="{FF2B5EF4-FFF2-40B4-BE49-F238E27FC236}">
-                <a16:creationId xmlns:a16="http://schemas.microsoft.com/office/drawing/2014/main" xmlns="" id="{EA20996B-E151-4E20-94B7-443570CCD93B}"/>
+                <a16:creationId xmlns="" xmlns:a16="http://schemas.microsoft.com/office/drawing/2014/main" id="{EA20996B-E151-4E20-94B7-443570CCD93B}"/>
               </a:ext>
             </a:extLst>
           </p:cNvPr>
@@ -1451,7 +1451,7 @@
           <a:p>
             <a:fld id="{E6B745F9-3542-49C6-ABAF-CEF90058D141}" type="datetimeFigureOut">
               <a:rPr lang="en-US" smtClean="0"/>
-              <a:t>12/3/2023</a:t>
+              <a:t>12/10/2023</a:t>
             </a:fld>
             <a:endParaRPr lang="en-US"/>
           </a:p>
@@ -1462,7 +1462,7 @@
           <p:cNvPr id="5" name="Footer Placeholder 4">
             <a:extLst>
               <a:ext uri="{FF2B5EF4-FFF2-40B4-BE49-F238E27FC236}">
-                <a16:creationId xmlns:a16="http://schemas.microsoft.com/office/drawing/2014/main" xmlns="" id="{BE60C99A-CA14-4D2A-B76B-C7090EB766F9}"/>
+                <a16:creationId xmlns="" xmlns:a16="http://schemas.microsoft.com/office/drawing/2014/main" id="{BE60C99A-CA14-4D2A-B76B-C7090EB766F9}"/>
               </a:ext>
             </a:extLst>
           </p:cNvPr>
@@ -1487,7 +1487,7 @@
           <p:cNvPr id="6" name="Slide Number Placeholder 5">
             <a:extLst>
               <a:ext uri="{FF2B5EF4-FFF2-40B4-BE49-F238E27FC236}">
-                <a16:creationId xmlns:a16="http://schemas.microsoft.com/office/drawing/2014/main" xmlns="" id="{7556F860-00D5-4C89-9C46-DEFEC1F56A45}"/>
+                <a16:creationId xmlns="" xmlns:a16="http://schemas.microsoft.com/office/drawing/2014/main" id="{7556F860-00D5-4C89-9C46-DEFEC1F56A45}"/>
               </a:ext>
             </a:extLst>
           </p:cNvPr>
@@ -1546,7 +1546,7 @@
           <p:cNvPr id="2" name="Vertical Title 1">
             <a:extLst>
               <a:ext uri="{FF2B5EF4-FFF2-40B4-BE49-F238E27FC236}">
-                <a16:creationId xmlns:a16="http://schemas.microsoft.com/office/drawing/2014/main" xmlns="" id="{58933693-26C2-4FE8-8C2F-6153B19F9D65}"/>
+                <a16:creationId xmlns="" xmlns:a16="http://schemas.microsoft.com/office/drawing/2014/main" id="{58933693-26C2-4FE8-8C2F-6153B19F9D65}"/>
               </a:ext>
             </a:extLst>
           </p:cNvPr>
@@ -1579,7 +1579,7 @@
           <p:cNvPr id="3" name="Vertical Text Placeholder 2">
             <a:extLst>
               <a:ext uri="{FF2B5EF4-FFF2-40B4-BE49-F238E27FC236}">
-                <a16:creationId xmlns:a16="http://schemas.microsoft.com/office/drawing/2014/main" xmlns="" id="{403461CB-23B6-45D8-A166-915FEFB33F96}"/>
+                <a16:creationId xmlns="" xmlns:a16="http://schemas.microsoft.com/office/drawing/2014/main" id="{403461CB-23B6-45D8-A166-915FEFB33F96}"/>
               </a:ext>
             </a:extLst>
           </p:cNvPr>
@@ -1641,7 +1641,7 @@
           <p:cNvPr id="4" name="Date Placeholder 3">
             <a:extLst>
               <a:ext uri="{FF2B5EF4-FFF2-40B4-BE49-F238E27FC236}">
-                <a16:creationId xmlns:a16="http://schemas.microsoft.com/office/drawing/2014/main" xmlns="" id="{87C36B5C-2F1A-4430-A36F-A4D9706BE12E}"/>
+                <a16:creationId xmlns="" xmlns:a16="http://schemas.microsoft.com/office/drawing/2014/main" id="{87C36B5C-2F1A-4430-A36F-A4D9706BE12E}"/>
               </a:ext>
             </a:extLst>
           </p:cNvPr>
@@ -1659,7 +1659,7 @@
           <a:p>
             <a:fld id="{E6B745F9-3542-49C6-ABAF-CEF90058D141}" type="datetimeFigureOut">
               <a:rPr lang="en-US" smtClean="0"/>
-              <a:t>12/3/2023</a:t>
+              <a:t>12/10/2023</a:t>
             </a:fld>
             <a:endParaRPr lang="en-US"/>
           </a:p>
@@ -1670,7 +1670,7 @@
           <p:cNvPr id="5" name="Footer Placeholder 4">
             <a:extLst>
               <a:ext uri="{FF2B5EF4-FFF2-40B4-BE49-F238E27FC236}">
-                <a16:creationId xmlns:a16="http://schemas.microsoft.com/office/drawing/2014/main" xmlns="" id="{73B6BE91-E9A6-47FF-9D07-44386141311D}"/>
+                <a16:creationId xmlns="" xmlns:a16="http://schemas.microsoft.com/office/drawing/2014/main" id="{73B6BE91-E9A6-47FF-9D07-44386141311D}"/>
               </a:ext>
             </a:extLst>
           </p:cNvPr>
@@ -1695,7 +1695,7 @@
           <p:cNvPr id="6" name="Slide Number Placeholder 5">
             <a:extLst>
               <a:ext uri="{FF2B5EF4-FFF2-40B4-BE49-F238E27FC236}">
-                <a16:creationId xmlns:a16="http://schemas.microsoft.com/office/drawing/2014/main" xmlns="" id="{581FA38A-388E-4E34-8FFB-DCB90BC435F0}"/>
+                <a16:creationId xmlns="" xmlns:a16="http://schemas.microsoft.com/office/drawing/2014/main" id="{581FA38A-388E-4E34-8FFB-DCB90BC435F0}"/>
               </a:ext>
             </a:extLst>
           </p:cNvPr>
@@ -1754,7 +1754,7 @@
           <p:cNvPr id="6" name="Date Placeholder 2">
             <a:extLst>
               <a:ext uri="{FF2B5EF4-FFF2-40B4-BE49-F238E27FC236}">
-                <a16:creationId xmlns:a16="http://schemas.microsoft.com/office/drawing/2014/main" xmlns="" id="{5BB9AC27-9A18-4A9F-8B8E-A7C2A2456C9A}"/>
+                <a16:creationId xmlns="" xmlns:a16="http://schemas.microsoft.com/office/drawing/2014/main" id="{5BB9AC27-9A18-4A9F-8B8E-A7C2A2456C9A}"/>
               </a:ext>
             </a:extLst>
           </p:cNvPr>
@@ -1803,7 +1803,7 @@
           <p:cNvPr id="7" name="Footer Placeholder 8">
             <a:extLst>
               <a:ext uri="{FF2B5EF4-FFF2-40B4-BE49-F238E27FC236}">
-                <a16:creationId xmlns:a16="http://schemas.microsoft.com/office/drawing/2014/main" xmlns="" id="{40A6468E-AD0F-4906-8130-DD5239E18C95}"/>
+                <a16:creationId xmlns="" xmlns:a16="http://schemas.microsoft.com/office/drawing/2014/main" id="{40A6468E-AD0F-4906-8130-DD5239E18C95}"/>
               </a:ext>
             </a:extLst>
           </p:cNvPr>
@@ -1851,7 +1851,7 @@
           <p:cNvPr id="8" name="Slide Number Placeholder 9">
             <a:extLst>
               <a:ext uri="{FF2B5EF4-FFF2-40B4-BE49-F238E27FC236}">
-                <a16:creationId xmlns:a16="http://schemas.microsoft.com/office/drawing/2014/main" xmlns="" id="{AE0DEBE6-2543-4064-847C-6DBD8F3C81F3}"/>
+                <a16:creationId xmlns="" xmlns:a16="http://schemas.microsoft.com/office/drawing/2014/main" id="{AE0DEBE6-2543-4064-847C-6DBD8F3C81F3}"/>
               </a:ext>
             </a:extLst>
           </p:cNvPr>
@@ -1900,7 +1900,7 @@
           <p:cNvPr id="10" name="Bildobjekt 7">
             <a:extLst>
               <a:ext uri="{FF2B5EF4-FFF2-40B4-BE49-F238E27FC236}">
-                <a16:creationId xmlns:a16="http://schemas.microsoft.com/office/drawing/2014/main" xmlns="" id="{C08E8C1E-C614-4CFD-96DB-955B2AC487E9}"/>
+                <a16:creationId xmlns="" xmlns:a16="http://schemas.microsoft.com/office/drawing/2014/main" id="{C08E8C1E-C614-4CFD-96DB-955B2AC487E9}"/>
               </a:ext>
             </a:extLst>
           </p:cNvPr>
@@ -1978,7 +1978,7 @@
           <p:cNvPr id="2" name="Title 1">
             <a:extLst>
               <a:ext uri="{FF2B5EF4-FFF2-40B4-BE49-F238E27FC236}">
-                <a16:creationId xmlns:a16="http://schemas.microsoft.com/office/drawing/2014/main" xmlns="" id="{291FFFE5-6AD5-4B84-9A52-519CC3A3282A}"/>
+                <a16:creationId xmlns="" xmlns:a16="http://schemas.microsoft.com/office/drawing/2014/main" id="{291FFFE5-6AD5-4B84-9A52-519CC3A3282A}"/>
               </a:ext>
             </a:extLst>
           </p:cNvPr>
@@ -2006,7 +2006,7 @@
           <p:cNvPr id="3" name="Content Placeholder 2">
             <a:extLst>
               <a:ext uri="{FF2B5EF4-FFF2-40B4-BE49-F238E27FC236}">
-                <a16:creationId xmlns:a16="http://schemas.microsoft.com/office/drawing/2014/main" xmlns="" id="{2B984E96-E839-4AD2-A754-65C9981D8AF6}"/>
+                <a16:creationId xmlns="" xmlns:a16="http://schemas.microsoft.com/office/drawing/2014/main" id="{2B984E96-E839-4AD2-A754-65C9981D8AF6}"/>
               </a:ext>
             </a:extLst>
           </p:cNvPr>
@@ -2063,7 +2063,7 @@
           <p:cNvPr id="4" name="Date Placeholder 3">
             <a:extLst>
               <a:ext uri="{FF2B5EF4-FFF2-40B4-BE49-F238E27FC236}">
-                <a16:creationId xmlns:a16="http://schemas.microsoft.com/office/drawing/2014/main" xmlns="" id="{7B4E47F5-E094-4C68-A213-A8254301A0AB}"/>
+                <a16:creationId xmlns="" xmlns:a16="http://schemas.microsoft.com/office/drawing/2014/main" id="{7B4E47F5-E094-4C68-A213-A8254301A0AB}"/>
               </a:ext>
             </a:extLst>
           </p:cNvPr>
@@ -2081,7 +2081,7 @@
           <a:p>
             <a:fld id="{E6B745F9-3542-49C6-ABAF-CEF90058D141}" type="datetimeFigureOut">
               <a:rPr lang="en-US" smtClean="0"/>
-              <a:t>12/3/2023</a:t>
+              <a:t>12/10/2023</a:t>
             </a:fld>
             <a:endParaRPr lang="en-US"/>
           </a:p>
@@ -2092,7 +2092,7 @@
           <p:cNvPr id="5" name="Footer Placeholder 4">
             <a:extLst>
               <a:ext uri="{FF2B5EF4-FFF2-40B4-BE49-F238E27FC236}">
-                <a16:creationId xmlns:a16="http://schemas.microsoft.com/office/drawing/2014/main" xmlns="" id="{AD1B2472-D828-4ABA-A726-989CACAFE3AC}"/>
+                <a16:creationId xmlns="" xmlns:a16="http://schemas.microsoft.com/office/drawing/2014/main" id="{AD1B2472-D828-4ABA-A726-989CACAFE3AC}"/>
               </a:ext>
             </a:extLst>
           </p:cNvPr>
@@ -2117,7 +2117,7 @@
           <p:cNvPr id="6" name="Slide Number Placeholder 5">
             <a:extLst>
               <a:ext uri="{FF2B5EF4-FFF2-40B4-BE49-F238E27FC236}">
-                <a16:creationId xmlns:a16="http://schemas.microsoft.com/office/drawing/2014/main" xmlns="" id="{30D66524-F052-42FB-AF0E-265E7FF5421D}"/>
+                <a16:creationId xmlns="" xmlns:a16="http://schemas.microsoft.com/office/drawing/2014/main" id="{30D66524-F052-42FB-AF0E-265E7FF5421D}"/>
               </a:ext>
             </a:extLst>
           </p:cNvPr>
@@ -2176,7 +2176,7 @@
           <p:cNvPr id="2" name="Title 1">
             <a:extLst>
               <a:ext uri="{FF2B5EF4-FFF2-40B4-BE49-F238E27FC236}">
-                <a16:creationId xmlns:a16="http://schemas.microsoft.com/office/drawing/2014/main" xmlns="" id="{A19F16C2-DAA4-4A55-ADEF-D6C1E7F82C5F}"/>
+                <a16:creationId xmlns="" xmlns:a16="http://schemas.microsoft.com/office/drawing/2014/main" id="{A19F16C2-DAA4-4A55-ADEF-D6C1E7F82C5F}"/>
               </a:ext>
             </a:extLst>
           </p:cNvPr>
@@ -2213,7 +2213,7 @@
           <p:cNvPr id="3" name="Text Placeholder 2">
             <a:extLst>
               <a:ext uri="{FF2B5EF4-FFF2-40B4-BE49-F238E27FC236}">
-                <a16:creationId xmlns:a16="http://schemas.microsoft.com/office/drawing/2014/main" xmlns="" id="{6368DCDC-243B-4FCA-BED3-1AD35DAA3079}"/>
+                <a16:creationId xmlns="" xmlns:a16="http://schemas.microsoft.com/office/drawing/2014/main" id="{6368DCDC-243B-4FCA-BED3-1AD35DAA3079}"/>
               </a:ext>
             </a:extLst>
           </p:cNvPr>
@@ -2338,7 +2338,7 @@
           <p:cNvPr id="4" name="Date Placeholder 3">
             <a:extLst>
               <a:ext uri="{FF2B5EF4-FFF2-40B4-BE49-F238E27FC236}">
-                <a16:creationId xmlns:a16="http://schemas.microsoft.com/office/drawing/2014/main" xmlns="" id="{AADB4B98-94D2-47F4-A0AD-7F48C10D2562}"/>
+                <a16:creationId xmlns="" xmlns:a16="http://schemas.microsoft.com/office/drawing/2014/main" id="{AADB4B98-94D2-47F4-A0AD-7F48C10D2562}"/>
               </a:ext>
             </a:extLst>
           </p:cNvPr>
@@ -2356,7 +2356,7 @@
           <a:p>
             <a:fld id="{E6B745F9-3542-49C6-ABAF-CEF90058D141}" type="datetimeFigureOut">
               <a:rPr lang="en-US" smtClean="0"/>
-              <a:t>12/3/2023</a:t>
+              <a:t>12/10/2023</a:t>
             </a:fld>
             <a:endParaRPr lang="en-US"/>
           </a:p>
@@ -2367,7 +2367,7 @@
           <p:cNvPr id="5" name="Footer Placeholder 4">
             <a:extLst>
               <a:ext uri="{FF2B5EF4-FFF2-40B4-BE49-F238E27FC236}">
-                <a16:creationId xmlns:a16="http://schemas.microsoft.com/office/drawing/2014/main" xmlns="" id="{66D5B24F-0E4D-4480-8FFC-FF5CBDBB0F8F}"/>
+                <a16:creationId xmlns="" xmlns:a16="http://schemas.microsoft.com/office/drawing/2014/main" id="{66D5B24F-0E4D-4480-8FFC-FF5CBDBB0F8F}"/>
               </a:ext>
             </a:extLst>
           </p:cNvPr>
@@ -2392,7 +2392,7 @@
           <p:cNvPr id="6" name="Slide Number Placeholder 5">
             <a:extLst>
               <a:ext uri="{FF2B5EF4-FFF2-40B4-BE49-F238E27FC236}">
-                <a16:creationId xmlns:a16="http://schemas.microsoft.com/office/drawing/2014/main" xmlns="" id="{B49A3DB3-0B1E-471F-BFDD-29CF027776B1}"/>
+                <a16:creationId xmlns="" xmlns:a16="http://schemas.microsoft.com/office/drawing/2014/main" id="{B49A3DB3-0B1E-471F-BFDD-29CF027776B1}"/>
               </a:ext>
             </a:extLst>
           </p:cNvPr>
@@ -2451,7 +2451,7 @@
           <p:cNvPr id="2" name="Title 1">
             <a:extLst>
               <a:ext uri="{FF2B5EF4-FFF2-40B4-BE49-F238E27FC236}">
-                <a16:creationId xmlns:a16="http://schemas.microsoft.com/office/drawing/2014/main" xmlns="" id="{8F6BFF9D-A44C-4E77-BBE9-8AEE67B1A739}"/>
+                <a16:creationId xmlns="" xmlns:a16="http://schemas.microsoft.com/office/drawing/2014/main" id="{8F6BFF9D-A44C-4E77-BBE9-8AEE67B1A739}"/>
               </a:ext>
             </a:extLst>
           </p:cNvPr>
@@ -2479,7 +2479,7 @@
           <p:cNvPr id="3" name="Content Placeholder 2">
             <a:extLst>
               <a:ext uri="{FF2B5EF4-FFF2-40B4-BE49-F238E27FC236}">
-                <a16:creationId xmlns:a16="http://schemas.microsoft.com/office/drawing/2014/main" xmlns="" id="{BFEC6C52-FBE4-4E09-A14C-CBCBBE3899EA}"/>
+                <a16:creationId xmlns="" xmlns:a16="http://schemas.microsoft.com/office/drawing/2014/main" id="{BFEC6C52-FBE4-4E09-A14C-CBCBBE3899EA}"/>
               </a:ext>
             </a:extLst>
           </p:cNvPr>
@@ -2541,7 +2541,7 @@
           <p:cNvPr id="4" name="Content Placeholder 3">
             <a:extLst>
               <a:ext uri="{FF2B5EF4-FFF2-40B4-BE49-F238E27FC236}">
-                <a16:creationId xmlns:a16="http://schemas.microsoft.com/office/drawing/2014/main" xmlns="" id="{FF0E72A2-7DF8-472B-B063-83CA8F3B2453}"/>
+                <a16:creationId xmlns="" xmlns:a16="http://schemas.microsoft.com/office/drawing/2014/main" id="{FF0E72A2-7DF8-472B-B063-83CA8F3B2453}"/>
               </a:ext>
             </a:extLst>
           </p:cNvPr>
@@ -2603,7 +2603,7 @@
           <p:cNvPr id="5" name="Date Placeholder 4">
             <a:extLst>
               <a:ext uri="{FF2B5EF4-FFF2-40B4-BE49-F238E27FC236}">
-                <a16:creationId xmlns:a16="http://schemas.microsoft.com/office/drawing/2014/main" xmlns="" id="{58424F20-CC37-4024-AD31-5D143CFA9667}"/>
+                <a16:creationId xmlns="" xmlns:a16="http://schemas.microsoft.com/office/drawing/2014/main" id="{58424F20-CC37-4024-AD31-5D143CFA9667}"/>
               </a:ext>
             </a:extLst>
           </p:cNvPr>
@@ -2621,7 +2621,7 @@
           <a:p>
             <a:fld id="{E6B745F9-3542-49C6-ABAF-CEF90058D141}" type="datetimeFigureOut">
               <a:rPr lang="en-US" smtClean="0"/>
-              <a:t>12/3/2023</a:t>
+              <a:t>12/10/2023</a:t>
             </a:fld>
             <a:endParaRPr lang="en-US"/>
           </a:p>
@@ -2632,7 +2632,7 @@
           <p:cNvPr id="6" name="Footer Placeholder 5">
             <a:extLst>
               <a:ext uri="{FF2B5EF4-FFF2-40B4-BE49-F238E27FC236}">
-                <a16:creationId xmlns:a16="http://schemas.microsoft.com/office/drawing/2014/main" xmlns="" id="{491C10DC-03CE-40C0-A0E0-481CB06E6F31}"/>
+                <a16:creationId xmlns="" xmlns:a16="http://schemas.microsoft.com/office/drawing/2014/main" id="{491C10DC-03CE-40C0-A0E0-481CB06E6F31}"/>
               </a:ext>
             </a:extLst>
           </p:cNvPr>
@@ -2657,7 +2657,7 @@
           <p:cNvPr id="7" name="Slide Number Placeholder 6">
             <a:extLst>
               <a:ext uri="{FF2B5EF4-FFF2-40B4-BE49-F238E27FC236}">
-                <a16:creationId xmlns:a16="http://schemas.microsoft.com/office/drawing/2014/main" xmlns="" id="{247A2501-372A-4BE7-83C5-20D0FDE7AF0B}"/>
+                <a16:creationId xmlns="" xmlns:a16="http://schemas.microsoft.com/office/drawing/2014/main" id="{247A2501-372A-4BE7-83C5-20D0FDE7AF0B}"/>
               </a:ext>
             </a:extLst>
           </p:cNvPr>
@@ -2716,7 +2716,7 @@
           <p:cNvPr id="2" name="Title 1">
             <a:extLst>
               <a:ext uri="{FF2B5EF4-FFF2-40B4-BE49-F238E27FC236}">
-                <a16:creationId xmlns:a16="http://schemas.microsoft.com/office/drawing/2014/main" xmlns="" id="{0C9F4ABF-1843-406B-B282-9B7B8A90E442}"/>
+                <a16:creationId xmlns="" xmlns:a16="http://schemas.microsoft.com/office/drawing/2014/main" id="{0C9F4ABF-1843-406B-B282-9B7B8A90E442}"/>
               </a:ext>
             </a:extLst>
           </p:cNvPr>
@@ -2749,7 +2749,7 @@
           <p:cNvPr id="3" name="Text Placeholder 2">
             <a:extLst>
               <a:ext uri="{FF2B5EF4-FFF2-40B4-BE49-F238E27FC236}">
-                <a16:creationId xmlns:a16="http://schemas.microsoft.com/office/drawing/2014/main" xmlns="" id="{F7319FE7-97CE-4AE2-A522-70C6FAB459E6}"/>
+                <a16:creationId xmlns="" xmlns:a16="http://schemas.microsoft.com/office/drawing/2014/main" id="{F7319FE7-97CE-4AE2-A522-70C6FAB459E6}"/>
               </a:ext>
             </a:extLst>
           </p:cNvPr>
@@ -2820,7 +2820,7 @@
           <p:cNvPr id="4" name="Content Placeholder 3">
             <a:extLst>
               <a:ext uri="{FF2B5EF4-FFF2-40B4-BE49-F238E27FC236}">
-                <a16:creationId xmlns:a16="http://schemas.microsoft.com/office/drawing/2014/main" xmlns="" id="{F1312847-209B-498B-BFA3-1366B702622E}"/>
+                <a16:creationId xmlns="" xmlns:a16="http://schemas.microsoft.com/office/drawing/2014/main" id="{F1312847-209B-498B-BFA3-1366B702622E}"/>
               </a:ext>
             </a:extLst>
           </p:cNvPr>
@@ -2882,7 +2882,7 @@
           <p:cNvPr id="5" name="Text Placeholder 4">
             <a:extLst>
               <a:ext uri="{FF2B5EF4-FFF2-40B4-BE49-F238E27FC236}">
-                <a16:creationId xmlns:a16="http://schemas.microsoft.com/office/drawing/2014/main" xmlns="" id="{76A98DA0-D5AE-4034-9A0E-9CBE41455FE1}"/>
+                <a16:creationId xmlns="" xmlns:a16="http://schemas.microsoft.com/office/drawing/2014/main" id="{76A98DA0-D5AE-4034-9A0E-9CBE41455FE1}"/>
               </a:ext>
             </a:extLst>
           </p:cNvPr>
@@ -2953,7 +2953,7 @@
           <p:cNvPr id="6" name="Content Placeholder 5">
             <a:extLst>
               <a:ext uri="{FF2B5EF4-FFF2-40B4-BE49-F238E27FC236}">
-                <a16:creationId xmlns:a16="http://schemas.microsoft.com/office/drawing/2014/main" xmlns="" id="{9C693BA0-4C28-4F78-9BDD-CA1B830C3A36}"/>
+                <a16:creationId xmlns="" xmlns:a16="http://schemas.microsoft.com/office/drawing/2014/main" id="{9C693BA0-4C28-4F78-9BDD-CA1B830C3A36}"/>
               </a:ext>
             </a:extLst>
           </p:cNvPr>
@@ -3015,7 +3015,7 @@
           <p:cNvPr id="7" name="Date Placeholder 6">
             <a:extLst>
               <a:ext uri="{FF2B5EF4-FFF2-40B4-BE49-F238E27FC236}">
-                <a16:creationId xmlns:a16="http://schemas.microsoft.com/office/drawing/2014/main" xmlns="" id="{D70BCC08-4CA8-4A7E-8185-8CBD7A8CFEEC}"/>
+                <a16:creationId xmlns="" xmlns:a16="http://schemas.microsoft.com/office/drawing/2014/main" id="{D70BCC08-4CA8-4A7E-8185-8CBD7A8CFEEC}"/>
               </a:ext>
             </a:extLst>
           </p:cNvPr>
@@ -3033,7 +3033,7 @@
           <a:p>
             <a:fld id="{E6B745F9-3542-49C6-ABAF-CEF90058D141}" type="datetimeFigureOut">
               <a:rPr lang="en-US" smtClean="0"/>
-              <a:t>12/3/2023</a:t>
+              <a:t>12/10/2023</a:t>
             </a:fld>
             <a:endParaRPr lang="en-US"/>
           </a:p>
@@ -3044,7 +3044,7 @@
           <p:cNvPr id="8" name="Footer Placeholder 7">
             <a:extLst>
               <a:ext uri="{FF2B5EF4-FFF2-40B4-BE49-F238E27FC236}">
-                <a16:creationId xmlns:a16="http://schemas.microsoft.com/office/drawing/2014/main" xmlns="" id="{A42E96B8-7FBE-4D0A-A932-D67951E13DA2}"/>
+                <a16:creationId xmlns="" xmlns:a16="http://schemas.microsoft.com/office/drawing/2014/main" id="{A42E96B8-7FBE-4D0A-A932-D67951E13DA2}"/>
               </a:ext>
             </a:extLst>
           </p:cNvPr>
@@ -3069,7 +3069,7 @@
           <p:cNvPr id="9" name="Slide Number Placeholder 8">
             <a:extLst>
               <a:ext uri="{FF2B5EF4-FFF2-40B4-BE49-F238E27FC236}">
-                <a16:creationId xmlns:a16="http://schemas.microsoft.com/office/drawing/2014/main" xmlns="" id="{40CE3DB4-832A-4327-BDCA-6186FF05A544}"/>
+                <a16:creationId xmlns="" xmlns:a16="http://schemas.microsoft.com/office/drawing/2014/main" id="{40CE3DB4-832A-4327-BDCA-6186FF05A544}"/>
               </a:ext>
             </a:extLst>
           </p:cNvPr>
@@ -3128,7 +3128,7 @@
           <p:cNvPr id="2" name="Title 1">
             <a:extLst>
               <a:ext uri="{FF2B5EF4-FFF2-40B4-BE49-F238E27FC236}">
-                <a16:creationId xmlns:a16="http://schemas.microsoft.com/office/drawing/2014/main" xmlns="" id="{AAD842E2-01D3-49BC-9022-304E6D7219A3}"/>
+                <a16:creationId xmlns="" xmlns:a16="http://schemas.microsoft.com/office/drawing/2014/main" id="{AAD842E2-01D3-49BC-9022-304E6D7219A3}"/>
               </a:ext>
             </a:extLst>
           </p:cNvPr>
@@ -3156,7 +3156,7 @@
           <p:cNvPr id="3" name="Date Placeholder 2">
             <a:extLst>
               <a:ext uri="{FF2B5EF4-FFF2-40B4-BE49-F238E27FC236}">
-                <a16:creationId xmlns:a16="http://schemas.microsoft.com/office/drawing/2014/main" xmlns="" id="{99EF30B7-0D2A-4EAD-953C-520C3B8736C9}"/>
+                <a16:creationId xmlns="" xmlns:a16="http://schemas.microsoft.com/office/drawing/2014/main" id="{99EF30B7-0D2A-4EAD-953C-520C3B8736C9}"/>
               </a:ext>
             </a:extLst>
           </p:cNvPr>
@@ -3174,7 +3174,7 @@
           <a:p>
             <a:fld id="{E6B745F9-3542-49C6-ABAF-CEF90058D141}" type="datetimeFigureOut">
               <a:rPr lang="en-US" smtClean="0"/>
-              <a:t>12/3/2023</a:t>
+              <a:t>12/10/2023</a:t>
             </a:fld>
             <a:endParaRPr lang="en-US"/>
           </a:p>
@@ -3185,7 +3185,7 @@
           <p:cNvPr id="4" name="Footer Placeholder 3">
             <a:extLst>
               <a:ext uri="{FF2B5EF4-FFF2-40B4-BE49-F238E27FC236}">
-                <a16:creationId xmlns:a16="http://schemas.microsoft.com/office/drawing/2014/main" xmlns="" id="{06C27550-818C-457A-9FB7-A73B9959C76C}"/>
+                <a16:creationId xmlns="" xmlns:a16="http://schemas.microsoft.com/office/drawing/2014/main" id="{06C27550-818C-457A-9FB7-A73B9959C76C}"/>
               </a:ext>
             </a:extLst>
           </p:cNvPr>
@@ -3210,7 +3210,7 @@
           <p:cNvPr id="5" name="Slide Number Placeholder 4">
             <a:extLst>
               <a:ext uri="{FF2B5EF4-FFF2-40B4-BE49-F238E27FC236}">
-                <a16:creationId xmlns:a16="http://schemas.microsoft.com/office/drawing/2014/main" xmlns="" id="{B3E879A7-894A-40EB-81AB-2CCBD789A336}"/>
+                <a16:creationId xmlns="" xmlns:a16="http://schemas.microsoft.com/office/drawing/2014/main" id="{B3E879A7-894A-40EB-81AB-2CCBD789A336}"/>
               </a:ext>
             </a:extLst>
           </p:cNvPr>
@@ -3269,7 +3269,7 @@
           <p:cNvPr id="2" name="Date Placeholder 1">
             <a:extLst>
               <a:ext uri="{FF2B5EF4-FFF2-40B4-BE49-F238E27FC236}">
-                <a16:creationId xmlns:a16="http://schemas.microsoft.com/office/drawing/2014/main" xmlns="" id="{DBEAB069-5F45-42C2-9F8F-5AF2CD74E39E}"/>
+                <a16:creationId xmlns="" xmlns:a16="http://schemas.microsoft.com/office/drawing/2014/main" id="{DBEAB069-5F45-42C2-9F8F-5AF2CD74E39E}"/>
               </a:ext>
             </a:extLst>
           </p:cNvPr>
@@ -3287,7 +3287,7 @@
           <a:p>
             <a:fld id="{E6B745F9-3542-49C6-ABAF-CEF90058D141}" type="datetimeFigureOut">
               <a:rPr lang="en-US" smtClean="0"/>
-              <a:t>12/3/2023</a:t>
+              <a:t>12/10/2023</a:t>
             </a:fld>
             <a:endParaRPr lang="en-US"/>
           </a:p>
@@ -3298,7 +3298,7 @@
           <p:cNvPr id="3" name="Footer Placeholder 2">
             <a:extLst>
               <a:ext uri="{FF2B5EF4-FFF2-40B4-BE49-F238E27FC236}">
-                <a16:creationId xmlns:a16="http://schemas.microsoft.com/office/drawing/2014/main" xmlns="" id="{C9933850-4A0F-486E-A37D-F6DE991F6CA9}"/>
+                <a16:creationId xmlns="" xmlns:a16="http://schemas.microsoft.com/office/drawing/2014/main" id="{C9933850-4A0F-486E-A37D-F6DE991F6CA9}"/>
               </a:ext>
             </a:extLst>
           </p:cNvPr>
@@ -3323,7 +3323,7 @@
           <p:cNvPr id="4" name="Slide Number Placeholder 3">
             <a:extLst>
               <a:ext uri="{FF2B5EF4-FFF2-40B4-BE49-F238E27FC236}">
-                <a16:creationId xmlns:a16="http://schemas.microsoft.com/office/drawing/2014/main" xmlns="" id="{680226A0-E39B-4A86-9D9E-20C80C165E8E}"/>
+                <a16:creationId xmlns="" xmlns:a16="http://schemas.microsoft.com/office/drawing/2014/main" id="{680226A0-E39B-4A86-9D9E-20C80C165E8E}"/>
               </a:ext>
             </a:extLst>
           </p:cNvPr>
@@ -3382,7 +3382,7 @@
           <p:cNvPr id="2" name="Title 1">
             <a:extLst>
               <a:ext uri="{FF2B5EF4-FFF2-40B4-BE49-F238E27FC236}">
-                <a16:creationId xmlns:a16="http://schemas.microsoft.com/office/drawing/2014/main" xmlns="" id="{A5603FC2-DD70-412C-9AFF-FBD360CDFB30}"/>
+                <a16:creationId xmlns="" xmlns:a16="http://schemas.microsoft.com/office/drawing/2014/main" id="{A5603FC2-DD70-412C-9AFF-FBD360CDFB30}"/>
               </a:ext>
             </a:extLst>
           </p:cNvPr>
@@ -3419,7 +3419,7 @@
           <p:cNvPr id="3" name="Content Placeholder 2">
             <a:extLst>
               <a:ext uri="{FF2B5EF4-FFF2-40B4-BE49-F238E27FC236}">
-                <a16:creationId xmlns:a16="http://schemas.microsoft.com/office/drawing/2014/main" xmlns="" id="{5729B995-16AE-46C0-8D24-0742F7CB4F73}"/>
+                <a16:creationId xmlns="" xmlns:a16="http://schemas.microsoft.com/office/drawing/2014/main" id="{5729B995-16AE-46C0-8D24-0742F7CB4F73}"/>
               </a:ext>
             </a:extLst>
           </p:cNvPr>
@@ -3509,7 +3509,7 @@
           <p:cNvPr id="4" name="Text Placeholder 3">
             <a:extLst>
               <a:ext uri="{FF2B5EF4-FFF2-40B4-BE49-F238E27FC236}">
-                <a16:creationId xmlns:a16="http://schemas.microsoft.com/office/drawing/2014/main" xmlns="" id="{51C551BE-3976-4B5B-BEEF-4137001DC3C7}"/>
+                <a16:creationId xmlns="" xmlns:a16="http://schemas.microsoft.com/office/drawing/2014/main" id="{51C551BE-3976-4B5B-BEEF-4137001DC3C7}"/>
               </a:ext>
             </a:extLst>
           </p:cNvPr>
@@ -3580,7 +3580,7 @@
           <p:cNvPr id="5" name="Date Placeholder 4">
             <a:extLst>
               <a:ext uri="{FF2B5EF4-FFF2-40B4-BE49-F238E27FC236}">
-                <a16:creationId xmlns:a16="http://schemas.microsoft.com/office/drawing/2014/main" xmlns="" id="{E46E23E8-77BC-4378-8902-97806E1DA161}"/>
+                <a16:creationId xmlns="" xmlns:a16="http://schemas.microsoft.com/office/drawing/2014/main" id="{E46E23E8-77BC-4378-8902-97806E1DA161}"/>
               </a:ext>
             </a:extLst>
           </p:cNvPr>
@@ -3598,7 +3598,7 @@
           <a:p>
             <a:fld id="{E6B745F9-3542-49C6-ABAF-CEF90058D141}" type="datetimeFigureOut">
               <a:rPr lang="en-US" smtClean="0"/>
-              <a:t>12/3/2023</a:t>
+              <a:t>12/10/2023</a:t>
             </a:fld>
             <a:endParaRPr lang="en-US"/>
           </a:p>
@@ -3609,7 +3609,7 @@
           <p:cNvPr id="6" name="Footer Placeholder 5">
             <a:extLst>
               <a:ext uri="{FF2B5EF4-FFF2-40B4-BE49-F238E27FC236}">
-                <a16:creationId xmlns:a16="http://schemas.microsoft.com/office/drawing/2014/main" xmlns="" id="{07728992-CB33-44B3-B716-FBFED19FA214}"/>
+                <a16:creationId xmlns="" xmlns:a16="http://schemas.microsoft.com/office/drawing/2014/main" id="{07728992-CB33-44B3-B716-FBFED19FA214}"/>
               </a:ext>
             </a:extLst>
           </p:cNvPr>
@@ -3634,7 +3634,7 @@
           <p:cNvPr id="7" name="Slide Number Placeholder 6">
             <a:extLst>
               <a:ext uri="{FF2B5EF4-FFF2-40B4-BE49-F238E27FC236}">
-                <a16:creationId xmlns:a16="http://schemas.microsoft.com/office/drawing/2014/main" xmlns="" id="{85D9FBD2-4A9B-476B-882C-59A9EB932CB8}"/>
+                <a16:creationId xmlns="" xmlns:a16="http://schemas.microsoft.com/office/drawing/2014/main" id="{85D9FBD2-4A9B-476B-882C-59A9EB932CB8}"/>
               </a:ext>
             </a:extLst>
           </p:cNvPr>
@@ -3693,7 +3693,7 @@
           <p:cNvPr id="2" name="Title 1">
             <a:extLst>
               <a:ext uri="{FF2B5EF4-FFF2-40B4-BE49-F238E27FC236}">
-                <a16:creationId xmlns:a16="http://schemas.microsoft.com/office/drawing/2014/main" xmlns="" id="{D8E458F4-372F-41F4-ABEB-19501F17853A}"/>
+                <a16:creationId xmlns="" xmlns:a16="http://schemas.microsoft.com/office/drawing/2014/main" id="{D8E458F4-372F-41F4-ABEB-19501F17853A}"/>
               </a:ext>
             </a:extLst>
           </p:cNvPr>
@@ -3730,7 +3730,7 @@
           <p:cNvPr id="3" name="Picture Placeholder 2">
             <a:extLst>
               <a:ext uri="{FF2B5EF4-FFF2-40B4-BE49-F238E27FC236}">
-                <a16:creationId xmlns:a16="http://schemas.microsoft.com/office/drawing/2014/main" xmlns="" id="{E81F4FF9-2820-4E0A-86BB-E0518A2759C1}"/>
+                <a16:creationId xmlns="" xmlns:a16="http://schemas.microsoft.com/office/drawing/2014/main" id="{E81F4FF9-2820-4E0A-86BB-E0518A2759C1}"/>
               </a:ext>
             </a:extLst>
           </p:cNvPr>
@@ -3797,7 +3797,7 @@
           <p:cNvPr id="4" name="Text Placeholder 3">
             <a:extLst>
               <a:ext uri="{FF2B5EF4-FFF2-40B4-BE49-F238E27FC236}">
-                <a16:creationId xmlns:a16="http://schemas.microsoft.com/office/drawing/2014/main" xmlns="" id="{3E19A82D-8F71-4C92-8DC3-A8922FCD6ED6}"/>
+                <a16:creationId xmlns="" xmlns:a16="http://schemas.microsoft.com/office/drawing/2014/main" id="{3E19A82D-8F71-4C92-8DC3-A8922FCD6ED6}"/>
               </a:ext>
             </a:extLst>
           </p:cNvPr>
@@ -3868,7 +3868,7 @@
           <p:cNvPr id="5" name="Date Placeholder 4">
             <a:extLst>
               <a:ext uri="{FF2B5EF4-FFF2-40B4-BE49-F238E27FC236}">
-                <a16:creationId xmlns:a16="http://schemas.microsoft.com/office/drawing/2014/main" xmlns="" id="{A90A62E8-B814-4209-92ED-F6911C8EA580}"/>
+                <a16:creationId xmlns="" xmlns:a16="http://schemas.microsoft.com/office/drawing/2014/main" id="{A90A62E8-B814-4209-92ED-F6911C8EA580}"/>
               </a:ext>
             </a:extLst>
           </p:cNvPr>
@@ -3886,7 +3886,7 @@
           <a:p>
             <a:fld id="{E6B745F9-3542-49C6-ABAF-CEF90058D141}" type="datetimeFigureOut">
               <a:rPr lang="en-US" smtClean="0"/>
-              <a:t>12/3/2023</a:t>
+              <a:t>12/10/2023</a:t>
             </a:fld>
             <a:endParaRPr lang="en-US"/>
           </a:p>
@@ -3897,7 +3897,7 @@
           <p:cNvPr id="6" name="Footer Placeholder 5">
             <a:extLst>
               <a:ext uri="{FF2B5EF4-FFF2-40B4-BE49-F238E27FC236}">
-                <a16:creationId xmlns:a16="http://schemas.microsoft.com/office/drawing/2014/main" xmlns="" id="{D1A826A4-6752-484A-87E3-10D22132F5AA}"/>
+                <a16:creationId xmlns="" xmlns:a16="http://schemas.microsoft.com/office/drawing/2014/main" id="{D1A826A4-6752-484A-87E3-10D22132F5AA}"/>
               </a:ext>
             </a:extLst>
           </p:cNvPr>
@@ -3922,7 +3922,7 @@
           <p:cNvPr id="7" name="Slide Number Placeholder 6">
             <a:extLst>
               <a:ext uri="{FF2B5EF4-FFF2-40B4-BE49-F238E27FC236}">
-                <a16:creationId xmlns:a16="http://schemas.microsoft.com/office/drawing/2014/main" xmlns="" id="{A3C2FDE1-0143-45B4-BFD1-A646E4838CE0}"/>
+                <a16:creationId xmlns="" xmlns:a16="http://schemas.microsoft.com/office/drawing/2014/main" id="{A3C2FDE1-0143-45B4-BFD1-A646E4838CE0}"/>
               </a:ext>
             </a:extLst>
           </p:cNvPr>
@@ -3986,7 +3986,7 @@
           <p:cNvPr id="2" name="Title Placeholder 1">
             <a:extLst>
               <a:ext uri="{FF2B5EF4-FFF2-40B4-BE49-F238E27FC236}">
-                <a16:creationId xmlns:a16="http://schemas.microsoft.com/office/drawing/2014/main" xmlns="" id="{EA1D705C-7862-442E-8734-3A7F0AEC125A}"/>
+                <a16:creationId xmlns="" xmlns:a16="http://schemas.microsoft.com/office/drawing/2014/main" id="{EA1D705C-7862-442E-8734-3A7F0AEC125A}"/>
               </a:ext>
             </a:extLst>
           </p:cNvPr>
@@ -4024,7 +4024,7 @@
           <p:cNvPr id="3" name="Text Placeholder 2">
             <a:extLst>
               <a:ext uri="{FF2B5EF4-FFF2-40B4-BE49-F238E27FC236}">
-                <a16:creationId xmlns:a16="http://schemas.microsoft.com/office/drawing/2014/main" xmlns="" id="{9F6FB3BC-7FF6-4BD7-A147-B7BB23288836}"/>
+                <a16:creationId xmlns="" xmlns:a16="http://schemas.microsoft.com/office/drawing/2014/main" id="{9F6FB3BC-7FF6-4BD7-A147-B7BB23288836}"/>
               </a:ext>
             </a:extLst>
           </p:cNvPr>
@@ -4091,7 +4091,7 @@
           <p:cNvPr id="4" name="Date Placeholder 3">
             <a:extLst>
               <a:ext uri="{FF2B5EF4-FFF2-40B4-BE49-F238E27FC236}">
-                <a16:creationId xmlns:a16="http://schemas.microsoft.com/office/drawing/2014/main" xmlns="" id="{C9EB0731-608D-4BD4-8009-5FBAF8823131}"/>
+                <a16:creationId xmlns="" xmlns:a16="http://schemas.microsoft.com/office/drawing/2014/main" id="{C9EB0731-608D-4BD4-8009-5FBAF8823131}"/>
               </a:ext>
             </a:extLst>
           </p:cNvPr>
@@ -4127,7 +4127,7 @@
           <a:p>
             <a:fld id="{E6B745F9-3542-49C6-ABAF-CEF90058D141}" type="datetimeFigureOut">
               <a:rPr lang="en-US" smtClean="0"/>
-              <a:t>12/3/2023</a:t>
+              <a:t>12/10/2023</a:t>
             </a:fld>
             <a:endParaRPr lang="en-US"/>
           </a:p>
@@ -4138,7 +4138,7 @@
           <p:cNvPr id="5" name="Footer Placeholder 4">
             <a:extLst>
               <a:ext uri="{FF2B5EF4-FFF2-40B4-BE49-F238E27FC236}">
-                <a16:creationId xmlns:a16="http://schemas.microsoft.com/office/drawing/2014/main" xmlns="" id="{BF979A2C-DA82-4F1B-A033-A1ACD5A58025}"/>
+                <a16:creationId xmlns="" xmlns:a16="http://schemas.microsoft.com/office/drawing/2014/main" id="{BF979A2C-DA82-4F1B-A033-A1ACD5A58025}"/>
               </a:ext>
             </a:extLst>
           </p:cNvPr>
@@ -4181,7 +4181,7 @@
           <p:cNvPr id="6" name="Slide Number Placeholder 5">
             <a:extLst>
               <a:ext uri="{FF2B5EF4-FFF2-40B4-BE49-F238E27FC236}">
-                <a16:creationId xmlns:a16="http://schemas.microsoft.com/office/drawing/2014/main" xmlns="" id="{4EF5A5F8-3425-41EC-AD17-233CE8058B50}"/>
+                <a16:creationId xmlns="" xmlns:a16="http://schemas.microsoft.com/office/drawing/2014/main" id="{4EF5A5F8-3425-41EC-AD17-233CE8058B50}"/>
               </a:ext>
             </a:extLst>
           </p:cNvPr>
@@ -4550,7 +4550,7 @@
           <p:cNvPr id="2" name="Rectangle 1">
             <a:extLst>
               <a:ext uri="{FF2B5EF4-FFF2-40B4-BE49-F238E27FC236}">
-                <a16:creationId xmlns:a16="http://schemas.microsoft.com/office/drawing/2014/main" xmlns="" id="{42FC97F3-947E-851A-1952-C07B7CD27391}"/>
+                <a16:creationId xmlns="" xmlns:a16="http://schemas.microsoft.com/office/drawing/2014/main" id="{42FC97F3-947E-851A-1952-C07B7CD27391}"/>
               </a:ext>
             </a:extLst>
           </p:cNvPr>
@@ -4623,7 +4623,7 @@
           <p:cNvPr id="3" name="Rectangle 2">
             <a:extLst>
               <a:ext uri="{FF2B5EF4-FFF2-40B4-BE49-F238E27FC236}">
-                <a16:creationId xmlns:a16="http://schemas.microsoft.com/office/drawing/2014/main" xmlns="" id="{420F35A9-7A72-29CE-1453-439527D3BD50}"/>
+                <a16:creationId xmlns="" xmlns:a16="http://schemas.microsoft.com/office/drawing/2014/main" id="{420F35A9-7A72-29CE-1453-439527D3BD50}"/>
               </a:ext>
             </a:extLst>
           </p:cNvPr>
@@ -4675,7 +4675,7 @@
           <p:cNvPr id="19" name="Rectangle 18">
             <a:extLst>
               <a:ext uri="{FF2B5EF4-FFF2-40B4-BE49-F238E27FC236}">
-                <a16:creationId xmlns:a16="http://schemas.microsoft.com/office/drawing/2014/main" xmlns="" id="{7D5E1AF5-180A-5AF9-2499-D8EE46DACA98}"/>
+                <a16:creationId xmlns="" xmlns:a16="http://schemas.microsoft.com/office/drawing/2014/main" id="{7D5E1AF5-180A-5AF9-2499-D8EE46DACA98}"/>
               </a:ext>
             </a:extLst>
           </p:cNvPr>
@@ -4736,7 +4736,7 @@
           <p:cNvPr id="20" name="Rectangle 19">
             <a:extLst>
               <a:ext uri="{FF2B5EF4-FFF2-40B4-BE49-F238E27FC236}">
-                <a16:creationId xmlns:a16="http://schemas.microsoft.com/office/drawing/2014/main" xmlns="" id="{CCB947C4-E8B5-632F-4966-071A902CCCD2}"/>
+                <a16:creationId xmlns="" xmlns:a16="http://schemas.microsoft.com/office/drawing/2014/main" id="{CCB947C4-E8B5-632F-4966-071A902CCCD2}"/>
               </a:ext>
             </a:extLst>
           </p:cNvPr>
@@ -4797,7 +4797,7 @@
           <p:cNvPr id="24" name="Rectangle 23">
             <a:extLst>
               <a:ext uri="{FF2B5EF4-FFF2-40B4-BE49-F238E27FC236}">
-                <a16:creationId xmlns:a16="http://schemas.microsoft.com/office/drawing/2014/main" xmlns="" id="{67320FB7-7D5A-6152-5B6D-90D3282C2162}"/>
+                <a16:creationId xmlns="" xmlns:a16="http://schemas.microsoft.com/office/drawing/2014/main" id="{67320FB7-7D5A-6152-5B6D-90D3282C2162}"/>
               </a:ext>
             </a:extLst>
           </p:cNvPr>
@@ -4870,7 +4870,7 @@
           <p:cNvPr id="25" name="Rectangle 24">
             <a:extLst>
               <a:ext uri="{FF2B5EF4-FFF2-40B4-BE49-F238E27FC236}">
-                <a16:creationId xmlns:a16="http://schemas.microsoft.com/office/drawing/2014/main" xmlns="" id="{B0EDA6E1-E3F5-379A-FFB1-DA1DC58F5A73}"/>
+                <a16:creationId xmlns="" xmlns:a16="http://schemas.microsoft.com/office/drawing/2014/main" id="{B0EDA6E1-E3F5-379A-FFB1-DA1DC58F5A73}"/>
               </a:ext>
             </a:extLst>
           </p:cNvPr>
@@ -4927,7 +4927,7 @@
           <p:cNvPr id="27" name="Rectangle 26">
             <a:extLst>
               <a:ext uri="{FF2B5EF4-FFF2-40B4-BE49-F238E27FC236}">
-                <a16:creationId xmlns:a16="http://schemas.microsoft.com/office/drawing/2014/main" xmlns="" id="{77596002-0F9C-6E91-C16A-D823DA0D0754}"/>
+                <a16:creationId xmlns="" xmlns:a16="http://schemas.microsoft.com/office/drawing/2014/main" id="{77596002-0F9C-6E91-C16A-D823DA0D0754}"/>
               </a:ext>
             </a:extLst>
           </p:cNvPr>
@@ -4990,7 +4990,7 @@
           <p:cNvPr id="28" name="Rectangle 27">
             <a:extLst>
               <a:ext uri="{FF2B5EF4-FFF2-40B4-BE49-F238E27FC236}">
-                <a16:creationId xmlns:a16="http://schemas.microsoft.com/office/drawing/2014/main" xmlns="" id="{88D67871-6AE9-997A-C873-DBB9938F21D6}"/>
+                <a16:creationId xmlns="" xmlns:a16="http://schemas.microsoft.com/office/drawing/2014/main" id="{88D67871-6AE9-997A-C873-DBB9938F21D6}"/>
               </a:ext>
             </a:extLst>
           </p:cNvPr>
@@ -5049,7 +5049,7 @@
           <p:cNvPr id="30" name="Rectangle 29">
             <a:extLst>
               <a:ext uri="{FF2B5EF4-FFF2-40B4-BE49-F238E27FC236}">
-                <a16:creationId xmlns:a16="http://schemas.microsoft.com/office/drawing/2014/main" xmlns="" id="{9271F062-3BB9-A923-702E-BFD26BFBDE95}"/>
+                <a16:creationId xmlns="" xmlns:a16="http://schemas.microsoft.com/office/drawing/2014/main" id="{9271F062-3BB9-A923-702E-BFD26BFBDE95}"/>
               </a:ext>
             </a:extLst>
           </p:cNvPr>
@@ -5109,7 +5109,7 @@
           <p:cNvPr id="31" name="Rectangle 30">
             <a:extLst>
               <a:ext uri="{FF2B5EF4-FFF2-40B4-BE49-F238E27FC236}">
-                <a16:creationId xmlns:a16="http://schemas.microsoft.com/office/drawing/2014/main" xmlns="" id="{293CD6A3-4BD5-A32B-602A-D927827D8180}"/>
+                <a16:creationId xmlns="" xmlns:a16="http://schemas.microsoft.com/office/drawing/2014/main" id="{293CD6A3-4BD5-A32B-602A-D927827D8180}"/>
               </a:ext>
             </a:extLst>
           </p:cNvPr>
@@ -5168,7 +5168,7 @@
           <p:cNvPr id="39" name="Graphic 38" descr="Confused person with solid fill">
             <a:extLst>
               <a:ext uri="{FF2B5EF4-FFF2-40B4-BE49-F238E27FC236}">
-                <a16:creationId xmlns:a16="http://schemas.microsoft.com/office/drawing/2014/main" xmlns="" id="{D2DFF00F-4154-AD81-A459-CF5F1D1A5719}"/>
+                <a16:creationId xmlns="" xmlns:a16="http://schemas.microsoft.com/office/drawing/2014/main" id="{D2DFF00F-4154-AD81-A459-CF5F1D1A5719}"/>
               </a:ext>
             </a:extLst>
           </p:cNvPr>
@@ -5184,7 +5184,7 @@
                 <a14:useLocalDpi xmlns:a14="http://schemas.microsoft.com/office/drawing/2010/main" val="0"/>
               </a:ext>
               <a:ext uri="{96DAC541-7B7A-43D3-8B79-37D633B846F1}">
-                <asvg:svgBlip xmlns:asvg="http://schemas.microsoft.com/office/drawing/2016/SVG/main" xmlns="" r:embed="rId4"/>
+                <asvg:svgBlip xmlns="" xmlns:asvg="http://schemas.microsoft.com/office/drawing/2016/SVG/main" r:embed="rId4"/>
               </a:ext>
             </a:extLst>
           </a:blip>
@@ -5207,7 +5207,7 @@
           <p:cNvPr id="40" name="Graphic 39" descr="Confused person with solid fill">
             <a:extLst>
               <a:ext uri="{FF2B5EF4-FFF2-40B4-BE49-F238E27FC236}">
-                <a16:creationId xmlns:a16="http://schemas.microsoft.com/office/drawing/2014/main" xmlns="" id="{5F2289E8-06B4-A2BD-EFBD-4D64791DDBD4}"/>
+                <a16:creationId xmlns="" xmlns:a16="http://schemas.microsoft.com/office/drawing/2014/main" id="{5F2289E8-06B4-A2BD-EFBD-4D64791DDBD4}"/>
               </a:ext>
             </a:extLst>
           </p:cNvPr>
@@ -5223,7 +5223,7 @@
                 <a14:useLocalDpi xmlns:a14="http://schemas.microsoft.com/office/drawing/2010/main" val="0"/>
               </a:ext>
               <a:ext uri="{96DAC541-7B7A-43D3-8B79-37D633B846F1}">
-                <asvg:svgBlip xmlns:asvg="http://schemas.microsoft.com/office/drawing/2016/SVG/main" xmlns="" r:embed="rId4"/>
+                <asvg:svgBlip xmlns="" xmlns:asvg="http://schemas.microsoft.com/office/drawing/2016/SVG/main" r:embed="rId4"/>
               </a:ext>
             </a:extLst>
           </a:blip>
@@ -5246,7 +5246,7 @@
           <p:cNvPr id="41" name="Graphic 40" descr="Confused person with solid fill">
             <a:extLst>
               <a:ext uri="{FF2B5EF4-FFF2-40B4-BE49-F238E27FC236}">
-                <a16:creationId xmlns:a16="http://schemas.microsoft.com/office/drawing/2014/main" xmlns="" id="{7577F241-7D02-1BAB-2D14-D9DE73EF5CFE}"/>
+                <a16:creationId xmlns="" xmlns:a16="http://schemas.microsoft.com/office/drawing/2014/main" id="{7577F241-7D02-1BAB-2D14-D9DE73EF5CFE}"/>
               </a:ext>
             </a:extLst>
           </p:cNvPr>
@@ -5262,7 +5262,7 @@
                 <a14:useLocalDpi xmlns:a14="http://schemas.microsoft.com/office/drawing/2010/main" val="0"/>
               </a:ext>
               <a:ext uri="{96DAC541-7B7A-43D3-8B79-37D633B846F1}">
-                <asvg:svgBlip xmlns:asvg="http://schemas.microsoft.com/office/drawing/2016/SVG/main" xmlns="" r:embed="rId4"/>
+                <asvg:svgBlip xmlns="" xmlns:asvg="http://schemas.microsoft.com/office/drawing/2016/SVG/main" r:embed="rId4"/>
               </a:ext>
             </a:extLst>
           </a:blip>
@@ -5285,7 +5285,7 @@
           <p:cNvPr id="42" name="Graphic 41" descr="Confused person with solid fill">
             <a:extLst>
               <a:ext uri="{FF2B5EF4-FFF2-40B4-BE49-F238E27FC236}">
-                <a16:creationId xmlns:a16="http://schemas.microsoft.com/office/drawing/2014/main" xmlns="" id="{5D30CE55-6615-2C09-2BF1-11DE2CA6B26C}"/>
+                <a16:creationId xmlns="" xmlns:a16="http://schemas.microsoft.com/office/drawing/2014/main" id="{5D30CE55-6615-2C09-2BF1-11DE2CA6B26C}"/>
               </a:ext>
             </a:extLst>
           </p:cNvPr>
@@ -5301,7 +5301,7 @@
                 <a14:useLocalDpi xmlns:a14="http://schemas.microsoft.com/office/drawing/2010/main" val="0"/>
               </a:ext>
               <a:ext uri="{96DAC541-7B7A-43D3-8B79-37D633B846F1}">
-                <asvg:svgBlip xmlns:asvg="http://schemas.microsoft.com/office/drawing/2016/SVG/main" xmlns="" r:embed="rId4"/>
+                <asvg:svgBlip xmlns="" xmlns:asvg="http://schemas.microsoft.com/office/drawing/2016/SVG/main" r:embed="rId4"/>
               </a:ext>
             </a:extLst>
           </a:blip>
@@ -5311,7 +5311,7 @@
         </p:blipFill>
         <p:spPr>
           <a:xfrm>
-            <a:off x="5045475" y="1845816"/>
+            <a:off x="4792169" y="1839083"/>
             <a:ext cx="495670" cy="495670"/>
           </a:xfrm>
           <a:prstGeom prst="rect">
@@ -5324,7 +5324,7 @@
           <p:cNvPr id="43" name="Graphic 42" descr="Confused person with solid fill">
             <a:extLst>
               <a:ext uri="{FF2B5EF4-FFF2-40B4-BE49-F238E27FC236}">
-                <a16:creationId xmlns:a16="http://schemas.microsoft.com/office/drawing/2014/main" xmlns="" id="{6E1B143C-6E2A-34C6-AD28-25367C5BFF70}"/>
+                <a16:creationId xmlns="" xmlns:a16="http://schemas.microsoft.com/office/drawing/2014/main" id="{6E1B143C-6E2A-34C6-AD28-25367C5BFF70}"/>
               </a:ext>
             </a:extLst>
           </p:cNvPr>
@@ -5340,7 +5340,7 @@
                 <a14:useLocalDpi xmlns:a14="http://schemas.microsoft.com/office/drawing/2010/main" val="0"/>
               </a:ext>
               <a:ext uri="{96DAC541-7B7A-43D3-8B79-37D633B846F1}">
-                <asvg:svgBlip xmlns:asvg="http://schemas.microsoft.com/office/drawing/2016/SVG/main" xmlns="" r:embed="rId4"/>
+                <asvg:svgBlip xmlns="" xmlns:asvg="http://schemas.microsoft.com/office/drawing/2016/SVG/main" r:embed="rId4"/>
               </a:ext>
             </a:extLst>
           </a:blip>
@@ -5350,7 +5350,7 @@
         </p:blipFill>
         <p:spPr>
           <a:xfrm>
-            <a:off x="5116496" y="4136255"/>
+            <a:off x="4657351" y="4142108"/>
             <a:ext cx="495670" cy="495670"/>
           </a:xfrm>
           <a:prstGeom prst="rect">
@@ -5363,7 +5363,7 @@
           <p:cNvPr id="44" name="Graphic 43" descr="Confused person with solid fill">
             <a:extLst>
               <a:ext uri="{FF2B5EF4-FFF2-40B4-BE49-F238E27FC236}">
-                <a16:creationId xmlns:a16="http://schemas.microsoft.com/office/drawing/2014/main" xmlns="" id="{CE6A8D10-631E-46CA-DE61-B5581A72999B}"/>
+                <a16:creationId xmlns="" xmlns:a16="http://schemas.microsoft.com/office/drawing/2014/main" id="{CE6A8D10-631E-46CA-DE61-B5581A72999B}"/>
               </a:ext>
             </a:extLst>
           </p:cNvPr>
@@ -5379,7 +5379,7 @@
                 <a14:useLocalDpi xmlns:a14="http://schemas.microsoft.com/office/drawing/2010/main" val="0"/>
               </a:ext>
               <a:ext uri="{96DAC541-7B7A-43D3-8B79-37D633B846F1}">
-                <asvg:svgBlip xmlns:asvg="http://schemas.microsoft.com/office/drawing/2016/SVG/main" xmlns="" r:embed="rId4"/>
+                <asvg:svgBlip xmlns="" xmlns:asvg="http://schemas.microsoft.com/office/drawing/2016/SVG/main" r:embed="rId4"/>
               </a:ext>
             </a:extLst>
           </a:blip>
@@ -5402,7 +5402,7 @@
           <p:cNvPr id="6" name="Rectangle 5">
             <a:extLst>
               <a:ext uri="{FF2B5EF4-FFF2-40B4-BE49-F238E27FC236}">
-                <a16:creationId xmlns:a16="http://schemas.microsoft.com/office/drawing/2014/main" xmlns="" id="{B74264C2-095A-5EAC-982C-0B7235B2883A}"/>
+                <a16:creationId xmlns="" xmlns:a16="http://schemas.microsoft.com/office/drawing/2014/main" id="{B74264C2-095A-5EAC-982C-0B7235B2883A}"/>
               </a:ext>
             </a:extLst>
           </p:cNvPr>
@@ -5462,7 +5462,7 @@
           <p:cNvPr id="56" name="Rectangle 55">
             <a:extLst>
               <a:ext uri="{FF2B5EF4-FFF2-40B4-BE49-F238E27FC236}">
-                <a16:creationId xmlns:a16="http://schemas.microsoft.com/office/drawing/2014/main" xmlns="" id="{AE9C9780-85AF-E516-E7D4-2A0D134D7275}"/>
+                <a16:creationId xmlns="" xmlns:a16="http://schemas.microsoft.com/office/drawing/2014/main" id="{AE9C9780-85AF-E516-E7D4-2A0D134D7275}"/>
               </a:ext>
             </a:extLst>
           </p:cNvPr>
@@ -5528,7 +5528,7 @@
           <p:cNvPr id="57" name="Rectangle 56">
             <a:extLst>
               <a:ext uri="{FF2B5EF4-FFF2-40B4-BE49-F238E27FC236}">
-                <a16:creationId xmlns:a16="http://schemas.microsoft.com/office/drawing/2014/main" xmlns="" id="{B7EAD7F7-FB3B-1847-D87D-63E3E4878ABE}"/>
+                <a16:creationId xmlns="" xmlns:a16="http://schemas.microsoft.com/office/drawing/2014/main" id="{B7EAD7F7-FB3B-1847-D87D-63E3E4878ABE}"/>
               </a:ext>
             </a:extLst>
           </p:cNvPr>
@@ -5599,7 +5599,7 @@
           <p:cNvPr id="60" name="Rectangle 59">
             <a:extLst>
               <a:ext uri="{FF2B5EF4-FFF2-40B4-BE49-F238E27FC236}">
-                <a16:creationId xmlns:a16="http://schemas.microsoft.com/office/drawing/2014/main" xmlns="" id="{DDC135C9-C444-8F1B-A82F-309DDBB5A2B9}"/>
+                <a16:creationId xmlns="" xmlns:a16="http://schemas.microsoft.com/office/drawing/2014/main" id="{DDC135C9-C444-8F1B-A82F-309DDBB5A2B9}"/>
               </a:ext>
             </a:extLst>
           </p:cNvPr>
@@ -5682,7 +5682,7 @@
           <p:cNvPr id="68" name="Graphic 67" descr="Confused person with solid fill">
             <a:extLst>
               <a:ext uri="{FF2B5EF4-FFF2-40B4-BE49-F238E27FC236}">
-                <a16:creationId xmlns:a16="http://schemas.microsoft.com/office/drawing/2014/main" xmlns="" id="{38D8FEEA-B302-F996-3215-E0FEA2185F02}"/>
+                <a16:creationId xmlns="" xmlns:a16="http://schemas.microsoft.com/office/drawing/2014/main" id="{38D8FEEA-B302-F996-3215-E0FEA2185F02}"/>
               </a:ext>
             </a:extLst>
           </p:cNvPr>
@@ -5698,7 +5698,7 @@
                 <a14:useLocalDpi xmlns:a14="http://schemas.microsoft.com/office/drawing/2010/main" val="0"/>
               </a:ext>
               <a:ext uri="{96DAC541-7B7A-43D3-8B79-37D633B846F1}">
-                <asvg:svgBlip xmlns:asvg="http://schemas.microsoft.com/office/drawing/2016/SVG/main" xmlns="" r:embed="rId4"/>
+                <asvg:svgBlip xmlns="" xmlns:asvg="http://schemas.microsoft.com/office/drawing/2016/SVG/main" r:embed="rId4"/>
               </a:ext>
             </a:extLst>
           </a:blip>
@@ -5721,7 +5721,7 @@
           <p:cNvPr id="4" name="Rectangle 3">
             <a:extLst>
               <a:ext uri="{FF2B5EF4-FFF2-40B4-BE49-F238E27FC236}">
-                <a16:creationId xmlns:a16="http://schemas.microsoft.com/office/drawing/2014/main" xmlns="" id="{EF9EA384-F0FC-1E4E-1953-64AC17A2E05A}"/>
+                <a16:creationId xmlns="" xmlns:a16="http://schemas.microsoft.com/office/drawing/2014/main" id="{EF9EA384-F0FC-1E4E-1953-64AC17A2E05A}"/>
               </a:ext>
             </a:extLst>
           </p:cNvPr>
@@ -5791,7 +5791,7 @@
           <p:cNvPr id="5" name="Rectangle 4">
             <a:extLst>
               <a:ext uri="{FF2B5EF4-FFF2-40B4-BE49-F238E27FC236}">
-                <a16:creationId xmlns:a16="http://schemas.microsoft.com/office/drawing/2014/main" xmlns="" id="{5A279BB3-7D94-774A-CF70-28398DBE656B}"/>
+                <a16:creationId xmlns="" xmlns:a16="http://schemas.microsoft.com/office/drawing/2014/main" id="{5A279BB3-7D94-774A-CF70-28398DBE656B}"/>
               </a:ext>
             </a:extLst>
           </p:cNvPr>
@@ -5857,7 +5857,7 @@
           <p:cNvPr id="8" name="Rectangle 7">
             <a:extLst>
               <a:ext uri="{FF2B5EF4-FFF2-40B4-BE49-F238E27FC236}">
-                <a16:creationId xmlns:a16="http://schemas.microsoft.com/office/drawing/2014/main" xmlns="" id="{C3A3A168-CBFE-C9D0-0F01-E1D3DF98D5C5}"/>
+                <a16:creationId xmlns="" xmlns:a16="http://schemas.microsoft.com/office/drawing/2014/main" id="{C3A3A168-CBFE-C9D0-0F01-E1D3DF98D5C5}"/>
               </a:ext>
             </a:extLst>
           </p:cNvPr>
@@ -5923,7 +5923,7 @@
           <p:cNvPr id="9" name="Rectangle 8">
             <a:extLst>
               <a:ext uri="{FF2B5EF4-FFF2-40B4-BE49-F238E27FC236}">
-                <a16:creationId xmlns:a16="http://schemas.microsoft.com/office/drawing/2014/main" xmlns="" id="{5DCE1FF0-D56E-16E9-00C2-302A4F6E9BD3}"/>
+                <a16:creationId xmlns="" xmlns:a16="http://schemas.microsoft.com/office/drawing/2014/main" id="{5DCE1FF0-D56E-16E9-00C2-302A4F6E9BD3}"/>
               </a:ext>
             </a:extLst>
           </p:cNvPr>
@@ -6001,7 +6001,7 @@
           <p:cNvPr id="11" name="Rectangle 10">
             <a:extLst>
               <a:ext uri="{FF2B5EF4-FFF2-40B4-BE49-F238E27FC236}">
-                <a16:creationId xmlns:a16="http://schemas.microsoft.com/office/drawing/2014/main" xmlns="" id="{6C710F35-50F6-19BB-5CD4-9931A310E645}"/>
+                <a16:creationId xmlns="" xmlns:a16="http://schemas.microsoft.com/office/drawing/2014/main" id="{6C710F35-50F6-19BB-5CD4-9931A310E645}"/>
               </a:ext>
             </a:extLst>
           </p:cNvPr>
@@ -6062,7 +6062,7 @@
           <p:cNvPr id="12" name="Rectangle 11">
             <a:extLst>
               <a:ext uri="{FF2B5EF4-FFF2-40B4-BE49-F238E27FC236}">
-                <a16:creationId xmlns:a16="http://schemas.microsoft.com/office/drawing/2014/main" xmlns="" id="{9AC8A39E-D167-0BE5-A78C-10ABBFCEE3C4}"/>
+                <a16:creationId xmlns="" xmlns:a16="http://schemas.microsoft.com/office/drawing/2014/main" id="{9AC8A39E-D167-0BE5-A78C-10ABBFCEE3C4}"/>
               </a:ext>
             </a:extLst>
           </p:cNvPr>
@@ -6163,7 +6163,7 @@
           <p:cNvPr id="2" name="Rectangle 1">
             <a:extLst>
               <a:ext uri="{FF2B5EF4-FFF2-40B4-BE49-F238E27FC236}">
-                <a16:creationId xmlns:a16="http://schemas.microsoft.com/office/drawing/2014/main" xmlns="" id="{42FC97F3-947E-851A-1952-C07B7CD27391}"/>
+                <a16:creationId xmlns="" xmlns:a16="http://schemas.microsoft.com/office/drawing/2014/main" id="{42FC97F3-947E-851A-1952-C07B7CD27391}"/>
               </a:ext>
             </a:extLst>
           </p:cNvPr>
@@ -6260,7 +6260,7 @@
           <p:cNvPr id="3" name="Rectangle 2">
             <a:extLst>
               <a:ext uri="{FF2B5EF4-FFF2-40B4-BE49-F238E27FC236}">
-                <a16:creationId xmlns:a16="http://schemas.microsoft.com/office/drawing/2014/main" xmlns="" id="{420F35A9-7A72-29CE-1453-439527D3BD50}"/>
+                <a16:creationId xmlns="" xmlns:a16="http://schemas.microsoft.com/office/drawing/2014/main" id="{420F35A9-7A72-29CE-1453-439527D3BD50}"/>
               </a:ext>
             </a:extLst>
           </p:cNvPr>
@@ -6312,7 +6312,7 @@
           <p:cNvPr id="7" name="Rectangle 6">
             <a:extLst>
               <a:ext uri="{FF2B5EF4-FFF2-40B4-BE49-F238E27FC236}">
-                <a16:creationId xmlns:a16="http://schemas.microsoft.com/office/drawing/2014/main" xmlns="" id="{A79D0C7A-221F-D9ED-9A21-6EE4CD4607C6}"/>
+                <a16:creationId xmlns="" xmlns:a16="http://schemas.microsoft.com/office/drawing/2014/main" id="{A79D0C7A-221F-D9ED-9A21-6EE4CD4607C6}"/>
               </a:ext>
             </a:extLst>
           </p:cNvPr>
@@ -6385,7 +6385,7 @@
           <p:cNvPr id="10" name="Rectangle 9">
             <a:extLst>
               <a:ext uri="{FF2B5EF4-FFF2-40B4-BE49-F238E27FC236}">
-                <a16:creationId xmlns:a16="http://schemas.microsoft.com/office/drawing/2014/main" xmlns="" id="{8D6003AE-C637-EFD9-2876-6E947685882D}"/>
+                <a16:creationId xmlns="" xmlns:a16="http://schemas.microsoft.com/office/drawing/2014/main" id="{8D6003AE-C637-EFD9-2876-6E947685882D}"/>
               </a:ext>
             </a:extLst>
           </p:cNvPr>
@@ -6442,7 +6442,7 @@
           <p:cNvPr id="16" name="Rectangle 15">
             <a:extLst>
               <a:ext uri="{FF2B5EF4-FFF2-40B4-BE49-F238E27FC236}">
-                <a16:creationId xmlns:a16="http://schemas.microsoft.com/office/drawing/2014/main" xmlns="" id="{62F6EC4B-AD23-583E-CC35-ABEE0C57CEC6}"/>
+                <a16:creationId xmlns="" xmlns:a16="http://schemas.microsoft.com/office/drawing/2014/main" id="{62F6EC4B-AD23-583E-CC35-ABEE0C57CEC6}"/>
               </a:ext>
             </a:extLst>
           </p:cNvPr>
@@ -6515,7 +6515,7 @@
           <p:cNvPr id="18" name="Rectangle 17">
             <a:extLst>
               <a:ext uri="{FF2B5EF4-FFF2-40B4-BE49-F238E27FC236}">
-                <a16:creationId xmlns:a16="http://schemas.microsoft.com/office/drawing/2014/main" xmlns="" id="{F2642F52-C8EB-F8E0-AE3C-D820FE9B0E6B}"/>
+                <a16:creationId xmlns="" xmlns:a16="http://schemas.microsoft.com/office/drawing/2014/main" id="{F2642F52-C8EB-F8E0-AE3C-D820FE9B0E6B}"/>
               </a:ext>
             </a:extLst>
           </p:cNvPr>
@@ -6586,7 +6586,7 @@
           <p:cNvPr id="19" name="Rectangle 18">
             <a:extLst>
               <a:ext uri="{FF2B5EF4-FFF2-40B4-BE49-F238E27FC236}">
-                <a16:creationId xmlns:a16="http://schemas.microsoft.com/office/drawing/2014/main" xmlns="" id="{7D5E1AF5-180A-5AF9-2499-D8EE46DACA98}"/>
+                <a16:creationId xmlns="" xmlns:a16="http://schemas.microsoft.com/office/drawing/2014/main" id="{7D5E1AF5-180A-5AF9-2499-D8EE46DACA98}"/>
               </a:ext>
             </a:extLst>
           </p:cNvPr>
@@ -6643,7 +6643,7 @@
           <p:cNvPr id="20" name="Rectangle 19">
             <a:extLst>
               <a:ext uri="{FF2B5EF4-FFF2-40B4-BE49-F238E27FC236}">
-                <a16:creationId xmlns:a16="http://schemas.microsoft.com/office/drawing/2014/main" xmlns="" id="{CCB947C4-E8B5-632F-4966-071A902CCCD2}"/>
+                <a16:creationId xmlns="" xmlns:a16="http://schemas.microsoft.com/office/drawing/2014/main" id="{CCB947C4-E8B5-632F-4966-071A902CCCD2}"/>
               </a:ext>
             </a:extLst>
           </p:cNvPr>
@@ -6700,7 +6700,7 @@
           <p:cNvPr id="22" name="Rectangle 21">
             <a:extLst>
               <a:ext uri="{FF2B5EF4-FFF2-40B4-BE49-F238E27FC236}">
-                <a16:creationId xmlns:a16="http://schemas.microsoft.com/office/drawing/2014/main" xmlns="" id="{D44981CC-B652-48B3-488E-F02504FA39D2}"/>
+                <a16:creationId xmlns="" xmlns:a16="http://schemas.microsoft.com/office/drawing/2014/main" id="{D44981CC-B652-48B3-488E-F02504FA39D2}"/>
               </a:ext>
             </a:extLst>
           </p:cNvPr>
@@ -6780,7 +6780,7 @@
           <p:cNvPr id="24" name="Rectangle 23">
             <a:extLst>
               <a:ext uri="{FF2B5EF4-FFF2-40B4-BE49-F238E27FC236}">
-                <a16:creationId xmlns:a16="http://schemas.microsoft.com/office/drawing/2014/main" xmlns="" id="{67320FB7-7D5A-6152-5B6D-90D3282C2162}"/>
+                <a16:creationId xmlns="" xmlns:a16="http://schemas.microsoft.com/office/drawing/2014/main" id="{67320FB7-7D5A-6152-5B6D-90D3282C2162}"/>
               </a:ext>
             </a:extLst>
           </p:cNvPr>
@@ -6840,7 +6840,7 @@
           <p:cNvPr id="25" name="Rectangle 24">
             <a:extLst>
               <a:ext uri="{FF2B5EF4-FFF2-40B4-BE49-F238E27FC236}">
-                <a16:creationId xmlns:a16="http://schemas.microsoft.com/office/drawing/2014/main" xmlns="" id="{B0EDA6E1-E3F5-379A-FFB1-DA1DC58F5A73}"/>
+                <a16:creationId xmlns="" xmlns:a16="http://schemas.microsoft.com/office/drawing/2014/main" id="{B0EDA6E1-E3F5-379A-FFB1-DA1DC58F5A73}"/>
               </a:ext>
             </a:extLst>
           </p:cNvPr>
@@ -6904,7 +6904,7 @@
           <p:cNvPr id="27" name="Rectangle 26">
             <a:extLst>
               <a:ext uri="{FF2B5EF4-FFF2-40B4-BE49-F238E27FC236}">
-                <a16:creationId xmlns:a16="http://schemas.microsoft.com/office/drawing/2014/main" xmlns="" id="{77596002-0F9C-6E91-C16A-D823DA0D0754}"/>
+                <a16:creationId xmlns="" xmlns:a16="http://schemas.microsoft.com/office/drawing/2014/main" id="{77596002-0F9C-6E91-C16A-D823DA0D0754}"/>
               </a:ext>
             </a:extLst>
           </p:cNvPr>
@@ -6963,7 +6963,7 @@
           <p:cNvPr id="28" name="Rectangle 27">
             <a:extLst>
               <a:ext uri="{FF2B5EF4-FFF2-40B4-BE49-F238E27FC236}">
-                <a16:creationId xmlns:a16="http://schemas.microsoft.com/office/drawing/2014/main" xmlns="" id="{88D67871-6AE9-997A-C873-DBB9938F21D6}"/>
+                <a16:creationId xmlns="" xmlns:a16="http://schemas.microsoft.com/office/drawing/2014/main" id="{88D67871-6AE9-997A-C873-DBB9938F21D6}"/>
               </a:ext>
             </a:extLst>
           </p:cNvPr>
@@ -7022,7 +7022,7 @@
           <p:cNvPr id="30" name="Rectangle 29">
             <a:extLst>
               <a:ext uri="{FF2B5EF4-FFF2-40B4-BE49-F238E27FC236}">
-                <a16:creationId xmlns:a16="http://schemas.microsoft.com/office/drawing/2014/main" xmlns="" id="{9271F062-3BB9-A923-702E-BFD26BFBDE95}"/>
+                <a16:creationId xmlns="" xmlns:a16="http://schemas.microsoft.com/office/drawing/2014/main" id="{9271F062-3BB9-A923-702E-BFD26BFBDE95}"/>
               </a:ext>
             </a:extLst>
           </p:cNvPr>
@@ -7082,7 +7082,7 @@
           <p:cNvPr id="31" name="Rectangle 30">
             <a:extLst>
               <a:ext uri="{FF2B5EF4-FFF2-40B4-BE49-F238E27FC236}">
-                <a16:creationId xmlns:a16="http://schemas.microsoft.com/office/drawing/2014/main" xmlns="" id="{293CD6A3-4BD5-A32B-602A-D927827D8180}"/>
+                <a16:creationId xmlns="" xmlns:a16="http://schemas.microsoft.com/office/drawing/2014/main" id="{293CD6A3-4BD5-A32B-602A-D927827D8180}"/>
               </a:ext>
             </a:extLst>
           </p:cNvPr>
@@ -7142,7 +7142,7 @@
           <p:cNvPr id="32" name="Rectangle 31">
             <a:extLst>
               <a:ext uri="{FF2B5EF4-FFF2-40B4-BE49-F238E27FC236}">
-                <a16:creationId xmlns:a16="http://schemas.microsoft.com/office/drawing/2014/main" xmlns="" id="{BADA1F69-64F9-DFBE-85BD-5FB5D3D61457}"/>
+                <a16:creationId xmlns="" xmlns:a16="http://schemas.microsoft.com/office/drawing/2014/main" id="{BADA1F69-64F9-DFBE-85BD-5FB5D3D61457}"/>
               </a:ext>
             </a:extLst>
           </p:cNvPr>
@@ -7199,7 +7199,7 @@
           <p:cNvPr id="34" name="Rectangle 33">
             <a:extLst>
               <a:ext uri="{FF2B5EF4-FFF2-40B4-BE49-F238E27FC236}">
-                <a16:creationId xmlns:a16="http://schemas.microsoft.com/office/drawing/2014/main" xmlns="" id="{B4C7C550-F1A1-22C3-00E4-65135F67AE65}"/>
+                <a16:creationId xmlns="" xmlns:a16="http://schemas.microsoft.com/office/drawing/2014/main" id="{B4C7C550-F1A1-22C3-00E4-65135F67AE65}"/>
               </a:ext>
             </a:extLst>
           </p:cNvPr>
@@ -7263,7 +7263,7 @@
           <p:cNvPr id="39" name="Graphic 38" descr="Confused person with solid fill">
             <a:extLst>
               <a:ext uri="{FF2B5EF4-FFF2-40B4-BE49-F238E27FC236}">
-                <a16:creationId xmlns:a16="http://schemas.microsoft.com/office/drawing/2014/main" xmlns="" id="{D2DFF00F-4154-AD81-A459-CF5F1D1A5719}"/>
+                <a16:creationId xmlns="" xmlns:a16="http://schemas.microsoft.com/office/drawing/2014/main" id="{D2DFF00F-4154-AD81-A459-CF5F1D1A5719}"/>
               </a:ext>
             </a:extLst>
           </p:cNvPr>
@@ -7279,7 +7279,7 @@
                 <a14:useLocalDpi xmlns:a14="http://schemas.microsoft.com/office/drawing/2010/main" val="0"/>
               </a:ext>
               <a:ext uri="{96DAC541-7B7A-43D3-8B79-37D633B846F1}">
-                <asvg:svgBlip xmlns:asvg="http://schemas.microsoft.com/office/drawing/2016/SVG/main" xmlns="" r:embed="rId4"/>
+                <asvg:svgBlip xmlns="" xmlns:asvg="http://schemas.microsoft.com/office/drawing/2016/SVG/main" r:embed="rId4"/>
               </a:ext>
             </a:extLst>
           </a:blip>
@@ -7302,7 +7302,7 @@
           <p:cNvPr id="40" name="Graphic 39" descr="Confused person with solid fill">
             <a:extLst>
               <a:ext uri="{FF2B5EF4-FFF2-40B4-BE49-F238E27FC236}">
-                <a16:creationId xmlns:a16="http://schemas.microsoft.com/office/drawing/2014/main" xmlns="" id="{5F2289E8-06B4-A2BD-EFBD-4D64791DDBD4}"/>
+                <a16:creationId xmlns="" xmlns:a16="http://schemas.microsoft.com/office/drawing/2014/main" id="{5F2289E8-06B4-A2BD-EFBD-4D64791DDBD4}"/>
               </a:ext>
             </a:extLst>
           </p:cNvPr>
@@ -7318,7 +7318,7 @@
                 <a14:useLocalDpi xmlns:a14="http://schemas.microsoft.com/office/drawing/2010/main" val="0"/>
               </a:ext>
               <a:ext uri="{96DAC541-7B7A-43D3-8B79-37D633B846F1}">
-                <asvg:svgBlip xmlns:asvg="http://schemas.microsoft.com/office/drawing/2016/SVG/main" xmlns="" r:embed="rId4"/>
+                <asvg:svgBlip xmlns="" xmlns:asvg="http://schemas.microsoft.com/office/drawing/2016/SVG/main" r:embed="rId4"/>
               </a:ext>
             </a:extLst>
           </a:blip>
@@ -7341,7 +7341,7 @@
           <p:cNvPr id="41" name="Graphic 40" descr="Confused person with solid fill">
             <a:extLst>
               <a:ext uri="{FF2B5EF4-FFF2-40B4-BE49-F238E27FC236}">
-                <a16:creationId xmlns:a16="http://schemas.microsoft.com/office/drawing/2014/main" xmlns="" id="{7577F241-7D02-1BAB-2D14-D9DE73EF5CFE}"/>
+                <a16:creationId xmlns="" xmlns:a16="http://schemas.microsoft.com/office/drawing/2014/main" id="{7577F241-7D02-1BAB-2D14-D9DE73EF5CFE}"/>
               </a:ext>
             </a:extLst>
           </p:cNvPr>
@@ -7357,7 +7357,7 @@
                 <a14:useLocalDpi xmlns:a14="http://schemas.microsoft.com/office/drawing/2010/main" val="0"/>
               </a:ext>
               <a:ext uri="{96DAC541-7B7A-43D3-8B79-37D633B846F1}">
-                <asvg:svgBlip xmlns:asvg="http://schemas.microsoft.com/office/drawing/2016/SVG/main" xmlns="" r:embed="rId4"/>
+                <asvg:svgBlip xmlns="" xmlns:asvg="http://schemas.microsoft.com/office/drawing/2016/SVG/main" r:embed="rId4"/>
               </a:ext>
             </a:extLst>
           </a:blip>
@@ -7380,7 +7380,7 @@
           <p:cNvPr id="42" name="Graphic 41" descr="Confused person with solid fill">
             <a:extLst>
               <a:ext uri="{FF2B5EF4-FFF2-40B4-BE49-F238E27FC236}">
-                <a16:creationId xmlns:a16="http://schemas.microsoft.com/office/drawing/2014/main" xmlns="" id="{5D30CE55-6615-2C09-2BF1-11DE2CA6B26C}"/>
+                <a16:creationId xmlns="" xmlns:a16="http://schemas.microsoft.com/office/drawing/2014/main" id="{5D30CE55-6615-2C09-2BF1-11DE2CA6B26C}"/>
               </a:ext>
             </a:extLst>
           </p:cNvPr>
@@ -7396,7 +7396,7 @@
                 <a14:useLocalDpi xmlns:a14="http://schemas.microsoft.com/office/drawing/2010/main" val="0"/>
               </a:ext>
               <a:ext uri="{96DAC541-7B7A-43D3-8B79-37D633B846F1}">
-                <asvg:svgBlip xmlns:asvg="http://schemas.microsoft.com/office/drawing/2016/SVG/main" xmlns="" r:embed="rId4"/>
+                <asvg:svgBlip xmlns="" xmlns:asvg="http://schemas.microsoft.com/office/drawing/2016/SVG/main" r:embed="rId4"/>
               </a:ext>
             </a:extLst>
           </a:blip>
@@ -7419,7 +7419,7 @@
           <p:cNvPr id="43" name="Graphic 42" descr="Confused person with solid fill">
             <a:extLst>
               <a:ext uri="{FF2B5EF4-FFF2-40B4-BE49-F238E27FC236}">
-                <a16:creationId xmlns:a16="http://schemas.microsoft.com/office/drawing/2014/main" xmlns="" id="{6E1B143C-6E2A-34C6-AD28-25367C5BFF70}"/>
+                <a16:creationId xmlns="" xmlns:a16="http://schemas.microsoft.com/office/drawing/2014/main" id="{6E1B143C-6E2A-34C6-AD28-25367C5BFF70}"/>
               </a:ext>
             </a:extLst>
           </p:cNvPr>
@@ -7435,7 +7435,7 @@
                 <a14:useLocalDpi xmlns:a14="http://schemas.microsoft.com/office/drawing/2010/main" val="0"/>
               </a:ext>
               <a:ext uri="{96DAC541-7B7A-43D3-8B79-37D633B846F1}">
-                <asvg:svgBlip xmlns:asvg="http://schemas.microsoft.com/office/drawing/2016/SVG/main" xmlns="" r:embed="rId4"/>
+                <asvg:svgBlip xmlns="" xmlns:asvg="http://schemas.microsoft.com/office/drawing/2016/SVG/main" r:embed="rId4"/>
               </a:ext>
             </a:extLst>
           </a:blip>
@@ -7458,7 +7458,7 @@
           <p:cNvPr id="44" name="Graphic 43" descr="Confused person with solid fill">
             <a:extLst>
               <a:ext uri="{FF2B5EF4-FFF2-40B4-BE49-F238E27FC236}">
-                <a16:creationId xmlns:a16="http://schemas.microsoft.com/office/drawing/2014/main" xmlns="" id="{CE6A8D10-631E-46CA-DE61-B5581A72999B}"/>
+                <a16:creationId xmlns="" xmlns:a16="http://schemas.microsoft.com/office/drawing/2014/main" id="{CE6A8D10-631E-46CA-DE61-B5581A72999B}"/>
               </a:ext>
             </a:extLst>
           </p:cNvPr>
@@ -7474,7 +7474,7 @@
                 <a14:useLocalDpi xmlns:a14="http://schemas.microsoft.com/office/drawing/2010/main" val="0"/>
               </a:ext>
               <a:ext uri="{96DAC541-7B7A-43D3-8B79-37D633B846F1}">
-                <asvg:svgBlip xmlns:asvg="http://schemas.microsoft.com/office/drawing/2016/SVG/main" xmlns="" r:embed="rId4"/>
+                <asvg:svgBlip xmlns="" xmlns:asvg="http://schemas.microsoft.com/office/drawing/2016/SVG/main" r:embed="rId4"/>
               </a:ext>
             </a:extLst>
           </a:blip>
@@ -7497,7 +7497,7 @@
           <p:cNvPr id="45" name="Graphic 44" descr="Confused person with solid fill">
             <a:extLst>
               <a:ext uri="{FF2B5EF4-FFF2-40B4-BE49-F238E27FC236}">
-                <a16:creationId xmlns:a16="http://schemas.microsoft.com/office/drawing/2014/main" xmlns="" id="{41986F78-6886-76A5-1273-3E09B003974C}"/>
+                <a16:creationId xmlns="" xmlns:a16="http://schemas.microsoft.com/office/drawing/2014/main" id="{41986F78-6886-76A5-1273-3E09B003974C}"/>
               </a:ext>
             </a:extLst>
           </p:cNvPr>
@@ -7513,7 +7513,7 @@
                 <a14:useLocalDpi xmlns:a14="http://schemas.microsoft.com/office/drawing/2010/main" val="0"/>
               </a:ext>
               <a:ext uri="{96DAC541-7B7A-43D3-8B79-37D633B846F1}">
-                <asvg:svgBlip xmlns:asvg="http://schemas.microsoft.com/office/drawing/2016/SVG/main" xmlns="" r:embed="rId4"/>
+                <asvg:svgBlip xmlns="" xmlns:asvg="http://schemas.microsoft.com/office/drawing/2016/SVG/main" r:embed="rId4"/>
               </a:ext>
             </a:extLst>
           </a:blip>
@@ -7536,7 +7536,7 @@
           <p:cNvPr id="46" name="Graphic 45" descr="Confused person with solid fill">
             <a:extLst>
               <a:ext uri="{FF2B5EF4-FFF2-40B4-BE49-F238E27FC236}">
-                <a16:creationId xmlns:a16="http://schemas.microsoft.com/office/drawing/2014/main" xmlns="" id="{A9EBBBB8-91E0-1DBB-55EB-3F2AFBFAA5E4}"/>
+                <a16:creationId xmlns="" xmlns:a16="http://schemas.microsoft.com/office/drawing/2014/main" id="{A9EBBBB8-91E0-1DBB-55EB-3F2AFBFAA5E4}"/>
               </a:ext>
             </a:extLst>
           </p:cNvPr>
@@ -7552,7 +7552,7 @@
                 <a14:useLocalDpi xmlns:a14="http://schemas.microsoft.com/office/drawing/2010/main" val="0"/>
               </a:ext>
               <a:ext uri="{96DAC541-7B7A-43D3-8B79-37D633B846F1}">
-                <asvg:svgBlip xmlns:asvg="http://schemas.microsoft.com/office/drawing/2016/SVG/main" xmlns="" r:embed="rId4"/>
+                <asvg:svgBlip xmlns="" xmlns:asvg="http://schemas.microsoft.com/office/drawing/2016/SVG/main" r:embed="rId4"/>
               </a:ext>
             </a:extLst>
           </a:blip>
@@ -7575,7 +7575,7 @@
           <p:cNvPr id="49" name="Graphic 48" descr="Confused person with solid fill">
             <a:extLst>
               <a:ext uri="{FF2B5EF4-FFF2-40B4-BE49-F238E27FC236}">
-                <a16:creationId xmlns:a16="http://schemas.microsoft.com/office/drawing/2014/main" xmlns="" id="{83A00473-E509-990B-E66B-C35DD0768374}"/>
+                <a16:creationId xmlns="" xmlns:a16="http://schemas.microsoft.com/office/drawing/2014/main" id="{83A00473-E509-990B-E66B-C35DD0768374}"/>
               </a:ext>
             </a:extLst>
           </p:cNvPr>
@@ -7591,7 +7591,7 @@
                 <a14:useLocalDpi xmlns:a14="http://schemas.microsoft.com/office/drawing/2010/main" val="0"/>
               </a:ext>
               <a:ext uri="{96DAC541-7B7A-43D3-8B79-37D633B846F1}">
-                <asvg:svgBlip xmlns:asvg="http://schemas.microsoft.com/office/drawing/2016/SVG/main" xmlns="" r:embed="rId4"/>
+                <asvg:svgBlip xmlns="" xmlns:asvg="http://schemas.microsoft.com/office/drawing/2016/SVG/main" r:embed="rId4"/>
               </a:ext>
             </a:extLst>
           </a:blip>
@@ -7614,7 +7614,7 @@
           <p:cNvPr id="6" name="Rectangle 5">
             <a:extLst>
               <a:ext uri="{FF2B5EF4-FFF2-40B4-BE49-F238E27FC236}">
-                <a16:creationId xmlns:a16="http://schemas.microsoft.com/office/drawing/2014/main" xmlns="" id="{B74264C2-095A-5EAC-982C-0B7235B2883A}"/>
+                <a16:creationId xmlns="" xmlns:a16="http://schemas.microsoft.com/office/drawing/2014/main" id="{B74264C2-095A-5EAC-982C-0B7235B2883A}"/>
               </a:ext>
             </a:extLst>
           </p:cNvPr>
@@ -7669,7 +7669,7 @@
           <p:cNvPr id="13" name="Rectangle 12">
             <a:extLst>
               <a:ext uri="{FF2B5EF4-FFF2-40B4-BE49-F238E27FC236}">
-                <a16:creationId xmlns:a16="http://schemas.microsoft.com/office/drawing/2014/main" xmlns="" id="{B64D6DA3-034D-37BE-2BEC-9E6E2064CD0C}"/>
+                <a16:creationId xmlns="" xmlns:a16="http://schemas.microsoft.com/office/drawing/2014/main" id="{B64D6DA3-034D-37BE-2BEC-9E6E2064CD0C}"/>
               </a:ext>
             </a:extLst>
           </p:cNvPr>
@@ -7729,7 +7729,7 @@
           <p:cNvPr id="38" name="Rectangle 37">
             <a:extLst>
               <a:ext uri="{FF2B5EF4-FFF2-40B4-BE49-F238E27FC236}">
-                <a16:creationId xmlns:a16="http://schemas.microsoft.com/office/drawing/2014/main" xmlns="" id="{3A26F113-048C-A4F3-4EF6-8D96FDA36D07}"/>
+                <a16:creationId xmlns="" xmlns:a16="http://schemas.microsoft.com/office/drawing/2014/main" id="{3A26F113-048C-A4F3-4EF6-8D96FDA36D07}"/>
               </a:ext>
             </a:extLst>
           </p:cNvPr>
@@ -7793,7 +7793,7 @@
           <p:cNvPr id="54" name="Rectangle 53">
             <a:extLst>
               <a:ext uri="{FF2B5EF4-FFF2-40B4-BE49-F238E27FC236}">
-                <a16:creationId xmlns:a16="http://schemas.microsoft.com/office/drawing/2014/main" xmlns="" id="{E9257285-A1BD-14FF-0FF4-EFFAFFD620CA}"/>
+                <a16:creationId xmlns="" xmlns:a16="http://schemas.microsoft.com/office/drawing/2014/main" id="{E9257285-A1BD-14FF-0FF4-EFFAFFD620CA}"/>
               </a:ext>
             </a:extLst>
           </p:cNvPr>
@@ -7857,7 +7857,7 @@
           <p:cNvPr id="55" name="Rectangle 54">
             <a:extLst>
               <a:ext uri="{FF2B5EF4-FFF2-40B4-BE49-F238E27FC236}">
-                <a16:creationId xmlns:a16="http://schemas.microsoft.com/office/drawing/2014/main" xmlns="" id="{503D9999-983A-257B-F92F-F516A4D69169}"/>
+                <a16:creationId xmlns="" xmlns:a16="http://schemas.microsoft.com/office/drawing/2014/main" id="{503D9999-983A-257B-F92F-F516A4D69169}"/>
               </a:ext>
             </a:extLst>
           </p:cNvPr>
@@ -7912,7 +7912,7 @@
           <p:cNvPr id="56" name="Rectangle 55">
             <a:extLst>
               <a:ext uri="{FF2B5EF4-FFF2-40B4-BE49-F238E27FC236}">
-                <a16:creationId xmlns:a16="http://schemas.microsoft.com/office/drawing/2014/main" xmlns="" id="{AE9C9780-85AF-E516-E7D4-2A0D134D7275}"/>
+                <a16:creationId xmlns="" xmlns:a16="http://schemas.microsoft.com/office/drawing/2014/main" id="{AE9C9780-85AF-E516-E7D4-2A0D134D7275}"/>
               </a:ext>
             </a:extLst>
           </p:cNvPr>
@@ -7976,7 +7976,7 @@
           <p:cNvPr id="57" name="Rectangle 56">
             <a:extLst>
               <a:ext uri="{FF2B5EF4-FFF2-40B4-BE49-F238E27FC236}">
-                <a16:creationId xmlns:a16="http://schemas.microsoft.com/office/drawing/2014/main" xmlns="" id="{B7EAD7F7-FB3B-1847-D87D-63E3E4878ABE}"/>
+                <a16:creationId xmlns="" xmlns:a16="http://schemas.microsoft.com/office/drawing/2014/main" id="{B7EAD7F7-FB3B-1847-D87D-63E3E4878ABE}"/>
               </a:ext>
             </a:extLst>
           </p:cNvPr>
@@ -8047,7 +8047,7 @@
           <p:cNvPr id="58" name="Rectangle 57">
             <a:extLst>
               <a:ext uri="{FF2B5EF4-FFF2-40B4-BE49-F238E27FC236}">
-                <a16:creationId xmlns:a16="http://schemas.microsoft.com/office/drawing/2014/main" xmlns="" id="{62BFD569-90BB-5F5E-79CB-E93DFBB88511}"/>
+                <a16:creationId xmlns="" xmlns:a16="http://schemas.microsoft.com/office/drawing/2014/main" id="{62BFD569-90BB-5F5E-79CB-E93DFBB88511}"/>
               </a:ext>
             </a:extLst>
           </p:cNvPr>
@@ -8104,7 +8104,7 @@
           <p:cNvPr id="59" name="Rectangle 58">
             <a:extLst>
               <a:ext uri="{FF2B5EF4-FFF2-40B4-BE49-F238E27FC236}">
-                <a16:creationId xmlns:a16="http://schemas.microsoft.com/office/drawing/2014/main" xmlns="" id="{D874D9C1-6CBC-5546-511D-02B9749C8493}"/>
+                <a16:creationId xmlns="" xmlns:a16="http://schemas.microsoft.com/office/drawing/2014/main" id="{D874D9C1-6CBC-5546-511D-02B9749C8493}"/>
               </a:ext>
             </a:extLst>
           </p:cNvPr>
@@ -8181,7 +8181,7 @@
           <p:cNvPr id="60" name="Rectangle 59">
             <a:extLst>
               <a:ext uri="{FF2B5EF4-FFF2-40B4-BE49-F238E27FC236}">
-                <a16:creationId xmlns:a16="http://schemas.microsoft.com/office/drawing/2014/main" xmlns="" id="{DDC135C9-C444-8F1B-A82F-309DDBB5A2B9}"/>
+                <a16:creationId xmlns="" xmlns:a16="http://schemas.microsoft.com/office/drawing/2014/main" id="{DDC135C9-C444-8F1B-A82F-309DDBB5A2B9}"/>
               </a:ext>
             </a:extLst>
           </p:cNvPr>
@@ -8238,7 +8238,7 @@
           <p:cNvPr id="62" name="Rectangle 61">
             <a:extLst>
               <a:ext uri="{FF2B5EF4-FFF2-40B4-BE49-F238E27FC236}">
-                <a16:creationId xmlns:a16="http://schemas.microsoft.com/office/drawing/2014/main" xmlns="" id="{47305D89-7380-96C9-9D1C-24B2838B743F}"/>
+                <a16:creationId xmlns="" xmlns:a16="http://schemas.microsoft.com/office/drawing/2014/main" id="{47305D89-7380-96C9-9D1C-24B2838B743F}"/>
               </a:ext>
             </a:extLst>
           </p:cNvPr>
@@ -8295,7 +8295,7 @@
           <p:cNvPr id="63" name="Rectangle 62">
             <a:extLst>
               <a:ext uri="{FF2B5EF4-FFF2-40B4-BE49-F238E27FC236}">
-                <a16:creationId xmlns:a16="http://schemas.microsoft.com/office/drawing/2014/main" xmlns="" id="{F5214BF1-980C-E3FE-E9D0-E092086D6227}"/>
+                <a16:creationId xmlns="" xmlns:a16="http://schemas.microsoft.com/office/drawing/2014/main" id="{F5214BF1-980C-E3FE-E9D0-E092086D6227}"/>
               </a:ext>
             </a:extLst>
           </p:cNvPr>
@@ -8356,7 +8356,7 @@
           <p:cNvPr id="64" name="Rectangle 63">
             <a:extLst>
               <a:ext uri="{FF2B5EF4-FFF2-40B4-BE49-F238E27FC236}">
-                <a16:creationId xmlns:a16="http://schemas.microsoft.com/office/drawing/2014/main" xmlns="" id="{B2F198AA-6A82-2274-2080-FE45A6FA05BD}"/>
+                <a16:creationId xmlns="" xmlns:a16="http://schemas.microsoft.com/office/drawing/2014/main" id="{B2F198AA-6A82-2274-2080-FE45A6FA05BD}"/>
               </a:ext>
             </a:extLst>
           </p:cNvPr>
@@ -8417,7 +8417,7 @@
           <p:cNvPr id="65" name="Rectangle 64">
             <a:extLst>
               <a:ext uri="{FF2B5EF4-FFF2-40B4-BE49-F238E27FC236}">
-                <a16:creationId xmlns:a16="http://schemas.microsoft.com/office/drawing/2014/main" xmlns="" id="{F7E57ED1-DB6C-6602-8F39-1A1F3629081E}"/>
+                <a16:creationId xmlns="" xmlns:a16="http://schemas.microsoft.com/office/drawing/2014/main" id="{F7E57ED1-DB6C-6602-8F39-1A1F3629081E}"/>
               </a:ext>
             </a:extLst>
           </p:cNvPr>
@@ -8480,7 +8480,7 @@
           <p:cNvPr id="66" name="Rectangle 65">
             <a:extLst>
               <a:ext uri="{FF2B5EF4-FFF2-40B4-BE49-F238E27FC236}">
-                <a16:creationId xmlns:a16="http://schemas.microsoft.com/office/drawing/2014/main" xmlns="" id="{7F1498B8-3AA8-7227-E8B0-39731CCF1C7E}"/>
+                <a16:creationId xmlns="" xmlns:a16="http://schemas.microsoft.com/office/drawing/2014/main" id="{7F1498B8-3AA8-7227-E8B0-39731CCF1C7E}"/>
               </a:ext>
             </a:extLst>
           </p:cNvPr>
@@ -8558,7 +8558,7 @@
           <p:cNvPr id="67" name="Graphic 66" descr="Confused person with solid fill">
             <a:extLst>
               <a:ext uri="{FF2B5EF4-FFF2-40B4-BE49-F238E27FC236}">
-                <a16:creationId xmlns:a16="http://schemas.microsoft.com/office/drawing/2014/main" xmlns="" id="{C6E60DF6-5302-5E2D-11A0-C76B70B651B8}"/>
+                <a16:creationId xmlns="" xmlns:a16="http://schemas.microsoft.com/office/drawing/2014/main" id="{C6E60DF6-5302-5E2D-11A0-C76B70B651B8}"/>
               </a:ext>
             </a:extLst>
           </p:cNvPr>
@@ -8574,7 +8574,7 @@
                 <a14:useLocalDpi xmlns:a14="http://schemas.microsoft.com/office/drawing/2010/main" val="0"/>
               </a:ext>
               <a:ext uri="{96DAC541-7B7A-43D3-8B79-37D633B846F1}">
-                <asvg:svgBlip xmlns:asvg="http://schemas.microsoft.com/office/drawing/2016/SVG/main" xmlns="" r:embed="rId4"/>
+                <asvg:svgBlip xmlns="" xmlns:asvg="http://schemas.microsoft.com/office/drawing/2016/SVG/main" r:embed="rId4"/>
               </a:ext>
             </a:extLst>
           </a:blip>
@@ -8597,7 +8597,7 @@
           <p:cNvPr id="68" name="Graphic 67" descr="Confused person with solid fill">
             <a:extLst>
               <a:ext uri="{FF2B5EF4-FFF2-40B4-BE49-F238E27FC236}">
-                <a16:creationId xmlns:a16="http://schemas.microsoft.com/office/drawing/2014/main" xmlns="" id="{38D8FEEA-B302-F996-3215-E0FEA2185F02}"/>
+                <a16:creationId xmlns="" xmlns:a16="http://schemas.microsoft.com/office/drawing/2014/main" id="{38D8FEEA-B302-F996-3215-E0FEA2185F02}"/>
               </a:ext>
             </a:extLst>
           </p:cNvPr>
@@ -8613,7 +8613,7 @@
                 <a14:useLocalDpi xmlns:a14="http://schemas.microsoft.com/office/drawing/2010/main" val="0"/>
               </a:ext>
               <a:ext uri="{96DAC541-7B7A-43D3-8B79-37D633B846F1}">
-                <asvg:svgBlip xmlns:asvg="http://schemas.microsoft.com/office/drawing/2016/SVG/main" xmlns="" r:embed="rId4"/>
+                <asvg:svgBlip xmlns="" xmlns:asvg="http://schemas.microsoft.com/office/drawing/2016/SVG/main" r:embed="rId4"/>
               </a:ext>
             </a:extLst>
           </a:blip>
@@ -8636,7 +8636,7 @@
           <p:cNvPr id="69" name="Graphic 68" descr="Confused person with solid fill">
             <a:extLst>
               <a:ext uri="{FF2B5EF4-FFF2-40B4-BE49-F238E27FC236}">
-                <a16:creationId xmlns:a16="http://schemas.microsoft.com/office/drawing/2014/main" xmlns="" id="{A782317C-9A0B-F38C-A970-E35628C1BBCA}"/>
+                <a16:creationId xmlns="" xmlns:a16="http://schemas.microsoft.com/office/drawing/2014/main" id="{A782317C-9A0B-F38C-A970-E35628C1BBCA}"/>
               </a:ext>
             </a:extLst>
           </p:cNvPr>
@@ -8652,7 +8652,7 @@
                 <a14:useLocalDpi xmlns:a14="http://schemas.microsoft.com/office/drawing/2010/main" val="0"/>
               </a:ext>
               <a:ext uri="{96DAC541-7B7A-43D3-8B79-37D633B846F1}">
-                <asvg:svgBlip xmlns:asvg="http://schemas.microsoft.com/office/drawing/2016/SVG/main" xmlns="" r:embed="rId4"/>
+                <asvg:svgBlip xmlns="" xmlns:asvg="http://schemas.microsoft.com/office/drawing/2016/SVG/main" r:embed="rId4"/>
               </a:ext>
             </a:extLst>
           </a:blip>
@@ -8675,7 +8675,7 @@
           <p:cNvPr id="47" name="Rectangle 1">
             <a:extLst>
               <a:ext uri="{FF2B5EF4-FFF2-40B4-BE49-F238E27FC236}">
-                <a16:creationId xmlns:a16="http://schemas.microsoft.com/office/drawing/2014/main" xmlns="" id="{42FC97F3-947E-851A-1952-C07B7CD27391}"/>
+                <a16:creationId xmlns="" xmlns:a16="http://schemas.microsoft.com/office/drawing/2014/main" id="{42FC97F3-947E-851A-1952-C07B7CD27391}"/>
               </a:ext>
             </a:extLst>
           </p:cNvPr>
@@ -8768,7 +8768,7 @@
           <p:cNvPr id="48" name="Rectangle 1">
             <a:extLst>
               <a:ext uri="{FF2B5EF4-FFF2-40B4-BE49-F238E27FC236}">
-                <a16:creationId xmlns:a16="http://schemas.microsoft.com/office/drawing/2014/main" xmlns="" id="{42FC97F3-947E-851A-1952-C07B7CD27391}"/>
+                <a16:creationId xmlns="" xmlns:a16="http://schemas.microsoft.com/office/drawing/2014/main" id="{42FC97F3-947E-851A-1952-C07B7CD27391}"/>
               </a:ext>
             </a:extLst>
           </p:cNvPr>
@@ -9493,7 +9493,7 @@
           <p:cNvPr id="2" name="Rectangle 1">
             <a:extLst>
               <a:ext uri="{FF2B5EF4-FFF2-40B4-BE49-F238E27FC236}">
-                <a16:creationId xmlns:a16="http://schemas.microsoft.com/office/drawing/2014/main" xmlns="" id="{42FC97F3-947E-851A-1952-C07B7CD27391}"/>
+                <a16:creationId xmlns="" xmlns:a16="http://schemas.microsoft.com/office/drawing/2014/main" id="{42FC97F3-947E-851A-1952-C07B7CD27391}"/>
               </a:ext>
             </a:extLst>
           </p:cNvPr>
@@ -9566,7 +9566,7 @@
           <p:cNvPr id="3" name="Rectangle 2">
             <a:extLst>
               <a:ext uri="{FF2B5EF4-FFF2-40B4-BE49-F238E27FC236}">
-                <a16:creationId xmlns:a16="http://schemas.microsoft.com/office/drawing/2014/main" xmlns="" id="{420F35A9-7A72-29CE-1453-439527D3BD50}"/>
+                <a16:creationId xmlns="" xmlns:a16="http://schemas.microsoft.com/office/drawing/2014/main" id="{420F35A9-7A72-29CE-1453-439527D3BD50}"/>
               </a:ext>
             </a:extLst>
           </p:cNvPr>
@@ -9618,7 +9618,7 @@
           <p:cNvPr id="4" name="Rectangle 3">
             <a:extLst>
               <a:ext uri="{FF2B5EF4-FFF2-40B4-BE49-F238E27FC236}">
-                <a16:creationId xmlns:a16="http://schemas.microsoft.com/office/drawing/2014/main" xmlns="" id="{286ABEE8-5897-0C35-427A-249CDFC0F7FF}"/>
+                <a16:creationId xmlns="" xmlns:a16="http://schemas.microsoft.com/office/drawing/2014/main" id="{286ABEE8-5897-0C35-427A-249CDFC0F7FF}"/>
               </a:ext>
             </a:extLst>
           </p:cNvPr>
@@ -9677,7 +9677,7 @@
           <p:cNvPr id="5" name="Rectangle 4">
             <a:extLst>
               <a:ext uri="{FF2B5EF4-FFF2-40B4-BE49-F238E27FC236}">
-                <a16:creationId xmlns:a16="http://schemas.microsoft.com/office/drawing/2014/main" xmlns="" id="{EE8F7107-CE26-6FE3-4C21-116A6C561674}"/>
+                <a16:creationId xmlns="" xmlns:a16="http://schemas.microsoft.com/office/drawing/2014/main" id="{EE8F7107-CE26-6FE3-4C21-116A6C561674}"/>
               </a:ext>
             </a:extLst>
           </p:cNvPr>
@@ -9746,7 +9746,7 @@
           <p:cNvPr id="7" name="Rectangle 6">
             <a:extLst>
               <a:ext uri="{FF2B5EF4-FFF2-40B4-BE49-F238E27FC236}">
-                <a16:creationId xmlns:a16="http://schemas.microsoft.com/office/drawing/2014/main" xmlns="" id="{A79D0C7A-221F-D9ED-9A21-6EE4CD4607C6}"/>
+                <a16:creationId xmlns="" xmlns:a16="http://schemas.microsoft.com/office/drawing/2014/main" id="{A79D0C7A-221F-D9ED-9A21-6EE4CD4607C6}"/>
               </a:ext>
             </a:extLst>
           </p:cNvPr>
@@ -9816,7 +9816,7 @@
           <p:cNvPr id="8" name="Rectangle 7">
             <a:extLst>
               <a:ext uri="{FF2B5EF4-FFF2-40B4-BE49-F238E27FC236}">
-                <a16:creationId xmlns:a16="http://schemas.microsoft.com/office/drawing/2014/main" xmlns="" id="{B58B7015-E35C-0168-48DB-D42494D07CCF}"/>
+                <a16:creationId xmlns="" xmlns:a16="http://schemas.microsoft.com/office/drawing/2014/main" id="{B58B7015-E35C-0168-48DB-D42494D07CCF}"/>
               </a:ext>
             </a:extLst>
           </p:cNvPr>
@@ -9894,7 +9894,7 @@
           <p:cNvPr id="9" name="Rectangle 8">
             <a:extLst>
               <a:ext uri="{FF2B5EF4-FFF2-40B4-BE49-F238E27FC236}">
-                <a16:creationId xmlns:a16="http://schemas.microsoft.com/office/drawing/2014/main" xmlns="" id="{5C7825F5-389D-00AD-4BC6-AF7DC72C42B2}"/>
+                <a16:creationId xmlns="" xmlns:a16="http://schemas.microsoft.com/office/drawing/2014/main" id="{5C7825F5-389D-00AD-4BC6-AF7DC72C42B2}"/>
               </a:ext>
             </a:extLst>
           </p:cNvPr>
@@ -9955,7 +9955,7 @@
           <p:cNvPr id="10" name="Rectangle 9">
             <a:extLst>
               <a:ext uri="{FF2B5EF4-FFF2-40B4-BE49-F238E27FC236}">
-                <a16:creationId xmlns:a16="http://schemas.microsoft.com/office/drawing/2014/main" xmlns="" id="{8D6003AE-C637-EFD9-2876-6E947685882D}"/>
+                <a16:creationId xmlns="" xmlns:a16="http://schemas.microsoft.com/office/drawing/2014/main" id="{8D6003AE-C637-EFD9-2876-6E947685882D}"/>
               </a:ext>
             </a:extLst>
           </p:cNvPr>
@@ -10012,7 +10012,7 @@
           <p:cNvPr id="11" name="Rectangle 10">
             <a:extLst>
               <a:ext uri="{FF2B5EF4-FFF2-40B4-BE49-F238E27FC236}">
-                <a16:creationId xmlns:a16="http://schemas.microsoft.com/office/drawing/2014/main" xmlns="" id="{654318C6-C9C8-4BCF-42E4-3B05023AA3D8}"/>
+                <a16:creationId xmlns="" xmlns:a16="http://schemas.microsoft.com/office/drawing/2014/main" id="{654318C6-C9C8-4BCF-42E4-3B05023AA3D8}"/>
               </a:ext>
             </a:extLst>
           </p:cNvPr>
@@ -10086,7 +10086,7 @@
           <p:cNvPr id="12" name="Rectangle 11">
             <a:extLst>
               <a:ext uri="{FF2B5EF4-FFF2-40B4-BE49-F238E27FC236}">
-                <a16:creationId xmlns:a16="http://schemas.microsoft.com/office/drawing/2014/main" xmlns="" id="{393AECCA-3DDA-E6BC-8FDA-24710A3F2252}"/>
+                <a16:creationId xmlns="" xmlns:a16="http://schemas.microsoft.com/office/drawing/2014/main" id="{393AECCA-3DDA-E6BC-8FDA-24710A3F2252}"/>
               </a:ext>
             </a:extLst>
           </p:cNvPr>
@@ -10157,7 +10157,7 @@
           <p:cNvPr id="14" name="Rectangle 13">
             <a:extLst>
               <a:ext uri="{FF2B5EF4-FFF2-40B4-BE49-F238E27FC236}">
-                <a16:creationId xmlns:a16="http://schemas.microsoft.com/office/drawing/2014/main" xmlns="" id="{26E024F9-2B12-7A01-221E-E773423E8010}"/>
+                <a16:creationId xmlns="" xmlns:a16="http://schemas.microsoft.com/office/drawing/2014/main" id="{26E024F9-2B12-7A01-221E-E773423E8010}"/>
               </a:ext>
             </a:extLst>
           </p:cNvPr>
@@ -10219,7 +10219,7 @@
           <p:cNvPr id="15" name="Rectangle 14">
             <a:extLst>
               <a:ext uri="{FF2B5EF4-FFF2-40B4-BE49-F238E27FC236}">
-                <a16:creationId xmlns:a16="http://schemas.microsoft.com/office/drawing/2014/main" xmlns="" id="{9A0D04DF-7B83-9EBC-4303-3DC6971F2FB0}"/>
+                <a16:creationId xmlns="" xmlns:a16="http://schemas.microsoft.com/office/drawing/2014/main" id="{9A0D04DF-7B83-9EBC-4303-3DC6971F2FB0}"/>
               </a:ext>
             </a:extLst>
           </p:cNvPr>
@@ -10288,7 +10288,7 @@
           <p:cNvPr id="16" name="Rectangle 15">
             <a:extLst>
               <a:ext uri="{FF2B5EF4-FFF2-40B4-BE49-F238E27FC236}">
-                <a16:creationId xmlns:a16="http://schemas.microsoft.com/office/drawing/2014/main" xmlns="" id="{62F6EC4B-AD23-583E-CC35-ABEE0C57CEC6}"/>
+                <a16:creationId xmlns="" xmlns:a16="http://schemas.microsoft.com/office/drawing/2014/main" id="{62F6EC4B-AD23-583E-CC35-ABEE0C57CEC6}"/>
               </a:ext>
             </a:extLst>
           </p:cNvPr>
@@ -10347,7 +10347,7 @@
           <p:cNvPr id="17" name="Rectangle 16">
             <a:extLst>
               <a:ext uri="{FF2B5EF4-FFF2-40B4-BE49-F238E27FC236}">
-                <a16:creationId xmlns:a16="http://schemas.microsoft.com/office/drawing/2014/main" xmlns="" id="{73E62856-921C-FB2F-EB23-58382E7D9D17}"/>
+                <a16:creationId xmlns="" xmlns:a16="http://schemas.microsoft.com/office/drawing/2014/main" id="{73E62856-921C-FB2F-EB23-58382E7D9D17}"/>
               </a:ext>
             </a:extLst>
           </p:cNvPr>
@@ -10404,7 +10404,7 @@
           <p:cNvPr id="18" name="Rectangle 17">
             <a:extLst>
               <a:ext uri="{FF2B5EF4-FFF2-40B4-BE49-F238E27FC236}">
-                <a16:creationId xmlns:a16="http://schemas.microsoft.com/office/drawing/2014/main" xmlns="" id="{F2642F52-C8EB-F8E0-AE3C-D820FE9B0E6B}"/>
+                <a16:creationId xmlns="" xmlns:a16="http://schemas.microsoft.com/office/drawing/2014/main" id="{F2642F52-C8EB-F8E0-AE3C-D820FE9B0E6B}"/>
               </a:ext>
             </a:extLst>
           </p:cNvPr>
@@ -10461,7 +10461,7 @@
           <p:cNvPr id="19" name="Rectangle 18">
             <a:extLst>
               <a:ext uri="{FF2B5EF4-FFF2-40B4-BE49-F238E27FC236}">
-                <a16:creationId xmlns:a16="http://schemas.microsoft.com/office/drawing/2014/main" xmlns="" id="{7D5E1AF5-180A-5AF9-2499-D8EE46DACA98}"/>
+                <a16:creationId xmlns="" xmlns:a16="http://schemas.microsoft.com/office/drawing/2014/main" id="{7D5E1AF5-180A-5AF9-2499-D8EE46DACA98}"/>
               </a:ext>
             </a:extLst>
           </p:cNvPr>
@@ -10518,7 +10518,7 @@
           <p:cNvPr id="20" name="Rectangle 19">
             <a:extLst>
               <a:ext uri="{FF2B5EF4-FFF2-40B4-BE49-F238E27FC236}">
-                <a16:creationId xmlns:a16="http://schemas.microsoft.com/office/drawing/2014/main" xmlns="" id="{CCB947C4-E8B5-632F-4966-071A902CCCD2}"/>
+                <a16:creationId xmlns="" xmlns:a16="http://schemas.microsoft.com/office/drawing/2014/main" id="{CCB947C4-E8B5-632F-4966-071A902CCCD2}"/>
               </a:ext>
             </a:extLst>
           </p:cNvPr>
@@ -10575,7 +10575,7 @@
           <p:cNvPr id="21" name="Rectangle 20">
             <a:extLst>
               <a:ext uri="{FF2B5EF4-FFF2-40B4-BE49-F238E27FC236}">
-                <a16:creationId xmlns:a16="http://schemas.microsoft.com/office/drawing/2014/main" xmlns="" id="{C25E0E45-4286-EB60-B531-3C3F73E7E2CD}"/>
+                <a16:creationId xmlns="" xmlns:a16="http://schemas.microsoft.com/office/drawing/2014/main" id="{C25E0E45-4286-EB60-B531-3C3F73E7E2CD}"/>
               </a:ext>
             </a:extLst>
           </p:cNvPr>
@@ -10653,7 +10653,7 @@
           <p:cNvPr id="22" name="Rectangle 21">
             <a:extLst>
               <a:ext uri="{FF2B5EF4-FFF2-40B4-BE49-F238E27FC236}">
-                <a16:creationId xmlns:a16="http://schemas.microsoft.com/office/drawing/2014/main" xmlns="" id="{D44981CC-B652-48B3-488E-F02504FA39D2}"/>
+                <a16:creationId xmlns="" xmlns:a16="http://schemas.microsoft.com/office/drawing/2014/main" id="{D44981CC-B652-48B3-488E-F02504FA39D2}"/>
               </a:ext>
             </a:extLst>
           </p:cNvPr>
@@ -10715,7 +10715,7 @@
           <p:cNvPr id="23" name="Rectangle 22">
             <a:extLst>
               <a:ext uri="{FF2B5EF4-FFF2-40B4-BE49-F238E27FC236}">
-                <a16:creationId xmlns:a16="http://schemas.microsoft.com/office/drawing/2014/main" xmlns="" id="{6A5B377C-67C7-4A4B-8399-DA4DCCD7F3CA}"/>
+                <a16:creationId xmlns="" xmlns:a16="http://schemas.microsoft.com/office/drawing/2014/main" id="{6A5B377C-67C7-4A4B-8399-DA4DCCD7F3CA}"/>
               </a:ext>
             </a:extLst>
           </p:cNvPr>
@@ -10772,7 +10772,7 @@
           <p:cNvPr id="24" name="Rectangle 23">
             <a:extLst>
               <a:ext uri="{FF2B5EF4-FFF2-40B4-BE49-F238E27FC236}">
-                <a16:creationId xmlns:a16="http://schemas.microsoft.com/office/drawing/2014/main" xmlns="" id="{67320FB7-7D5A-6152-5B6D-90D3282C2162}"/>
+                <a16:creationId xmlns="" xmlns:a16="http://schemas.microsoft.com/office/drawing/2014/main" id="{67320FB7-7D5A-6152-5B6D-90D3282C2162}"/>
               </a:ext>
             </a:extLst>
           </p:cNvPr>
@@ -10854,7 +10854,7 @@
           <p:cNvPr id="25" name="Rectangle 24">
             <a:extLst>
               <a:ext uri="{FF2B5EF4-FFF2-40B4-BE49-F238E27FC236}">
-                <a16:creationId xmlns:a16="http://schemas.microsoft.com/office/drawing/2014/main" xmlns="" id="{B0EDA6E1-E3F5-379A-FFB1-DA1DC58F5A73}"/>
+                <a16:creationId xmlns="" xmlns:a16="http://schemas.microsoft.com/office/drawing/2014/main" id="{B0EDA6E1-E3F5-379A-FFB1-DA1DC58F5A73}"/>
               </a:ext>
             </a:extLst>
           </p:cNvPr>
@@ -10922,7 +10922,7 @@
           <p:cNvPr id="26" name="Rectangle 25">
             <a:extLst>
               <a:ext uri="{FF2B5EF4-FFF2-40B4-BE49-F238E27FC236}">
-                <a16:creationId xmlns:a16="http://schemas.microsoft.com/office/drawing/2014/main" xmlns="" id="{B76D8B7F-9367-0394-CE3E-894E4D07F49B}"/>
+                <a16:creationId xmlns="" xmlns:a16="http://schemas.microsoft.com/office/drawing/2014/main" id="{B76D8B7F-9367-0394-CE3E-894E4D07F49B}"/>
               </a:ext>
             </a:extLst>
           </p:cNvPr>
@@ -10982,7 +10982,7 @@
           <p:cNvPr id="27" name="Rectangle 26">
             <a:extLst>
               <a:ext uri="{FF2B5EF4-FFF2-40B4-BE49-F238E27FC236}">
-                <a16:creationId xmlns:a16="http://schemas.microsoft.com/office/drawing/2014/main" xmlns="" id="{77596002-0F9C-6E91-C16A-D823DA0D0754}"/>
+                <a16:creationId xmlns="" xmlns:a16="http://schemas.microsoft.com/office/drawing/2014/main" id="{77596002-0F9C-6E91-C16A-D823DA0D0754}"/>
               </a:ext>
             </a:extLst>
           </p:cNvPr>
@@ -11041,7 +11041,7 @@
           <p:cNvPr id="28" name="Rectangle 27">
             <a:extLst>
               <a:ext uri="{FF2B5EF4-FFF2-40B4-BE49-F238E27FC236}">
-                <a16:creationId xmlns:a16="http://schemas.microsoft.com/office/drawing/2014/main" xmlns="" id="{88D67871-6AE9-997A-C873-DBB9938F21D6}"/>
+                <a16:creationId xmlns="" xmlns:a16="http://schemas.microsoft.com/office/drawing/2014/main" id="{88D67871-6AE9-997A-C873-DBB9938F21D6}"/>
               </a:ext>
             </a:extLst>
           </p:cNvPr>
@@ -11104,7 +11104,7 @@
           <p:cNvPr id="29" name="Rectangle 28">
             <a:extLst>
               <a:ext uri="{FF2B5EF4-FFF2-40B4-BE49-F238E27FC236}">
-                <a16:creationId xmlns:a16="http://schemas.microsoft.com/office/drawing/2014/main" xmlns="" id="{FFA33F70-7D0E-DEC8-4120-5F39B90BE072}"/>
+                <a16:creationId xmlns="" xmlns:a16="http://schemas.microsoft.com/office/drawing/2014/main" id="{FFA33F70-7D0E-DEC8-4120-5F39B90BE072}"/>
               </a:ext>
             </a:extLst>
           </p:cNvPr>
@@ -11178,7 +11178,7 @@
           <p:cNvPr id="30" name="Rectangle 29">
             <a:extLst>
               <a:ext uri="{FF2B5EF4-FFF2-40B4-BE49-F238E27FC236}">
-                <a16:creationId xmlns:a16="http://schemas.microsoft.com/office/drawing/2014/main" xmlns="" id="{9271F062-3BB9-A923-702E-BFD26BFBDE95}"/>
+                <a16:creationId xmlns="" xmlns:a16="http://schemas.microsoft.com/office/drawing/2014/main" id="{9271F062-3BB9-A923-702E-BFD26BFBDE95}"/>
               </a:ext>
             </a:extLst>
           </p:cNvPr>
@@ -11252,7 +11252,7 @@
           <p:cNvPr id="31" name="Rectangle 30">
             <a:extLst>
               <a:ext uri="{FF2B5EF4-FFF2-40B4-BE49-F238E27FC236}">
-                <a16:creationId xmlns:a16="http://schemas.microsoft.com/office/drawing/2014/main" xmlns="" id="{293CD6A3-4BD5-A32B-602A-D927827D8180}"/>
+                <a16:creationId xmlns="" xmlns:a16="http://schemas.microsoft.com/office/drawing/2014/main" id="{293CD6A3-4BD5-A32B-602A-D927827D8180}"/>
               </a:ext>
             </a:extLst>
           </p:cNvPr>
@@ -11323,7 +11323,7 @@
           <p:cNvPr id="32" name="Rectangle 31">
             <a:extLst>
               <a:ext uri="{FF2B5EF4-FFF2-40B4-BE49-F238E27FC236}">
-                <a16:creationId xmlns:a16="http://schemas.microsoft.com/office/drawing/2014/main" xmlns="" id="{BADA1F69-64F9-DFBE-85BD-5FB5D3D61457}"/>
+                <a16:creationId xmlns="" xmlns:a16="http://schemas.microsoft.com/office/drawing/2014/main" id="{BADA1F69-64F9-DFBE-85BD-5FB5D3D61457}"/>
               </a:ext>
             </a:extLst>
           </p:cNvPr>
@@ -11380,7 +11380,7 @@
           <p:cNvPr id="33" name="Rectangle 32">
             <a:extLst>
               <a:ext uri="{FF2B5EF4-FFF2-40B4-BE49-F238E27FC236}">
-                <a16:creationId xmlns:a16="http://schemas.microsoft.com/office/drawing/2014/main" xmlns="" id="{8FA71310-9405-142C-D2F3-29E22A35DA92}"/>
+                <a16:creationId xmlns="" xmlns:a16="http://schemas.microsoft.com/office/drawing/2014/main" id="{8FA71310-9405-142C-D2F3-29E22A35DA92}"/>
               </a:ext>
             </a:extLst>
           </p:cNvPr>
@@ -11437,7 +11437,7 @@
           <p:cNvPr id="34" name="Rectangle 33">
             <a:extLst>
               <a:ext uri="{FF2B5EF4-FFF2-40B4-BE49-F238E27FC236}">
-                <a16:creationId xmlns:a16="http://schemas.microsoft.com/office/drawing/2014/main" xmlns="" id="{B4C7C550-F1A1-22C3-00E4-65135F67AE65}"/>
+                <a16:creationId xmlns="" xmlns:a16="http://schemas.microsoft.com/office/drawing/2014/main" id="{B4C7C550-F1A1-22C3-00E4-65135F67AE65}"/>
               </a:ext>
             </a:extLst>
           </p:cNvPr>
@@ -11508,7 +11508,7 @@
           <p:cNvPr id="35" name="Rectangle 34">
             <a:extLst>
               <a:ext uri="{FF2B5EF4-FFF2-40B4-BE49-F238E27FC236}">
-                <a16:creationId xmlns:a16="http://schemas.microsoft.com/office/drawing/2014/main" xmlns="" id="{0852A1E8-8DC9-6321-F3BA-112A8C64F1FA}"/>
+                <a16:creationId xmlns="" xmlns:a16="http://schemas.microsoft.com/office/drawing/2014/main" id="{0852A1E8-8DC9-6321-F3BA-112A8C64F1FA}"/>
               </a:ext>
             </a:extLst>
           </p:cNvPr>
@@ -11594,7 +11594,7 @@
           <p:cNvPr id="36" name="Rectangle 35">
             <a:extLst>
               <a:ext uri="{FF2B5EF4-FFF2-40B4-BE49-F238E27FC236}">
-                <a16:creationId xmlns:a16="http://schemas.microsoft.com/office/drawing/2014/main" xmlns="" id="{EB0F0D14-460E-8E3F-5A9D-1AC71D048C00}"/>
+                <a16:creationId xmlns="" xmlns:a16="http://schemas.microsoft.com/office/drawing/2014/main" id="{EB0F0D14-460E-8E3F-5A9D-1AC71D048C00}"/>
               </a:ext>
             </a:extLst>
           </p:cNvPr>
@@ -11653,7 +11653,7 @@
           <p:cNvPr id="37" name="Rectangle 36">
             <a:extLst>
               <a:ext uri="{FF2B5EF4-FFF2-40B4-BE49-F238E27FC236}">
-                <a16:creationId xmlns:a16="http://schemas.microsoft.com/office/drawing/2014/main" xmlns="" id="{01667501-F5E6-4D23-9DD7-657BDDE57323}"/>
+                <a16:creationId xmlns="" xmlns:a16="http://schemas.microsoft.com/office/drawing/2014/main" id="{01667501-F5E6-4D23-9DD7-657BDDE57323}"/>
               </a:ext>
             </a:extLst>
           </p:cNvPr>
@@ -11712,7 +11712,7 @@
           <p:cNvPr id="39" name="Graphic 38" descr="Confused person with solid fill">
             <a:extLst>
               <a:ext uri="{FF2B5EF4-FFF2-40B4-BE49-F238E27FC236}">
-                <a16:creationId xmlns:a16="http://schemas.microsoft.com/office/drawing/2014/main" xmlns="" id="{D2DFF00F-4154-AD81-A459-CF5F1D1A5719}"/>
+                <a16:creationId xmlns="" xmlns:a16="http://schemas.microsoft.com/office/drawing/2014/main" id="{D2DFF00F-4154-AD81-A459-CF5F1D1A5719}"/>
               </a:ext>
             </a:extLst>
           </p:cNvPr>
@@ -11728,7 +11728,7 @@
                 <a14:useLocalDpi xmlns:a14="http://schemas.microsoft.com/office/drawing/2010/main" val="0"/>
               </a:ext>
               <a:ext uri="{96DAC541-7B7A-43D3-8B79-37D633B846F1}">
-                <asvg:svgBlip xmlns:asvg="http://schemas.microsoft.com/office/drawing/2016/SVG/main" xmlns="" r:embed="rId4"/>
+                <asvg:svgBlip xmlns="" xmlns:asvg="http://schemas.microsoft.com/office/drawing/2016/SVG/main" r:embed="rId4"/>
               </a:ext>
             </a:extLst>
           </a:blip>
@@ -11751,7 +11751,7 @@
           <p:cNvPr id="40" name="Graphic 39" descr="Confused person with solid fill">
             <a:extLst>
               <a:ext uri="{FF2B5EF4-FFF2-40B4-BE49-F238E27FC236}">
-                <a16:creationId xmlns:a16="http://schemas.microsoft.com/office/drawing/2014/main" xmlns="" id="{5F2289E8-06B4-A2BD-EFBD-4D64791DDBD4}"/>
+                <a16:creationId xmlns="" xmlns:a16="http://schemas.microsoft.com/office/drawing/2014/main" id="{5F2289E8-06B4-A2BD-EFBD-4D64791DDBD4}"/>
               </a:ext>
             </a:extLst>
           </p:cNvPr>
@@ -11767,7 +11767,7 @@
                 <a14:useLocalDpi xmlns:a14="http://schemas.microsoft.com/office/drawing/2010/main" val="0"/>
               </a:ext>
               <a:ext uri="{96DAC541-7B7A-43D3-8B79-37D633B846F1}">
-                <asvg:svgBlip xmlns:asvg="http://schemas.microsoft.com/office/drawing/2016/SVG/main" xmlns="" r:embed="rId4"/>
+                <asvg:svgBlip xmlns="" xmlns:asvg="http://schemas.microsoft.com/office/drawing/2016/SVG/main" r:embed="rId4"/>
               </a:ext>
             </a:extLst>
           </a:blip>
@@ -11790,7 +11790,7 @@
           <p:cNvPr id="41" name="Graphic 40" descr="Confused person with solid fill">
             <a:extLst>
               <a:ext uri="{FF2B5EF4-FFF2-40B4-BE49-F238E27FC236}">
-                <a16:creationId xmlns:a16="http://schemas.microsoft.com/office/drawing/2014/main" xmlns="" id="{7577F241-7D02-1BAB-2D14-D9DE73EF5CFE}"/>
+                <a16:creationId xmlns="" xmlns:a16="http://schemas.microsoft.com/office/drawing/2014/main" id="{7577F241-7D02-1BAB-2D14-D9DE73EF5CFE}"/>
               </a:ext>
             </a:extLst>
           </p:cNvPr>
@@ -11806,7 +11806,7 @@
                 <a14:useLocalDpi xmlns:a14="http://schemas.microsoft.com/office/drawing/2010/main" val="0"/>
               </a:ext>
               <a:ext uri="{96DAC541-7B7A-43D3-8B79-37D633B846F1}">
-                <asvg:svgBlip xmlns:asvg="http://schemas.microsoft.com/office/drawing/2016/SVG/main" xmlns="" r:embed="rId4"/>
+                <asvg:svgBlip xmlns="" xmlns:asvg="http://schemas.microsoft.com/office/drawing/2016/SVG/main" r:embed="rId4"/>
               </a:ext>
             </a:extLst>
           </a:blip>
@@ -11829,7 +11829,7 @@
           <p:cNvPr id="42" name="Graphic 41" descr="Confused person with solid fill">
             <a:extLst>
               <a:ext uri="{FF2B5EF4-FFF2-40B4-BE49-F238E27FC236}">
-                <a16:creationId xmlns:a16="http://schemas.microsoft.com/office/drawing/2014/main" xmlns="" id="{5D30CE55-6615-2C09-2BF1-11DE2CA6B26C}"/>
+                <a16:creationId xmlns="" xmlns:a16="http://schemas.microsoft.com/office/drawing/2014/main" id="{5D30CE55-6615-2C09-2BF1-11DE2CA6B26C}"/>
               </a:ext>
             </a:extLst>
           </p:cNvPr>
@@ -11845,7 +11845,7 @@
                 <a14:useLocalDpi xmlns:a14="http://schemas.microsoft.com/office/drawing/2010/main" val="0"/>
               </a:ext>
               <a:ext uri="{96DAC541-7B7A-43D3-8B79-37D633B846F1}">
-                <asvg:svgBlip xmlns:asvg="http://schemas.microsoft.com/office/drawing/2016/SVG/main" xmlns="" r:embed="rId4"/>
+                <asvg:svgBlip xmlns="" xmlns:asvg="http://schemas.microsoft.com/office/drawing/2016/SVG/main" r:embed="rId4"/>
               </a:ext>
             </a:extLst>
           </a:blip>
@@ -11868,7 +11868,7 @@
           <p:cNvPr id="43" name="Graphic 42" descr="Confused person with solid fill">
             <a:extLst>
               <a:ext uri="{FF2B5EF4-FFF2-40B4-BE49-F238E27FC236}">
-                <a16:creationId xmlns:a16="http://schemas.microsoft.com/office/drawing/2014/main" xmlns="" id="{6E1B143C-6E2A-34C6-AD28-25367C5BFF70}"/>
+                <a16:creationId xmlns="" xmlns:a16="http://schemas.microsoft.com/office/drawing/2014/main" id="{6E1B143C-6E2A-34C6-AD28-25367C5BFF70}"/>
               </a:ext>
             </a:extLst>
           </p:cNvPr>
@@ -11884,7 +11884,7 @@
                 <a14:useLocalDpi xmlns:a14="http://schemas.microsoft.com/office/drawing/2010/main" val="0"/>
               </a:ext>
               <a:ext uri="{96DAC541-7B7A-43D3-8B79-37D633B846F1}">
-                <asvg:svgBlip xmlns:asvg="http://schemas.microsoft.com/office/drawing/2016/SVG/main" xmlns="" r:embed="rId4"/>
+                <asvg:svgBlip xmlns="" xmlns:asvg="http://schemas.microsoft.com/office/drawing/2016/SVG/main" r:embed="rId4"/>
               </a:ext>
             </a:extLst>
           </a:blip>
@@ -11907,7 +11907,7 @@
           <p:cNvPr id="44" name="Graphic 43" descr="Confused person with solid fill">
             <a:extLst>
               <a:ext uri="{FF2B5EF4-FFF2-40B4-BE49-F238E27FC236}">
-                <a16:creationId xmlns:a16="http://schemas.microsoft.com/office/drawing/2014/main" xmlns="" id="{CE6A8D10-631E-46CA-DE61-B5581A72999B}"/>
+                <a16:creationId xmlns="" xmlns:a16="http://schemas.microsoft.com/office/drawing/2014/main" id="{CE6A8D10-631E-46CA-DE61-B5581A72999B}"/>
               </a:ext>
             </a:extLst>
           </p:cNvPr>
@@ -11923,7 +11923,7 @@
                 <a14:useLocalDpi xmlns:a14="http://schemas.microsoft.com/office/drawing/2010/main" val="0"/>
               </a:ext>
               <a:ext uri="{96DAC541-7B7A-43D3-8B79-37D633B846F1}">
-                <asvg:svgBlip xmlns:asvg="http://schemas.microsoft.com/office/drawing/2016/SVG/main" xmlns="" r:embed="rId4"/>
+                <asvg:svgBlip xmlns="" xmlns:asvg="http://schemas.microsoft.com/office/drawing/2016/SVG/main" r:embed="rId4"/>
               </a:ext>
             </a:extLst>
           </a:blip>
@@ -11946,7 +11946,7 @@
           <p:cNvPr id="45" name="Graphic 44" descr="Confused person with solid fill">
             <a:extLst>
               <a:ext uri="{FF2B5EF4-FFF2-40B4-BE49-F238E27FC236}">
-                <a16:creationId xmlns:a16="http://schemas.microsoft.com/office/drawing/2014/main" xmlns="" id="{41986F78-6886-76A5-1273-3E09B003974C}"/>
+                <a16:creationId xmlns="" xmlns:a16="http://schemas.microsoft.com/office/drawing/2014/main" id="{41986F78-6886-76A5-1273-3E09B003974C}"/>
               </a:ext>
             </a:extLst>
           </p:cNvPr>
@@ -11962,7 +11962,7 @@
                 <a14:useLocalDpi xmlns:a14="http://schemas.microsoft.com/office/drawing/2010/main" val="0"/>
               </a:ext>
               <a:ext uri="{96DAC541-7B7A-43D3-8B79-37D633B846F1}">
-                <asvg:svgBlip xmlns:asvg="http://schemas.microsoft.com/office/drawing/2016/SVG/main" xmlns="" r:embed="rId4"/>
+                <asvg:svgBlip xmlns="" xmlns:asvg="http://schemas.microsoft.com/office/drawing/2016/SVG/main" r:embed="rId4"/>
               </a:ext>
             </a:extLst>
           </a:blip>
@@ -11985,7 +11985,7 @@
           <p:cNvPr id="46" name="Graphic 45" descr="Confused person with solid fill">
             <a:extLst>
               <a:ext uri="{FF2B5EF4-FFF2-40B4-BE49-F238E27FC236}">
-                <a16:creationId xmlns:a16="http://schemas.microsoft.com/office/drawing/2014/main" xmlns="" id="{A9EBBBB8-91E0-1DBB-55EB-3F2AFBFAA5E4}"/>
+                <a16:creationId xmlns="" xmlns:a16="http://schemas.microsoft.com/office/drawing/2014/main" id="{A9EBBBB8-91E0-1DBB-55EB-3F2AFBFAA5E4}"/>
               </a:ext>
             </a:extLst>
           </p:cNvPr>
@@ -12001,7 +12001,7 @@
                 <a14:useLocalDpi xmlns:a14="http://schemas.microsoft.com/office/drawing/2010/main" val="0"/>
               </a:ext>
               <a:ext uri="{96DAC541-7B7A-43D3-8B79-37D633B846F1}">
-                <asvg:svgBlip xmlns:asvg="http://schemas.microsoft.com/office/drawing/2016/SVG/main" xmlns="" r:embed="rId4"/>
+                <asvg:svgBlip xmlns="" xmlns:asvg="http://schemas.microsoft.com/office/drawing/2016/SVG/main" r:embed="rId4"/>
               </a:ext>
             </a:extLst>
           </a:blip>
@@ -12011,7 +12011,7 @@
         </p:blipFill>
         <p:spPr>
           <a:xfrm>
-            <a:off x="4068931" y="4890856"/>
+            <a:off x="3760322" y="4906177"/>
             <a:ext cx="495670" cy="495670"/>
           </a:xfrm>
           <a:prstGeom prst="rect">
@@ -12024,7 +12024,7 @@
           <p:cNvPr id="47" name="Graphic 46" descr="Confused person with solid fill">
             <a:extLst>
               <a:ext uri="{FF2B5EF4-FFF2-40B4-BE49-F238E27FC236}">
-                <a16:creationId xmlns:a16="http://schemas.microsoft.com/office/drawing/2014/main" xmlns="" id="{88ED28A4-A0A5-B321-510C-B473D5C3A057}"/>
+                <a16:creationId xmlns="" xmlns:a16="http://schemas.microsoft.com/office/drawing/2014/main" id="{88ED28A4-A0A5-B321-510C-B473D5C3A057}"/>
               </a:ext>
             </a:extLst>
           </p:cNvPr>
@@ -12040,7 +12040,7 @@
                 <a14:useLocalDpi xmlns:a14="http://schemas.microsoft.com/office/drawing/2010/main" val="0"/>
               </a:ext>
               <a:ext uri="{96DAC541-7B7A-43D3-8B79-37D633B846F1}">
-                <asvg:svgBlip xmlns:asvg="http://schemas.microsoft.com/office/drawing/2016/SVG/main" xmlns="" r:embed="rId4"/>
+                <asvg:svgBlip xmlns="" xmlns:asvg="http://schemas.microsoft.com/office/drawing/2016/SVG/main" r:embed="rId4"/>
               </a:ext>
             </a:extLst>
           </a:blip>
@@ -12063,7 +12063,7 @@
           <p:cNvPr id="48" name="Graphic 47" descr="Confused person with solid fill">
             <a:extLst>
               <a:ext uri="{FF2B5EF4-FFF2-40B4-BE49-F238E27FC236}">
-                <a16:creationId xmlns:a16="http://schemas.microsoft.com/office/drawing/2014/main" xmlns="" id="{A6E4E19D-A689-5644-2D3F-14A3EEE6EFFB}"/>
+                <a16:creationId xmlns="" xmlns:a16="http://schemas.microsoft.com/office/drawing/2014/main" id="{A6E4E19D-A689-5644-2D3F-14A3EEE6EFFB}"/>
               </a:ext>
             </a:extLst>
           </p:cNvPr>
@@ -12079,7 +12079,7 @@
                 <a14:useLocalDpi xmlns:a14="http://schemas.microsoft.com/office/drawing/2010/main" val="0"/>
               </a:ext>
               <a:ext uri="{96DAC541-7B7A-43D3-8B79-37D633B846F1}">
-                <asvg:svgBlip xmlns:asvg="http://schemas.microsoft.com/office/drawing/2016/SVG/main" xmlns="" r:embed="rId4"/>
+                <asvg:svgBlip xmlns="" xmlns:asvg="http://schemas.microsoft.com/office/drawing/2016/SVG/main" r:embed="rId4"/>
               </a:ext>
             </a:extLst>
           </a:blip>
@@ -12102,7 +12102,7 @@
           <p:cNvPr id="49" name="Graphic 48" descr="Confused person with solid fill">
             <a:extLst>
               <a:ext uri="{FF2B5EF4-FFF2-40B4-BE49-F238E27FC236}">
-                <a16:creationId xmlns:a16="http://schemas.microsoft.com/office/drawing/2014/main" xmlns="" id="{83A00473-E509-990B-E66B-C35DD0768374}"/>
+                <a16:creationId xmlns="" xmlns:a16="http://schemas.microsoft.com/office/drawing/2014/main" id="{83A00473-E509-990B-E66B-C35DD0768374}"/>
               </a:ext>
             </a:extLst>
           </p:cNvPr>
@@ -12118,7 +12118,7 @@
                 <a14:useLocalDpi xmlns:a14="http://schemas.microsoft.com/office/drawing/2010/main" val="0"/>
               </a:ext>
               <a:ext uri="{96DAC541-7B7A-43D3-8B79-37D633B846F1}">
-                <asvg:svgBlip xmlns:asvg="http://schemas.microsoft.com/office/drawing/2016/SVG/main" xmlns="" r:embed="rId4"/>
+                <asvg:svgBlip xmlns="" xmlns:asvg="http://schemas.microsoft.com/office/drawing/2016/SVG/main" r:embed="rId4"/>
               </a:ext>
             </a:extLst>
           </a:blip>
@@ -12128,7 +12128,7 @@
         </p:blipFill>
         <p:spPr>
           <a:xfrm>
-            <a:off x="2293398" y="1455198"/>
+            <a:off x="2531466" y="1466133"/>
             <a:ext cx="495670" cy="495670"/>
           </a:xfrm>
           <a:prstGeom prst="rect">
@@ -12141,7 +12141,7 @@
           <p:cNvPr id="50" name="Graphic 49" descr="Confused person with solid fill">
             <a:extLst>
               <a:ext uri="{FF2B5EF4-FFF2-40B4-BE49-F238E27FC236}">
-                <a16:creationId xmlns:a16="http://schemas.microsoft.com/office/drawing/2014/main" xmlns="" id="{BE2E8B28-EBE5-3EDA-BC58-0EF54790EE0F}"/>
+                <a16:creationId xmlns="" xmlns:a16="http://schemas.microsoft.com/office/drawing/2014/main" id="{BE2E8B28-EBE5-3EDA-BC58-0EF54790EE0F}"/>
               </a:ext>
             </a:extLst>
           </p:cNvPr>
@@ -12157,7 +12157,7 @@
                 <a14:useLocalDpi xmlns:a14="http://schemas.microsoft.com/office/drawing/2010/main" val="0"/>
               </a:ext>
               <a:ext uri="{96DAC541-7B7A-43D3-8B79-37D633B846F1}">
-                <asvg:svgBlip xmlns:asvg="http://schemas.microsoft.com/office/drawing/2016/SVG/main" xmlns="" r:embed="rId4"/>
+                <asvg:svgBlip xmlns="" xmlns:asvg="http://schemas.microsoft.com/office/drawing/2016/SVG/main" r:embed="rId4"/>
               </a:ext>
             </a:extLst>
           </a:blip>
@@ -12180,7 +12180,7 @@
           <p:cNvPr id="51" name="Graphic 50" descr="Confused person with solid fill">
             <a:extLst>
               <a:ext uri="{FF2B5EF4-FFF2-40B4-BE49-F238E27FC236}">
-                <a16:creationId xmlns:a16="http://schemas.microsoft.com/office/drawing/2014/main" xmlns="" id="{EF6FD328-D10C-BC09-01A6-059F9819077E}"/>
+                <a16:creationId xmlns="" xmlns:a16="http://schemas.microsoft.com/office/drawing/2014/main" id="{EF6FD328-D10C-BC09-01A6-059F9819077E}"/>
               </a:ext>
             </a:extLst>
           </p:cNvPr>
@@ -12196,7 +12196,7 @@
                 <a14:useLocalDpi xmlns:a14="http://schemas.microsoft.com/office/drawing/2010/main" val="0"/>
               </a:ext>
               <a:ext uri="{96DAC541-7B7A-43D3-8B79-37D633B846F1}">
-                <asvg:svgBlip xmlns:asvg="http://schemas.microsoft.com/office/drawing/2016/SVG/main" xmlns="" r:embed="rId4"/>
+                <asvg:svgBlip xmlns="" xmlns:asvg="http://schemas.microsoft.com/office/drawing/2016/SVG/main" r:embed="rId4"/>
               </a:ext>
             </a:extLst>
           </a:blip>
@@ -12219,7 +12219,7 @@
           <p:cNvPr id="52" name="Graphic 51" descr="Confused person with solid fill">
             <a:extLst>
               <a:ext uri="{FF2B5EF4-FFF2-40B4-BE49-F238E27FC236}">
-                <a16:creationId xmlns:a16="http://schemas.microsoft.com/office/drawing/2014/main" xmlns="" id="{E12FF190-5619-3CCA-0DB0-D21717259DE1}"/>
+                <a16:creationId xmlns="" xmlns:a16="http://schemas.microsoft.com/office/drawing/2014/main" id="{E12FF190-5619-3CCA-0DB0-D21717259DE1}"/>
               </a:ext>
             </a:extLst>
           </p:cNvPr>
@@ -12235,7 +12235,7 @@
                 <a14:useLocalDpi xmlns:a14="http://schemas.microsoft.com/office/drawing/2010/main" val="0"/>
               </a:ext>
               <a:ext uri="{96DAC541-7B7A-43D3-8B79-37D633B846F1}">
-                <asvg:svgBlip xmlns:asvg="http://schemas.microsoft.com/office/drawing/2016/SVG/main" xmlns="" r:embed="rId4"/>
+                <asvg:svgBlip xmlns="" xmlns:asvg="http://schemas.microsoft.com/office/drawing/2016/SVG/main" r:embed="rId4"/>
               </a:ext>
             </a:extLst>
           </a:blip>
@@ -12245,7 +12245,7 @@
         </p:blipFill>
         <p:spPr>
           <a:xfrm>
-            <a:off x="181991" y="1758518"/>
+            <a:off x="54752" y="3093054"/>
             <a:ext cx="495670" cy="495670"/>
           </a:xfrm>
           <a:prstGeom prst="rect">
@@ -12258,7 +12258,7 @@
           <p:cNvPr id="53" name="Graphic 52" descr="Confused person with solid fill">
             <a:extLst>
               <a:ext uri="{FF2B5EF4-FFF2-40B4-BE49-F238E27FC236}">
-                <a16:creationId xmlns:a16="http://schemas.microsoft.com/office/drawing/2014/main" xmlns="" id="{879144AF-4956-394A-1A16-4F2BB7390AD7}"/>
+                <a16:creationId xmlns="" xmlns:a16="http://schemas.microsoft.com/office/drawing/2014/main" id="{879144AF-4956-394A-1A16-4F2BB7390AD7}"/>
               </a:ext>
             </a:extLst>
           </p:cNvPr>
@@ -12274,7 +12274,7 @@
                 <a14:useLocalDpi xmlns:a14="http://schemas.microsoft.com/office/drawing/2010/main" val="0"/>
               </a:ext>
               <a:ext uri="{96DAC541-7B7A-43D3-8B79-37D633B846F1}">
-                <asvg:svgBlip xmlns:asvg="http://schemas.microsoft.com/office/drawing/2016/SVG/main" xmlns="" r:embed="rId4"/>
+                <asvg:svgBlip xmlns="" xmlns:asvg="http://schemas.microsoft.com/office/drawing/2016/SVG/main" r:embed="rId4"/>
               </a:ext>
             </a:extLst>
           </a:blip>
@@ -12339,7 +12339,7 @@
           <p:cNvPr id="13" name="Rectangle 12">
             <a:extLst>
               <a:ext uri="{FF2B5EF4-FFF2-40B4-BE49-F238E27FC236}">
-                <a16:creationId xmlns:a16="http://schemas.microsoft.com/office/drawing/2014/main" xmlns="" id="{4DCC99FA-CF8F-B558-2B00-18A19414ED00}"/>
+                <a16:creationId xmlns="" xmlns:a16="http://schemas.microsoft.com/office/drawing/2014/main" id="{4DCC99FA-CF8F-B558-2B00-18A19414ED00}"/>
               </a:ext>
             </a:extLst>
           </p:cNvPr>
@@ -12391,7 +12391,7 @@
           <p:cNvPr id="6" name="Rectangle 5">
             <a:extLst>
               <a:ext uri="{FF2B5EF4-FFF2-40B4-BE49-F238E27FC236}">
-                <a16:creationId xmlns:a16="http://schemas.microsoft.com/office/drawing/2014/main" xmlns="" id="{3B490099-52C0-B472-D640-2BAD12409112}"/>
+                <a16:creationId xmlns="" xmlns:a16="http://schemas.microsoft.com/office/drawing/2014/main" id="{3B490099-52C0-B472-D640-2BAD12409112}"/>
               </a:ext>
             </a:extLst>
           </p:cNvPr>
@@ -12443,7 +12443,7 @@
           <p:cNvPr id="2" name="Rectangle 1">
             <a:extLst>
               <a:ext uri="{FF2B5EF4-FFF2-40B4-BE49-F238E27FC236}">
-                <a16:creationId xmlns:a16="http://schemas.microsoft.com/office/drawing/2014/main" xmlns="" id="{42FC97F3-947E-851A-1952-C07B7CD27391}"/>
+                <a16:creationId xmlns="" xmlns:a16="http://schemas.microsoft.com/office/drawing/2014/main" id="{42FC97F3-947E-851A-1952-C07B7CD27391}"/>
               </a:ext>
             </a:extLst>
           </p:cNvPr>
@@ -12532,7 +12532,7 @@
           <p:cNvPr id="3" name="Rectangle 2">
             <a:extLst>
               <a:ext uri="{FF2B5EF4-FFF2-40B4-BE49-F238E27FC236}">
-                <a16:creationId xmlns:a16="http://schemas.microsoft.com/office/drawing/2014/main" xmlns="" id="{420F35A9-7A72-29CE-1453-439527D3BD50}"/>
+                <a16:creationId xmlns="" xmlns:a16="http://schemas.microsoft.com/office/drawing/2014/main" id="{420F35A9-7A72-29CE-1453-439527D3BD50}"/>
               </a:ext>
             </a:extLst>
           </p:cNvPr>
@@ -12584,7 +12584,7 @@
           <p:cNvPr id="39" name="Graphic 38" descr="Confused person with solid fill">
             <a:extLst>
               <a:ext uri="{FF2B5EF4-FFF2-40B4-BE49-F238E27FC236}">
-                <a16:creationId xmlns:a16="http://schemas.microsoft.com/office/drawing/2014/main" xmlns="" id="{D2DFF00F-4154-AD81-A459-CF5F1D1A5719}"/>
+                <a16:creationId xmlns="" xmlns:a16="http://schemas.microsoft.com/office/drawing/2014/main" id="{D2DFF00F-4154-AD81-A459-CF5F1D1A5719}"/>
               </a:ext>
             </a:extLst>
           </p:cNvPr>
@@ -12600,7 +12600,7 @@
                 <a14:useLocalDpi xmlns:a14="http://schemas.microsoft.com/office/drawing/2010/main" val="0"/>
               </a:ext>
               <a:ext uri="{96DAC541-7B7A-43D3-8B79-37D633B846F1}">
-                <asvg:svgBlip xmlns:asvg="http://schemas.microsoft.com/office/drawing/2016/SVG/main" xmlns="" r:embed="rId4"/>
+                <asvg:svgBlip xmlns="" xmlns:asvg="http://schemas.microsoft.com/office/drawing/2016/SVG/main" r:embed="rId4"/>
               </a:ext>
             </a:extLst>
           </a:blip>
@@ -12623,7 +12623,7 @@
           <p:cNvPr id="10" name="Graphic 9" descr="Confused person with solid fill">
             <a:extLst>
               <a:ext uri="{FF2B5EF4-FFF2-40B4-BE49-F238E27FC236}">
-                <a16:creationId xmlns:a16="http://schemas.microsoft.com/office/drawing/2014/main" xmlns="" id="{B3A43BE7-93AF-54B1-6843-4EBBA0122235}"/>
+                <a16:creationId xmlns="" xmlns:a16="http://schemas.microsoft.com/office/drawing/2014/main" id="{B3A43BE7-93AF-54B1-6843-4EBBA0122235}"/>
               </a:ext>
             </a:extLst>
           </p:cNvPr>
@@ -12639,7 +12639,7 @@
                 <a14:useLocalDpi xmlns:a14="http://schemas.microsoft.com/office/drawing/2010/main" val="0"/>
               </a:ext>
               <a:ext uri="{96DAC541-7B7A-43D3-8B79-37D633B846F1}">
-                <asvg:svgBlip xmlns:asvg="http://schemas.microsoft.com/office/drawing/2016/SVG/main" xmlns="" r:embed="rId4"/>
+                <asvg:svgBlip xmlns="" xmlns:asvg="http://schemas.microsoft.com/office/drawing/2016/SVG/main" r:embed="rId4"/>
               </a:ext>
             </a:extLst>
           </a:blip>
@@ -12662,7 +12662,7 @@
           <p:cNvPr id="87" name="Rectangle 86">
             <a:extLst>
               <a:ext uri="{FF2B5EF4-FFF2-40B4-BE49-F238E27FC236}">
-                <a16:creationId xmlns:a16="http://schemas.microsoft.com/office/drawing/2014/main" xmlns="" id="{77338CDA-86F1-E7FA-F418-43BCFF266837}"/>
+                <a16:creationId xmlns="" xmlns:a16="http://schemas.microsoft.com/office/drawing/2014/main" id="{77338CDA-86F1-E7FA-F418-43BCFF266837}"/>
               </a:ext>
             </a:extLst>
           </p:cNvPr>
@@ -12726,7 +12726,7 @@
           <p:cNvPr id="91" name="Rectangle 90">
             <a:extLst>
               <a:ext uri="{FF2B5EF4-FFF2-40B4-BE49-F238E27FC236}">
-                <a16:creationId xmlns:a16="http://schemas.microsoft.com/office/drawing/2014/main" xmlns="" id="{961AF58E-C9E6-E20B-AF89-EC27EA370B79}"/>
+                <a16:creationId xmlns="" xmlns:a16="http://schemas.microsoft.com/office/drawing/2014/main" id="{961AF58E-C9E6-E20B-AF89-EC27EA370B79}"/>
               </a:ext>
             </a:extLst>
           </p:cNvPr>
@@ -12787,7 +12787,7 @@
           <p:cNvPr id="92" name="Rectangle 91">
             <a:extLst>
               <a:ext uri="{FF2B5EF4-FFF2-40B4-BE49-F238E27FC236}">
-                <a16:creationId xmlns:a16="http://schemas.microsoft.com/office/drawing/2014/main" xmlns="" id="{833A7699-6A1C-DF5B-C1BA-02A234386031}"/>
+                <a16:creationId xmlns="" xmlns:a16="http://schemas.microsoft.com/office/drawing/2014/main" id="{833A7699-6A1C-DF5B-C1BA-02A234386031}"/>
               </a:ext>
             </a:extLst>
           </p:cNvPr>
@@ -12851,7 +12851,7 @@
           <p:cNvPr id="95" name="Rectangle 94">
             <a:extLst>
               <a:ext uri="{FF2B5EF4-FFF2-40B4-BE49-F238E27FC236}">
-                <a16:creationId xmlns:a16="http://schemas.microsoft.com/office/drawing/2014/main" xmlns="" id="{5E5F42F2-4525-7BCF-45C5-FD25464C036A}"/>
+                <a16:creationId xmlns="" xmlns:a16="http://schemas.microsoft.com/office/drawing/2014/main" id="{5E5F42F2-4525-7BCF-45C5-FD25464C036A}"/>
               </a:ext>
             </a:extLst>
           </p:cNvPr>
@@ -12910,7 +12910,7 @@
           <p:cNvPr id="97" name="Rectangle 96">
             <a:extLst>
               <a:ext uri="{FF2B5EF4-FFF2-40B4-BE49-F238E27FC236}">
-                <a16:creationId xmlns:a16="http://schemas.microsoft.com/office/drawing/2014/main" xmlns="" id="{3FB36FDD-E9F5-7A7F-77B5-D6E796BE8FB7}"/>
+                <a16:creationId xmlns="" xmlns:a16="http://schemas.microsoft.com/office/drawing/2014/main" id="{3FB36FDD-E9F5-7A7F-77B5-D6E796BE8FB7}"/>
               </a:ext>
             </a:extLst>
           </p:cNvPr>
@@ -12967,7 +12967,7 @@
           <p:cNvPr id="99" name="Rectangle 98">
             <a:extLst>
               <a:ext uri="{FF2B5EF4-FFF2-40B4-BE49-F238E27FC236}">
-                <a16:creationId xmlns:a16="http://schemas.microsoft.com/office/drawing/2014/main" xmlns="" id="{D5ADC0F1-F1EC-6F89-2BE4-950B87782123}"/>
+                <a16:creationId xmlns="" xmlns:a16="http://schemas.microsoft.com/office/drawing/2014/main" id="{D5ADC0F1-F1EC-6F89-2BE4-950B87782123}"/>
               </a:ext>
             </a:extLst>
           </p:cNvPr>
@@ -13030,7 +13030,7 @@
           <p:cNvPr id="100" name="Rectangle 99">
             <a:extLst>
               <a:ext uri="{FF2B5EF4-FFF2-40B4-BE49-F238E27FC236}">
-                <a16:creationId xmlns:a16="http://schemas.microsoft.com/office/drawing/2014/main" xmlns="" id="{AB7767E7-0D78-3F87-BB3D-A3C2E650D2F2}"/>
+                <a16:creationId xmlns="" xmlns:a16="http://schemas.microsoft.com/office/drawing/2014/main" id="{AB7767E7-0D78-3F87-BB3D-A3C2E650D2F2}"/>
               </a:ext>
             </a:extLst>
           </p:cNvPr>
@@ -13097,7 +13097,7 @@
           <p:cNvPr id="103" name="Graphic 102" descr="Confused person with solid fill">
             <a:extLst>
               <a:ext uri="{FF2B5EF4-FFF2-40B4-BE49-F238E27FC236}">
-                <a16:creationId xmlns:a16="http://schemas.microsoft.com/office/drawing/2014/main" xmlns="" id="{C81FFC2E-17DC-A605-E306-D0E3B55CC08F}"/>
+                <a16:creationId xmlns="" xmlns:a16="http://schemas.microsoft.com/office/drawing/2014/main" id="{C81FFC2E-17DC-A605-E306-D0E3B55CC08F}"/>
               </a:ext>
             </a:extLst>
           </p:cNvPr>
@@ -13113,7 +13113,7 @@
                 <a14:useLocalDpi xmlns:a14="http://schemas.microsoft.com/office/drawing/2010/main" val="0"/>
               </a:ext>
               <a:ext uri="{96DAC541-7B7A-43D3-8B79-37D633B846F1}">
-                <asvg:svgBlip xmlns:asvg="http://schemas.microsoft.com/office/drawing/2016/SVG/main" xmlns="" r:embed="rId4"/>
+                <asvg:svgBlip xmlns="" xmlns:asvg="http://schemas.microsoft.com/office/drawing/2016/SVG/main" r:embed="rId4"/>
               </a:ext>
             </a:extLst>
           </a:blip>
@@ -13136,7 +13136,7 @@
           <p:cNvPr id="4" name="Rectangle 3">
             <a:extLst>
               <a:ext uri="{FF2B5EF4-FFF2-40B4-BE49-F238E27FC236}">
-                <a16:creationId xmlns:a16="http://schemas.microsoft.com/office/drawing/2014/main" xmlns="" id="{779DC317-08FA-E328-42C3-A3EF47A364D7}"/>
+                <a16:creationId xmlns="" xmlns:a16="http://schemas.microsoft.com/office/drawing/2014/main" id="{779DC317-08FA-E328-42C3-A3EF47A364D7}"/>
               </a:ext>
             </a:extLst>
           </p:cNvPr>
@@ -13193,7 +13193,7 @@
           <p:cNvPr id="5" name="Rectangle 4">
             <a:extLst>
               <a:ext uri="{FF2B5EF4-FFF2-40B4-BE49-F238E27FC236}">
-                <a16:creationId xmlns:a16="http://schemas.microsoft.com/office/drawing/2014/main" xmlns="" id="{54001B7E-3397-6CE3-561C-EF3F5FF30EFE}"/>
+                <a16:creationId xmlns="" xmlns:a16="http://schemas.microsoft.com/office/drawing/2014/main" id="{54001B7E-3397-6CE3-561C-EF3F5FF30EFE}"/>
               </a:ext>
             </a:extLst>
           </p:cNvPr>
@@ -13246,7 +13246,7 @@
           <p:cNvPr id="7" name="Rectangle 6">
             <a:extLst>
               <a:ext uri="{FF2B5EF4-FFF2-40B4-BE49-F238E27FC236}">
-                <a16:creationId xmlns:a16="http://schemas.microsoft.com/office/drawing/2014/main" xmlns="" id="{E758D757-D02F-7F11-2280-1F9CF95DD473}"/>
+                <a16:creationId xmlns="" xmlns:a16="http://schemas.microsoft.com/office/drawing/2014/main" id="{E758D757-D02F-7F11-2280-1F9CF95DD473}"/>
               </a:ext>
             </a:extLst>
           </p:cNvPr>
@@ -13335,7 +13335,7 @@
           <p:cNvPr id="8" name="Rectangle 7">
             <a:extLst>
               <a:ext uri="{FF2B5EF4-FFF2-40B4-BE49-F238E27FC236}">
-                <a16:creationId xmlns:a16="http://schemas.microsoft.com/office/drawing/2014/main" xmlns="" id="{EF02DB60-7D4F-A4ED-99B0-581F822D116C}"/>
+                <a16:creationId xmlns="" xmlns:a16="http://schemas.microsoft.com/office/drawing/2014/main" id="{EF02DB60-7D4F-A4ED-99B0-581F822D116C}"/>
               </a:ext>
             </a:extLst>
           </p:cNvPr>
@@ -13394,7 +13394,7 @@
           <p:cNvPr id="9" name="Rectangle 8">
             <a:extLst>
               <a:ext uri="{FF2B5EF4-FFF2-40B4-BE49-F238E27FC236}">
-                <a16:creationId xmlns:a16="http://schemas.microsoft.com/office/drawing/2014/main" xmlns="" id="{EABD0440-8CFC-0984-87F5-94EEC9AE1070}"/>
+                <a16:creationId xmlns="" xmlns:a16="http://schemas.microsoft.com/office/drawing/2014/main" id="{EABD0440-8CFC-0984-87F5-94EEC9AE1070}"/>
               </a:ext>
             </a:extLst>
           </p:cNvPr>
@@ -13453,7 +13453,7 @@
           <p:cNvPr id="11" name="Graphic 10" descr="Confused person with solid fill">
             <a:extLst>
               <a:ext uri="{FF2B5EF4-FFF2-40B4-BE49-F238E27FC236}">
-                <a16:creationId xmlns:a16="http://schemas.microsoft.com/office/drawing/2014/main" xmlns="" id="{190E6B4F-E402-AFB9-2530-B9EB81DD7E13}"/>
+                <a16:creationId xmlns="" xmlns:a16="http://schemas.microsoft.com/office/drawing/2014/main" id="{190E6B4F-E402-AFB9-2530-B9EB81DD7E13}"/>
               </a:ext>
             </a:extLst>
           </p:cNvPr>
@@ -13469,7 +13469,7 @@
                 <a14:useLocalDpi xmlns:a14="http://schemas.microsoft.com/office/drawing/2010/main" val="0"/>
               </a:ext>
               <a:ext uri="{96DAC541-7B7A-43D3-8B79-37D633B846F1}">
-                <asvg:svgBlip xmlns:asvg="http://schemas.microsoft.com/office/drawing/2016/SVG/main" xmlns="" r:embed="rId4"/>
+                <asvg:svgBlip xmlns="" xmlns:asvg="http://schemas.microsoft.com/office/drawing/2016/SVG/main" r:embed="rId4"/>
               </a:ext>
             </a:extLst>
           </a:blip>
@@ -13479,7 +13479,7 @@
         </p:blipFill>
         <p:spPr>
           <a:xfrm>
-            <a:off x="5836204" y="3109477"/>
+            <a:off x="5848971" y="3196124"/>
             <a:ext cx="394924" cy="300084"/>
           </a:xfrm>
           <a:prstGeom prst="rect">
@@ -13492,7 +13492,7 @@
           <p:cNvPr id="12" name="Graphic 11" descr="Confused person with solid fill">
             <a:extLst>
               <a:ext uri="{FF2B5EF4-FFF2-40B4-BE49-F238E27FC236}">
-                <a16:creationId xmlns:a16="http://schemas.microsoft.com/office/drawing/2014/main" xmlns="" id="{F0F49F46-A3D1-9B93-8EB6-0F17B1D6DA3B}"/>
+                <a16:creationId xmlns="" xmlns:a16="http://schemas.microsoft.com/office/drawing/2014/main" id="{F0F49F46-A3D1-9B93-8EB6-0F17B1D6DA3B}"/>
               </a:ext>
             </a:extLst>
           </p:cNvPr>
@@ -13508,7 +13508,7 @@
                 <a14:useLocalDpi xmlns:a14="http://schemas.microsoft.com/office/drawing/2010/main" val="0"/>
               </a:ext>
               <a:ext uri="{96DAC541-7B7A-43D3-8B79-37D633B846F1}">
-                <asvg:svgBlip xmlns:asvg="http://schemas.microsoft.com/office/drawing/2016/SVG/main" xmlns="" r:embed="rId4"/>
+                <asvg:svgBlip xmlns="" xmlns:asvg="http://schemas.microsoft.com/office/drawing/2016/SVG/main" r:embed="rId4"/>
               </a:ext>
             </a:extLst>
           </a:blip>
@@ -13531,7 +13531,7 @@
           <p:cNvPr id="14" name="Rectangle 13">
             <a:extLst>
               <a:ext uri="{FF2B5EF4-FFF2-40B4-BE49-F238E27FC236}">
-                <a16:creationId xmlns:a16="http://schemas.microsoft.com/office/drawing/2014/main" xmlns="" id="{71C46CEB-C72F-5543-8FB4-7F1B91392180}"/>
+                <a16:creationId xmlns="" xmlns:a16="http://schemas.microsoft.com/office/drawing/2014/main" id="{71C46CEB-C72F-5543-8FB4-7F1B91392180}"/>
               </a:ext>
             </a:extLst>
           </p:cNvPr>
@@ -13620,7 +13620,7 @@
           <p:cNvPr id="15" name="Rectangle 14">
             <a:extLst>
               <a:ext uri="{FF2B5EF4-FFF2-40B4-BE49-F238E27FC236}">
-                <a16:creationId xmlns:a16="http://schemas.microsoft.com/office/drawing/2014/main" xmlns="" id="{1AEC7B80-4345-A3E7-04AD-3B3483BECF99}"/>
+                <a16:creationId xmlns="" xmlns:a16="http://schemas.microsoft.com/office/drawing/2014/main" id="{1AEC7B80-4345-A3E7-04AD-3B3483BECF99}"/>
               </a:ext>
             </a:extLst>
           </p:cNvPr>
@@ -13684,7 +13684,7 @@
           <p:cNvPr id="16" name="Graphic 15" descr="Confused person with solid fill">
             <a:extLst>
               <a:ext uri="{FF2B5EF4-FFF2-40B4-BE49-F238E27FC236}">
-                <a16:creationId xmlns:a16="http://schemas.microsoft.com/office/drawing/2014/main" xmlns="" id="{709994F6-187E-1671-8154-008EA4BEEEF3}"/>
+                <a16:creationId xmlns="" xmlns:a16="http://schemas.microsoft.com/office/drawing/2014/main" id="{709994F6-187E-1671-8154-008EA4BEEEF3}"/>
               </a:ext>
             </a:extLst>
           </p:cNvPr>
@@ -13700,7 +13700,7 @@
                 <a14:useLocalDpi xmlns:a14="http://schemas.microsoft.com/office/drawing/2010/main" val="0"/>
               </a:ext>
               <a:ext uri="{96DAC541-7B7A-43D3-8B79-37D633B846F1}">
-                <asvg:svgBlip xmlns:asvg="http://schemas.microsoft.com/office/drawing/2016/SVG/main" xmlns="" r:embed="rId4"/>
+                <asvg:svgBlip xmlns="" xmlns:asvg="http://schemas.microsoft.com/office/drawing/2016/SVG/main" r:embed="rId4"/>
               </a:ext>
             </a:extLst>
           </a:blip>
@@ -13723,7 +13723,7 @@
           <p:cNvPr id="17" name="Graphic 16" descr="Confused person with solid fill">
             <a:extLst>
               <a:ext uri="{FF2B5EF4-FFF2-40B4-BE49-F238E27FC236}">
-                <a16:creationId xmlns:a16="http://schemas.microsoft.com/office/drawing/2014/main" xmlns="" id="{4F9B0575-7818-2424-B1AE-8DC3EDE78658}"/>
+                <a16:creationId xmlns="" xmlns:a16="http://schemas.microsoft.com/office/drawing/2014/main" id="{4F9B0575-7818-2424-B1AE-8DC3EDE78658}"/>
               </a:ext>
             </a:extLst>
           </p:cNvPr>
@@ -13739,7 +13739,7 @@
                 <a14:useLocalDpi xmlns:a14="http://schemas.microsoft.com/office/drawing/2010/main" val="0"/>
               </a:ext>
               <a:ext uri="{96DAC541-7B7A-43D3-8B79-37D633B846F1}">
-                <asvg:svgBlip xmlns:asvg="http://schemas.microsoft.com/office/drawing/2016/SVG/main" xmlns="" r:embed="rId4"/>
+                <asvg:svgBlip xmlns="" xmlns:asvg="http://schemas.microsoft.com/office/drawing/2016/SVG/main" r:embed="rId4"/>
               </a:ext>
             </a:extLst>
           </a:blip>
@@ -13804,7 +13804,7 @@
           <p:cNvPr id="2" name="Rectangle 1">
             <a:extLst>
               <a:ext uri="{FF2B5EF4-FFF2-40B4-BE49-F238E27FC236}">
-                <a16:creationId xmlns:a16="http://schemas.microsoft.com/office/drawing/2014/main" xmlns="" id="{42FC97F3-947E-851A-1952-C07B7CD27391}"/>
+                <a16:creationId xmlns="" xmlns:a16="http://schemas.microsoft.com/office/drawing/2014/main" id="{42FC97F3-947E-851A-1952-C07B7CD27391}"/>
               </a:ext>
             </a:extLst>
           </p:cNvPr>
@@ -13885,7 +13885,7 @@
           <p:cNvPr id="3" name="Rectangle 2">
             <a:extLst>
               <a:ext uri="{FF2B5EF4-FFF2-40B4-BE49-F238E27FC236}">
-                <a16:creationId xmlns:a16="http://schemas.microsoft.com/office/drawing/2014/main" xmlns="" id="{420F35A9-7A72-29CE-1453-439527D3BD50}"/>
+                <a16:creationId xmlns="" xmlns:a16="http://schemas.microsoft.com/office/drawing/2014/main" id="{420F35A9-7A72-29CE-1453-439527D3BD50}"/>
               </a:ext>
             </a:extLst>
           </p:cNvPr>
@@ -13937,7 +13937,7 @@
           <p:cNvPr id="25" name="Rectangle 24">
             <a:extLst>
               <a:ext uri="{FF2B5EF4-FFF2-40B4-BE49-F238E27FC236}">
-                <a16:creationId xmlns:a16="http://schemas.microsoft.com/office/drawing/2014/main" xmlns="" id="{B0EDA6E1-E3F5-379A-FFB1-DA1DC58F5A73}"/>
+                <a16:creationId xmlns="" xmlns:a16="http://schemas.microsoft.com/office/drawing/2014/main" id="{B0EDA6E1-E3F5-379A-FFB1-DA1DC58F5A73}"/>
               </a:ext>
             </a:extLst>
           </p:cNvPr>
@@ -13994,7 +13994,7 @@
           <p:cNvPr id="31" name="Rectangle 30">
             <a:extLst>
               <a:ext uri="{FF2B5EF4-FFF2-40B4-BE49-F238E27FC236}">
-                <a16:creationId xmlns:a16="http://schemas.microsoft.com/office/drawing/2014/main" xmlns="" id="{293CD6A3-4BD5-A32B-602A-D927827D8180}"/>
+                <a16:creationId xmlns="" xmlns:a16="http://schemas.microsoft.com/office/drawing/2014/main" id="{293CD6A3-4BD5-A32B-602A-D927827D8180}"/>
               </a:ext>
             </a:extLst>
           </p:cNvPr>
@@ -14053,7 +14053,7 @@
           <p:cNvPr id="39" name="Graphic 38" descr="Confused person with solid fill">
             <a:extLst>
               <a:ext uri="{FF2B5EF4-FFF2-40B4-BE49-F238E27FC236}">
-                <a16:creationId xmlns:a16="http://schemas.microsoft.com/office/drawing/2014/main" xmlns="" id="{D2DFF00F-4154-AD81-A459-CF5F1D1A5719}"/>
+                <a16:creationId xmlns="" xmlns:a16="http://schemas.microsoft.com/office/drawing/2014/main" id="{D2DFF00F-4154-AD81-A459-CF5F1D1A5719}"/>
               </a:ext>
             </a:extLst>
           </p:cNvPr>
@@ -14069,7 +14069,7 @@
                 <a14:useLocalDpi xmlns:a14="http://schemas.microsoft.com/office/drawing/2010/main" val="0"/>
               </a:ext>
               <a:ext uri="{96DAC541-7B7A-43D3-8B79-37D633B846F1}">
-                <asvg:svgBlip xmlns:asvg="http://schemas.microsoft.com/office/drawing/2016/SVG/main" xmlns="" r:embed="rId4"/>
+                <asvg:svgBlip xmlns="" xmlns:asvg="http://schemas.microsoft.com/office/drawing/2016/SVG/main" r:embed="rId4"/>
               </a:ext>
             </a:extLst>
           </a:blip>
@@ -14092,7 +14092,7 @@
           <p:cNvPr id="56" name="Rectangle 55">
             <a:extLst>
               <a:ext uri="{FF2B5EF4-FFF2-40B4-BE49-F238E27FC236}">
-                <a16:creationId xmlns:a16="http://schemas.microsoft.com/office/drawing/2014/main" xmlns="" id="{AE9C9780-85AF-E516-E7D4-2A0D134D7275}"/>
+                <a16:creationId xmlns="" xmlns:a16="http://schemas.microsoft.com/office/drawing/2014/main" id="{AE9C9780-85AF-E516-E7D4-2A0D134D7275}"/>
               </a:ext>
             </a:extLst>
           </p:cNvPr>
@@ -14151,7 +14151,7 @@
           <p:cNvPr id="9" name="Rectangle 8">
             <a:extLst>
               <a:ext uri="{FF2B5EF4-FFF2-40B4-BE49-F238E27FC236}">
-                <a16:creationId xmlns:a16="http://schemas.microsoft.com/office/drawing/2014/main" xmlns="" id="{5DCE1FF0-D56E-16E9-00C2-302A4F6E9BD3}"/>
+                <a16:creationId xmlns="" xmlns:a16="http://schemas.microsoft.com/office/drawing/2014/main" id="{5DCE1FF0-D56E-16E9-00C2-302A4F6E9BD3}"/>
               </a:ext>
             </a:extLst>
           </p:cNvPr>
@@ -14208,7 +14208,7 @@
           <p:cNvPr id="7" name="Rectangle 6">
             <a:extLst>
               <a:ext uri="{FF2B5EF4-FFF2-40B4-BE49-F238E27FC236}">
-                <a16:creationId xmlns:a16="http://schemas.microsoft.com/office/drawing/2014/main" xmlns="" id="{2759BC7B-16F1-8A73-9048-82A600A2EFDD}"/>
+                <a16:creationId xmlns="" xmlns:a16="http://schemas.microsoft.com/office/drawing/2014/main" id="{2759BC7B-16F1-8A73-9048-82A600A2EFDD}"/>
               </a:ext>
             </a:extLst>
           </p:cNvPr>
@@ -14289,7 +14289,7 @@
           <p:cNvPr id="10" name="Graphic 9" descr="Confused person with solid fill">
             <a:extLst>
               <a:ext uri="{FF2B5EF4-FFF2-40B4-BE49-F238E27FC236}">
-                <a16:creationId xmlns:a16="http://schemas.microsoft.com/office/drawing/2014/main" xmlns="" id="{B3A43BE7-93AF-54B1-6843-4EBBA0122235}"/>
+                <a16:creationId xmlns="" xmlns:a16="http://schemas.microsoft.com/office/drawing/2014/main" id="{B3A43BE7-93AF-54B1-6843-4EBBA0122235}"/>
               </a:ext>
             </a:extLst>
           </p:cNvPr>
@@ -14305,7 +14305,7 @@
                 <a14:useLocalDpi xmlns:a14="http://schemas.microsoft.com/office/drawing/2010/main" val="0"/>
               </a:ext>
               <a:ext uri="{96DAC541-7B7A-43D3-8B79-37D633B846F1}">
-                <asvg:svgBlip xmlns:asvg="http://schemas.microsoft.com/office/drawing/2016/SVG/main" xmlns="" r:embed="rId4"/>
+                <asvg:svgBlip xmlns="" xmlns:asvg="http://schemas.microsoft.com/office/drawing/2016/SVG/main" r:embed="rId4"/>
               </a:ext>
             </a:extLst>
           </a:blip>
@@ -14315,7 +14315,7 @@
         </p:blipFill>
         <p:spPr>
           <a:xfrm>
-            <a:off x="2950962" y="1387208"/>
+            <a:off x="2967238" y="1323487"/>
             <a:ext cx="394924" cy="300084"/>
           </a:xfrm>
           <a:prstGeom prst="rect">
@@ -14328,7 +14328,7 @@
           <p:cNvPr id="13" name="Rectangle 12">
             <a:extLst>
               <a:ext uri="{FF2B5EF4-FFF2-40B4-BE49-F238E27FC236}">
-                <a16:creationId xmlns:a16="http://schemas.microsoft.com/office/drawing/2014/main" xmlns="" id="{144835DE-03F8-1848-D367-AA74C92AEEE7}"/>
+                <a16:creationId xmlns="" xmlns:a16="http://schemas.microsoft.com/office/drawing/2014/main" id="{144835DE-03F8-1848-D367-AA74C92AEEE7}"/>
               </a:ext>
             </a:extLst>
           </p:cNvPr>
@@ -14380,7 +14380,7 @@
           <p:cNvPr id="14" name="Rectangle 13">
             <a:extLst>
               <a:ext uri="{FF2B5EF4-FFF2-40B4-BE49-F238E27FC236}">
-                <a16:creationId xmlns:a16="http://schemas.microsoft.com/office/drawing/2014/main" xmlns="" id="{B31DA2D4-F08B-2DC6-697E-14DA02385DFC}"/>
+                <a16:creationId xmlns="" xmlns:a16="http://schemas.microsoft.com/office/drawing/2014/main" id="{B31DA2D4-F08B-2DC6-697E-14DA02385DFC}"/>
               </a:ext>
             </a:extLst>
           </p:cNvPr>
@@ -14437,7 +14437,7 @@
           <p:cNvPr id="22" name="Graphic 21" descr="Confused person with solid fill">
             <a:extLst>
               <a:ext uri="{FF2B5EF4-FFF2-40B4-BE49-F238E27FC236}">
-                <a16:creationId xmlns:a16="http://schemas.microsoft.com/office/drawing/2014/main" xmlns="" id="{6987DD40-8B3D-CDE3-41FB-F01FB673A90C}"/>
+                <a16:creationId xmlns="" xmlns:a16="http://schemas.microsoft.com/office/drawing/2014/main" id="{6987DD40-8B3D-CDE3-41FB-F01FB673A90C}"/>
               </a:ext>
             </a:extLst>
           </p:cNvPr>
@@ -14453,7 +14453,7 @@
                 <a14:useLocalDpi xmlns:a14="http://schemas.microsoft.com/office/drawing/2010/main" val="0"/>
               </a:ext>
               <a:ext uri="{96DAC541-7B7A-43D3-8B79-37D633B846F1}">
-                <asvg:svgBlip xmlns:asvg="http://schemas.microsoft.com/office/drawing/2016/SVG/main" xmlns="" r:embed="rId4"/>
+                <asvg:svgBlip xmlns="" xmlns:asvg="http://schemas.microsoft.com/office/drawing/2016/SVG/main" r:embed="rId4"/>
               </a:ext>
             </a:extLst>
           </a:blip>
@@ -14476,7 +14476,7 @@
           <p:cNvPr id="23" name="Rectangle 22">
             <a:extLst>
               <a:ext uri="{FF2B5EF4-FFF2-40B4-BE49-F238E27FC236}">
-                <a16:creationId xmlns:a16="http://schemas.microsoft.com/office/drawing/2014/main" xmlns="" id="{C6B738DB-7B71-0D6D-FE8F-9A3A41CE1442}"/>
+                <a16:creationId xmlns="" xmlns:a16="http://schemas.microsoft.com/office/drawing/2014/main" id="{C6B738DB-7B71-0D6D-FE8F-9A3A41CE1442}"/>
               </a:ext>
             </a:extLst>
           </p:cNvPr>
@@ -14533,7 +14533,7 @@
           <p:cNvPr id="26" name="Rectangle 25">
             <a:extLst>
               <a:ext uri="{FF2B5EF4-FFF2-40B4-BE49-F238E27FC236}">
-                <a16:creationId xmlns:a16="http://schemas.microsoft.com/office/drawing/2014/main" xmlns="" id="{0C5D2674-357B-44CE-CAB4-0E5CAD851E19}"/>
+                <a16:creationId xmlns="" xmlns:a16="http://schemas.microsoft.com/office/drawing/2014/main" id="{0C5D2674-357B-44CE-CAB4-0E5CAD851E19}"/>
               </a:ext>
             </a:extLst>
           </p:cNvPr>
@@ -14614,7 +14614,7 @@
           <p:cNvPr id="29" name="Rectangle 28">
             <a:extLst>
               <a:ext uri="{FF2B5EF4-FFF2-40B4-BE49-F238E27FC236}">
-                <a16:creationId xmlns:a16="http://schemas.microsoft.com/office/drawing/2014/main" xmlns="" id="{BB2843AF-5D6F-F7BA-20F5-07887C23B89E}"/>
+                <a16:creationId xmlns="" xmlns:a16="http://schemas.microsoft.com/office/drawing/2014/main" id="{BB2843AF-5D6F-F7BA-20F5-07887C23B89E}"/>
               </a:ext>
             </a:extLst>
           </p:cNvPr>
@@ -14666,7 +14666,7 @@
           <p:cNvPr id="34" name="Graphic 33" descr="Confused person with solid fill">
             <a:extLst>
               <a:ext uri="{FF2B5EF4-FFF2-40B4-BE49-F238E27FC236}">
-                <a16:creationId xmlns:a16="http://schemas.microsoft.com/office/drawing/2014/main" xmlns="" id="{A4E897BD-A0EB-42E2-292E-75221986DC4A}"/>
+                <a16:creationId xmlns="" xmlns:a16="http://schemas.microsoft.com/office/drawing/2014/main" id="{A4E897BD-A0EB-42E2-292E-75221986DC4A}"/>
               </a:ext>
             </a:extLst>
           </p:cNvPr>
@@ -14682,7 +14682,7 @@
                 <a14:useLocalDpi xmlns:a14="http://schemas.microsoft.com/office/drawing/2010/main" val="0"/>
               </a:ext>
               <a:ext uri="{96DAC541-7B7A-43D3-8B79-37D633B846F1}">
-                <asvg:svgBlip xmlns:asvg="http://schemas.microsoft.com/office/drawing/2016/SVG/main" xmlns="" r:embed="rId4"/>
+                <asvg:svgBlip xmlns="" xmlns:asvg="http://schemas.microsoft.com/office/drawing/2016/SVG/main" r:embed="rId4"/>
               </a:ext>
             </a:extLst>
           </a:blip>
@@ -14705,7 +14705,7 @@
           <p:cNvPr id="37" name="Graphic 36" descr="Confused person with solid fill">
             <a:extLst>
               <a:ext uri="{FF2B5EF4-FFF2-40B4-BE49-F238E27FC236}">
-                <a16:creationId xmlns:a16="http://schemas.microsoft.com/office/drawing/2014/main" xmlns="" id="{33F41D27-9225-9068-D29A-47A759251ECB}"/>
+                <a16:creationId xmlns="" xmlns:a16="http://schemas.microsoft.com/office/drawing/2014/main" id="{33F41D27-9225-9068-D29A-47A759251ECB}"/>
               </a:ext>
             </a:extLst>
           </p:cNvPr>
@@ -14721,7 +14721,7 @@
                 <a14:useLocalDpi xmlns:a14="http://schemas.microsoft.com/office/drawing/2010/main" val="0"/>
               </a:ext>
               <a:ext uri="{96DAC541-7B7A-43D3-8B79-37D633B846F1}">
-                <asvg:svgBlip xmlns:asvg="http://schemas.microsoft.com/office/drawing/2016/SVG/main" xmlns="" r:embed="rId4"/>
+                <asvg:svgBlip xmlns="" xmlns:asvg="http://schemas.microsoft.com/office/drawing/2016/SVG/main" r:embed="rId4"/>
               </a:ext>
             </a:extLst>
           </a:blip>
@@ -14731,7 +14731,7 @@
         </p:blipFill>
         <p:spPr>
           <a:xfrm>
-            <a:off x="2952442" y="4717814"/>
+            <a:off x="2967238" y="4626583"/>
             <a:ext cx="394924" cy="300084"/>
           </a:xfrm>
           <a:prstGeom prst="rect">
@@ -14744,7 +14744,7 @@
           <p:cNvPr id="38" name="Rectangle 37">
             <a:extLst>
               <a:ext uri="{FF2B5EF4-FFF2-40B4-BE49-F238E27FC236}">
-                <a16:creationId xmlns:a16="http://schemas.microsoft.com/office/drawing/2014/main" xmlns="" id="{13122890-365B-7B9A-5910-17E04A571B25}"/>
+                <a16:creationId xmlns="" xmlns:a16="http://schemas.microsoft.com/office/drawing/2014/main" id="{13122890-365B-7B9A-5910-17E04A571B25}"/>
               </a:ext>
             </a:extLst>
           </p:cNvPr>
@@ -14825,7 +14825,7 @@
           <p:cNvPr id="45" name="Rectangle 44">
             <a:extLst>
               <a:ext uri="{FF2B5EF4-FFF2-40B4-BE49-F238E27FC236}">
-                <a16:creationId xmlns:a16="http://schemas.microsoft.com/office/drawing/2014/main" xmlns="" id="{39E10DBB-3892-3C2A-B0CC-FE5A3B750EEE}"/>
+                <a16:creationId xmlns="" xmlns:a16="http://schemas.microsoft.com/office/drawing/2014/main" id="{39E10DBB-3892-3C2A-B0CC-FE5A3B750EEE}"/>
               </a:ext>
             </a:extLst>
           </p:cNvPr>
@@ -14877,7 +14877,7 @@
           <p:cNvPr id="46" name="Rectangle 45">
             <a:extLst>
               <a:ext uri="{FF2B5EF4-FFF2-40B4-BE49-F238E27FC236}">
-                <a16:creationId xmlns:a16="http://schemas.microsoft.com/office/drawing/2014/main" xmlns="" id="{8A755562-1118-70B0-928D-BA3BE95BDBD7}"/>
+                <a16:creationId xmlns="" xmlns:a16="http://schemas.microsoft.com/office/drawing/2014/main" id="{8A755562-1118-70B0-928D-BA3BE95BDBD7}"/>
               </a:ext>
             </a:extLst>
           </p:cNvPr>
@@ -14934,7 +14934,7 @@
           <p:cNvPr id="47" name="Rectangle 46">
             <a:extLst>
               <a:ext uri="{FF2B5EF4-FFF2-40B4-BE49-F238E27FC236}">
-                <a16:creationId xmlns:a16="http://schemas.microsoft.com/office/drawing/2014/main" xmlns="" id="{375B6927-E336-09AC-02DA-0650B2220884}"/>
+                <a16:creationId xmlns="" xmlns:a16="http://schemas.microsoft.com/office/drawing/2014/main" id="{375B6927-E336-09AC-02DA-0650B2220884}"/>
               </a:ext>
             </a:extLst>
           </p:cNvPr>
@@ -14991,7 +14991,7 @@
           <p:cNvPr id="48" name="Rectangle 47">
             <a:extLst>
               <a:ext uri="{FF2B5EF4-FFF2-40B4-BE49-F238E27FC236}">
-                <a16:creationId xmlns:a16="http://schemas.microsoft.com/office/drawing/2014/main" xmlns="" id="{152495B1-5627-5B7B-932D-DDD1B70293A9}"/>
+                <a16:creationId xmlns="" xmlns:a16="http://schemas.microsoft.com/office/drawing/2014/main" id="{152495B1-5627-5B7B-932D-DDD1B70293A9}"/>
               </a:ext>
             </a:extLst>
           </p:cNvPr>
@@ -15050,7 +15050,7 @@
           <p:cNvPr id="49" name="Rectangle 48">
             <a:extLst>
               <a:ext uri="{FF2B5EF4-FFF2-40B4-BE49-F238E27FC236}">
-                <a16:creationId xmlns:a16="http://schemas.microsoft.com/office/drawing/2014/main" xmlns="" id="{C280DF30-2E3B-AD3C-B86A-CA437AFF65DC}"/>
+                <a16:creationId xmlns="" xmlns:a16="http://schemas.microsoft.com/office/drawing/2014/main" id="{C280DF30-2E3B-AD3C-B86A-CA437AFF65DC}"/>
               </a:ext>
             </a:extLst>
           </p:cNvPr>
@@ -15110,7 +15110,7 @@
           <p:cNvPr id="50" name="Rectangle 49">
             <a:extLst>
               <a:ext uri="{FF2B5EF4-FFF2-40B4-BE49-F238E27FC236}">
-                <a16:creationId xmlns:a16="http://schemas.microsoft.com/office/drawing/2014/main" xmlns="" id="{292AC176-71D3-B95B-A466-30F4EDD26B80}"/>
+                <a16:creationId xmlns="" xmlns:a16="http://schemas.microsoft.com/office/drawing/2014/main" id="{292AC176-71D3-B95B-A466-30F4EDD26B80}"/>
               </a:ext>
             </a:extLst>
           </p:cNvPr>
@@ -15169,7 +15169,7 @@
           <p:cNvPr id="51" name="Rectangle 50">
             <a:extLst>
               <a:ext uri="{FF2B5EF4-FFF2-40B4-BE49-F238E27FC236}">
-                <a16:creationId xmlns:a16="http://schemas.microsoft.com/office/drawing/2014/main" xmlns="" id="{9039B12E-B3F8-ECDD-9F0A-E6692B8750EE}"/>
+                <a16:creationId xmlns="" xmlns:a16="http://schemas.microsoft.com/office/drawing/2014/main" id="{9039B12E-B3F8-ECDD-9F0A-E6692B8750EE}"/>
               </a:ext>
             </a:extLst>
           </p:cNvPr>
@@ -15228,7 +15228,7 @@
           <p:cNvPr id="52" name="Graphic 51" descr="Confused person with solid fill">
             <a:extLst>
               <a:ext uri="{FF2B5EF4-FFF2-40B4-BE49-F238E27FC236}">
-                <a16:creationId xmlns:a16="http://schemas.microsoft.com/office/drawing/2014/main" xmlns="" id="{7115EB41-9186-EC7D-8F33-F59373CDB433}"/>
+                <a16:creationId xmlns="" xmlns:a16="http://schemas.microsoft.com/office/drawing/2014/main" id="{7115EB41-9186-EC7D-8F33-F59373CDB433}"/>
               </a:ext>
             </a:extLst>
           </p:cNvPr>
@@ -15244,7 +15244,7 @@
                 <a14:useLocalDpi xmlns:a14="http://schemas.microsoft.com/office/drawing/2010/main" val="0"/>
               </a:ext>
               <a:ext uri="{96DAC541-7B7A-43D3-8B79-37D633B846F1}">
-                <asvg:svgBlip xmlns:asvg="http://schemas.microsoft.com/office/drawing/2016/SVG/main" xmlns="" r:embed="rId4"/>
+                <asvg:svgBlip xmlns="" xmlns:asvg="http://schemas.microsoft.com/office/drawing/2016/SVG/main" r:embed="rId4"/>
               </a:ext>
             </a:extLst>
           </a:blip>
@@ -15254,7 +15254,7 @@
         </p:blipFill>
         <p:spPr>
           <a:xfrm>
-            <a:off x="11139133" y="5349606"/>
+            <a:off x="10990809" y="5376693"/>
             <a:ext cx="394924" cy="300084"/>
           </a:xfrm>
           <a:prstGeom prst="rect">
@@ -15267,7 +15267,7 @@
           <p:cNvPr id="53" name="Graphic 52" descr="Confused person with solid fill">
             <a:extLst>
               <a:ext uri="{FF2B5EF4-FFF2-40B4-BE49-F238E27FC236}">
-                <a16:creationId xmlns:a16="http://schemas.microsoft.com/office/drawing/2014/main" xmlns="" id="{17D39A51-2306-0F1D-97F6-0D1E8199BB95}"/>
+                <a16:creationId xmlns="" xmlns:a16="http://schemas.microsoft.com/office/drawing/2014/main" id="{17D39A51-2306-0F1D-97F6-0D1E8199BB95}"/>
               </a:ext>
             </a:extLst>
           </p:cNvPr>
@@ -15283,7 +15283,7 @@
                 <a14:useLocalDpi xmlns:a14="http://schemas.microsoft.com/office/drawing/2010/main" val="0"/>
               </a:ext>
               <a:ext uri="{96DAC541-7B7A-43D3-8B79-37D633B846F1}">
-                <asvg:svgBlip xmlns:asvg="http://schemas.microsoft.com/office/drawing/2016/SVG/main" xmlns="" r:embed="rId4"/>
+                <asvg:svgBlip xmlns="" xmlns:asvg="http://schemas.microsoft.com/office/drawing/2016/SVG/main" r:embed="rId4"/>
               </a:ext>
             </a:extLst>
           </a:blip>
@@ -15306,7 +15306,7 @@
           <p:cNvPr id="54" name="Graphic 53" descr="Confused person with solid fill">
             <a:extLst>
               <a:ext uri="{FF2B5EF4-FFF2-40B4-BE49-F238E27FC236}">
-                <a16:creationId xmlns:a16="http://schemas.microsoft.com/office/drawing/2014/main" xmlns="" id="{603A6831-8643-1CEC-DFB7-FE11E2614640}"/>
+                <a16:creationId xmlns="" xmlns:a16="http://schemas.microsoft.com/office/drawing/2014/main" id="{603A6831-8643-1CEC-DFB7-FE11E2614640}"/>
               </a:ext>
             </a:extLst>
           </p:cNvPr>
@@ -15322,7 +15322,7 @@
                 <a14:useLocalDpi xmlns:a14="http://schemas.microsoft.com/office/drawing/2010/main" val="0"/>
               </a:ext>
               <a:ext uri="{96DAC541-7B7A-43D3-8B79-37D633B846F1}">
-                <asvg:svgBlip xmlns:asvg="http://schemas.microsoft.com/office/drawing/2016/SVG/main" xmlns="" r:embed="rId4"/>
+                <asvg:svgBlip xmlns="" xmlns:asvg="http://schemas.microsoft.com/office/drawing/2016/SVG/main" r:embed="rId4"/>
               </a:ext>
             </a:extLst>
           </a:blip>
@@ -15332,7 +15332,7 @@
         </p:blipFill>
         <p:spPr>
           <a:xfrm>
-            <a:off x="8274605" y="5849714"/>
+            <a:off x="7922701" y="5717535"/>
             <a:ext cx="394924" cy="300084"/>
           </a:xfrm>
           <a:prstGeom prst="rect">
@@ -15345,7 +15345,7 @@
           <p:cNvPr id="55" name="Graphic 54" descr="Confused person with solid fill">
             <a:extLst>
               <a:ext uri="{FF2B5EF4-FFF2-40B4-BE49-F238E27FC236}">
-                <a16:creationId xmlns:a16="http://schemas.microsoft.com/office/drawing/2014/main" xmlns="" id="{D9411112-E564-2615-4665-17FEDE82578E}"/>
+                <a16:creationId xmlns="" xmlns:a16="http://schemas.microsoft.com/office/drawing/2014/main" id="{D9411112-E564-2615-4665-17FEDE82578E}"/>
               </a:ext>
             </a:extLst>
           </p:cNvPr>
@@ -15361,7 +15361,7 @@
                 <a14:useLocalDpi xmlns:a14="http://schemas.microsoft.com/office/drawing/2010/main" val="0"/>
               </a:ext>
               <a:ext uri="{96DAC541-7B7A-43D3-8B79-37D633B846F1}">
-                <asvg:svgBlip xmlns:asvg="http://schemas.microsoft.com/office/drawing/2016/SVG/main" xmlns="" r:embed="rId4"/>
+                <asvg:svgBlip xmlns="" xmlns:asvg="http://schemas.microsoft.com/office/drawing/2016/SVG/main" r:embed="rId4"/>
               </a:ext>
             </a:extLst>
           </a:blip>
@@ -15384,7 +15384,7 @@
           <p:cNvPr id="58" name="Graphic 57" descr="Confused person with solid fill">
             <a:extLst>
               <a:ext uri="{FF2B5EF4-FFF2-40B4-BE49-F238E27FC236}">
-                <a16:creationId xmlns:a16="http://schemas.microsoft.com/office/drawing/2014/main" xmlns="" id="{E4808D8A-1974-666D-C69A-F6EDA400496D}"/>
+                <a16:creationId xmlns="" xmlns:a16="http://schemas.microsoft.com/office/drawing/2014/main" id="{E4808D8A-1974-666D-C69A-F6EDA400496D}"/>
               </a:ext>
             </a:extLst>
           </p:cNvPr>
@@ -15400,7 +15400,7 @@
                 <a14:useLocalDpi xmlns:a14="http://schemas.microsoft.com/office/drawing/2010/main" val="0"/>
               </a:ext>
               <a:ext uri="{96DAC541-7B7A-43D3-8B79-37D633B846F1}">
-                <asvg:svgBlip xmlns:asvg="http://schemas.microsoft.com/office/drawing/2016/SVG/main" xmlns="" r:embed="rId4"/>
+                <asvg:svgBlip xmlns="" xmlns:asvg="http://schemas.microsoft.com/office/drawing/2016/SVG/main" r:embed="rId4"/>
               </a:ext>
             </a:extLst>
           </a:blip>
@@ -15410,7 +15410,7 @@
         </p:blipFill>
         <p:spPr>
           <a:xfrm>
-            <a:off x="6802392" y="5371799"/>
+            <a:off x="6923910" y="5371868"/>
             <a:ext cx="394924" cy="300084"/>
           </a:xfrm>
           <a:prstGeom prst="rect">
@@ -15423,7 +15423,7 @@
           <p:cNvPr id="59" name="Rectangle 58">
             <a:extLst>
               <a:ext uri="{FF2B5EF4-FFF2-40B4-BE49-F238E27FC236}">
-                <a16:creationId xmlns:a16="http://schemas.microsoft.com/office/drawing/2014/main" xmlns="" id="{B3BF1A33-168B-9F36-6066-52A22B9FAF09}"/>
+                <a16:creationId xmlns="" xmlns:a16="http://schemas.microsoft.com/office/drawing/2014/main" id="{B3BF1A33-168B-9F36-6066-52A22B9FAF09}"/>
               </a:ext>
             </a:extLst>
           </p:cNvPr>
@@ -15480,7 +15480,7 @@
           <p:cNvPr id="61" name="Rectangle 60">
             <a:extLst>
               <a:ext uri="{FF2B5EF4-FFF2-40B4-BE49-F238E27FC236}">
-                <a16:creationId xmlns:a16="http://schemas.microsoft.com/office/drawing/2014/main" xmlns="" id="{51AEB0B4-04D2-E308-9934-3B9D7FE74E1F}"/>
+                <a16:creationId xmlns="" xmlns:a16="http://schemas.microsoft.com/office/drawing/2014/main" id="{51AEB0B4-04D2-E308-9934-3B9D7FE74E1F}"/>
               </a:ext>
             </a:extLst>
           </p:cNvPr>
@@ -15539,7 +15539,7 @@
           <p:cNvPr id="62" name="Rectangle 61">
             <a:extLst>
               <a:ext uri="{FF2B5EF4-FFF2-40B4-BE49-F238E27FC236}">
-                <a16:creationId xmlns:a16="http://schemas.microsoft.com/office/drawing/2014/main" xmlns="" id="{7F709AE9-E6BA-9272-0560-BB11338B4448}"/>
+                <a16:creationId xmlns="" xmlns:a16="http://schemas.microsoft.com/office/drawing/2014/main" id="{7F709AE9-E6BA-9272-0560-BB11338B4448}"/>
               </a:ext>
             </a:extLst>
           </p:cNvPr>
@@ -15598,7 +15598,7 @@
           <p:cNvPr id="63" name="Rectangle 62">
             <a:extLst>
               <a:ext uri="{FF2B5EF4-FFF2-40B4-BE49-F238E27FC236}">
-                <a16:creationId xmlns:a16="http://schemas.microsoft.com/office/drawing/2014/main" xmlns="" id="{B2FF9403-ED50-51FD-F654-4DCC168FA120}"/>
+                <a16:creationId xmlns="" xmlns:a16="http://schemas.microsoft.com/office/drawing/2014/main" id="{B2FF9403-ED50-51FD-F654-4DCC168FA120}"/>
               </a:ext>
             </a:extLst>
           </p:cNvPr>
@@ -15697,7 +15697,7 @@
           <p:cNvPr id="114" name="Rectangle 113">
             <a:extLst>
               <a:ext uri="{FF2B5EF4-FFF2-40B4-BE49-F238E27FC236}">
-                <a16:creationId xmlns:a16="http://schemas.microsoft.com/office/drawing/2014/main" xmlns="" id="{DFC55532-8760-2AC3-D8F5-B063786020DC}"/>
+                <a16:creationId xmlns="" xmlns:a16="http://schemas.microsoft.com/office/drawing/2014/main" id="{DFC55532-8760-2AC3-D8F5-B063786020DC}"/>
               </a:ext>
             </a:extLst>
           </p:cNvPr>
@@ -15749,7 +15749,7 @@
           <p:cNvPr id="2" name="Rectangle 1">
             <a:extLst>
               <a:ext uri="{FF2B5EF4-FFF2-40B4-BE49-F238E27FC236}">
-                <a16:creationId xmlns:a16="http://schemas.microsoft.com/office/drawing/2014/main" xmlns="" id="{42FC97F3-947E-851A-1952-C07B7CD27391}"/>
+                <a16:creationId xmlns="" xmlns:a16="http://schemas.microsoft.com/office/drawing/2014/main" id="{42FC97F3-947E-851A-1952-C07B7CD27391}"/>
               </a:ext>
             </a:extLst>
           </p:cNvPr>
@@ -15814,7 +15814,7 @@
           <p:cNvPr id="3" name="Rectangle 2">
             <a:extLst>
               <a:ext uri="{FF2B5EF4-FFF2-40B4-BE49-F238E27FC236}">
-                <a16:creationId xmlns:a16="http://schemas.microsoft.com/office/drawing/2014/main" xmlns="" id="{420F35A9-7A72-29CE-1453-439527D3BD50}"/>
+                <a16:creationId xmlns="" xmlns:a16="http://schemas.microsoft.com/office/drawing/2014/main" id="{420F35A9-7A72-29CE-1453-439527D3BD50}"/>
               </a:ext>
             </a:extLst>
           </p:cNvPr>
@@ -15866,7 +15866,7 @@
           <p:cNvPr id="31" name="Rectangle 30">
             <a:extLst>
               <a:ext uri="{FF2B5EF4-FFF2-40B4-BE49-F238E27FC236}">
-                <a16:creationId xmlns:a16="http://schemas.microsoft.com/office/drawing/2014/main" xmlns="" id="{293CD6A3-4BD5-A32B-602A-D927827D8180}"/>
+                <a16:creationId xmlns="" xmlns:a16="http://schemas.microsoft.com/office/drawing/2014/main" id="{293CD6A3-4BD5-A32B-602A-D927827D8180}"/>
               </a:ext>
             </a:extLst>
           </p:cNvPr>
@@ -15946,7 +15946,7 @@
           <p:cNvPr id="39" name="Graphic 38" descr="Confused person with solid fill">
             <a:extLst>
               <a:ext uri="{FF2B5EF4-FFF2-40B4-BE49-F238E27FC236}">
-                <a16:creationId xmlns:a16="http://schemas.microsoft.com/office/drawing/2014/main" xmlns="" id="{D2DFF00F-4154-AD81-A459-CF5F1D1A5719}"/>
+                <a16:creationId xmlns="" xmlns:a16="http://schemas.microsoft.com/office/drawing/2014/main" id="{D2DFF00F-4154-AD81-A459-CF5F1D1A5719}"/>
               </a:ext>
             </a:extLst>
           </p:cNvPr>
@@ -15962,7 +15962,7 @@
                 <a14:useLocalDpi xmlns:a14="http://schemas.microsoft.com/office/drawing/2010/main" val="0"/>
               </a:ext>
               <a:ext uri="{96DAC541-7B7A-43D3-8B79-37D633B846F1}">
-                <asvg:svgBlip xmlns:asvg="http://schemas.microsoft.com/office/drawing/2016/SVG/main" xmlns="" r:embed="rId4"/>
+                <asvg:svgBlip xmlns="" xmlns:asvg="http://schemas.microsoft.com/office/drawing/2016/SVG/main" r:embed="rId4"/>
               </a:ext>
             </a:extLst>
           </a:blip>
@@ -15985,7 +15985,7 @@
           <p:cNvPr id="10" name="Graphic 9" descr="Confused person with solid fill">
             <a:extLst>
               <a:ext uri="{FF2B5EF4-FFF2-40B4-BE49-F238E27FC236}">
-                <a16:creationId xmlns:a16="http://schemas.microsoft.com/office/drawing/2014/main" xmlns="" id="{B3A43BE7-93AF-54B1-6843-4EBBA0122235}"/>
+                <a16:creationId xmlns="" xmlns:a16="http://schemas.microsoft.com/office/drawing/2014/main" id="{B3A43BE7-93AF-54B1-6843-4EBBA0122235}"/>
               </a:ext>
             </a:extLst>
           </p:cNvPr>
@@ -16001,7 +16001,7 @@
                 <a14:useLocalDpi xmlns:a14="http://schemas.microsoft.com/office/drawing/2010/main" val="0"/>
               </a:ext>
               <a:ext uri="{96DAC541-7B7A-43D3-8B79-37D633B846F1}">
-                <asvg:svgBlip xmlns:asvg="http://schemas.microsoft.com/office/drawing/2016/SVG/main" xmlns="" r:embed="rId4"/>
+                <asvg:svgBlip xmlns="" xmlns:asvg="http://schemas.microsoft.com/office/drawing/2016/SVG/main" r:embed="rId4"/>
               </a:ext>
             </a:extLst>
           </a:blip>
@@ -16024,7 +16024,7 @@
           <p:cNvPr id="87" name="Rectangle 86">
             <a:extLst>
               <a:ext uri="{FF2B5EF4-FFF2-40B4-BE49-F238E27FC236}">
-                <a16:creationId xmlns:a16="http://schemas.microsoft.com/office/drawing/2014/main" xmlns="" id="{77338CDA-86F1-E7FA-F418-43BCFF266837}"/>
+                <a16:creationId xmlns="" xmlns:a16="http://schemas.microsoft.com/office/drawing/2014/main" id="{77338CDA-86F1-E7FA-F418-43BCFF266837}"/>
               </a:ext>
             </a:extLst>
           </p:cNvPr>
@@ -16083,7 +16083,7 @@
           <p:cNvPr id="88" name="Rectangle 87">
             <a:extLst>
               <a:ext uri="{FF2B5EF4-FFF2-40B4-BE49-F238E27FC236}">
-                <a16:creationId xmlns:a16="http://schemas.microsoft.com/office/drawing/2014/main" xmlns="" id="{4363FC60-C703-5F73-6B7F-8F36F344818A}"/>
+                <a16:creationId xmlns="" xmlns:a16="http://schemas.microsoft.com/office/drawing/2014/main" id="{4363FC60-C703-5F73-6B7F-8F36F344818A}"/>
               </a:ext>
             </a:extLst>
           </p:cNvPr>
@@ -16140,7 +16140,7 @@
           <p:cNvPr id="89" name="Rectangle 88">
             <a:extLst>
               <a:ext uri="{FF2B5EF4-FFF2-40B4-BE49-F238E27FC236}">
-                <a16:creationId xmlns:a16="http://schemas.microsoft.com/office/drawing/2014/main" xmlns="" id="{2C27853F-B4EA-8C34-B493-11B08D17C35C}"/>
+                <a16:creationId xmlns="" xmlns:a16="http://schemas.microsoft.com/office/drawing/2014/main" id="{2C27853F-B4EA-8C34-B493-11B08D17C35C}"/>
               </a:ext>
             </a:extLst>
           </p:cNvPr>
@@ -16220,7 +16220,7 @@
           <p:cNvPr id="91" name="Rectangle 90">
             <a:extLst>
               <a:ext uri="{FF2B5EF4-FFF2-40B4-BE49-F238E27FC236}">
-                <a16:creationId xmlns:a16="http://schemas.microsoft.com/office/drawing/2014/main" xmlns="" id="{961AF58E-C9E6-E20B-AF89-EC27EA370B79}"/>
+                <a16:creationId xmlns="" xmlns:a16="http://schemas.microsoft.com/office/drawing/2014/main" id="{961AF58E-C9E6-E20B-AF89-EC27EA370B79}"/>
               </a:ext>
             </a:extLst>
           </p:cNvPr>
@@ -16277,7 +16277,7 @@
           <p:cNvPr id="92" name="Rectangle 91">
             <a:extLst>
               <a:ext uri="{FF2B5EF4-FFF2-40B4-BE49-F238E27FC236}">
-                <a16:creationId xmlns:a16="http://schemas.microsoft.com/office/drawing/2014/main" xmlns="" id="{833A7699-6A1C-DF5B-C1BA-02A234386031}"/>
+                <a16:creationId xmlns="" xmlns:a16="http://schemas.microsoft.com/office/drawing/2014/main" id="{833A7699-6A1C-DF5B-C1BA-02A234386031}"/>
               </a:ext>
             </a:extLst>
           </p:cNvPr>
@@ -16336,7 +16336,7 @@
           <p:cNvPr id="94" name="Rectangle 93">
             <a:extLst>
               <a:ext uri="{FF2B5EF4-FFF2-40B4-BE49-F238E27FC236}">
-                <a16:creationId xmlns:a16="http://schemas.microsoft.com/office/drawing/2014/main" xmlns="" id="{F1B7ACBB-CCFD-824C-3E47-4F0AE7265BE8}"/>
+                <a16:creationId xmlns="" xmlns:a16="http://schemas.microsoft.com/office/drawing/2014/main" id="{F1B7ACBB-CCFD-824C-3E47-4F0AE7265BE8}"/>
               </a:ext>
             </a:extLst>
           </p:cNvPr>
@@ -16393,7 +16393,7 @@
           <p:cNvPr id="95" name="Rectangle 94">
             <a:extLst>
               <a:ext uri="{FF2B5EF4-FFF2-40B4-BE49-F238E27FC236}">
-                <a16:creationId xmlns:a16="http://schemas.microsoft.com/office/drawing/2014/main" xmlns="" id="{5E5F42F2-4525-7BCF-45C5-FD25464C036A}"/>
+                <a16:creationId xmlns="" xmlns:a16="http://schemas.microsoft.com/office/drawing/2014/main" id="{5E5F42F2-4525-7BCF-45C5-FD25464C036A}"/>
               </a:ext>
             </a:extLst>
           </p:cNvPr>
@@ -16450,7 +16450,7 @@
           <p:cNvPr id="96" name="Rectangle 95">
             <a:extLst>
               <a:ext uri="{FF2B5EF4-FFF2-40B4-BE49-F238E27FC236}">
-                <a16:creationId xmlns:a16="http://schemas.microsoft.com/office/drawing/2014/main" xmlns="" id="{9B375BE0-EEFF-2E76-FEED-BCA49342B7C3}"/>
+                <a16:creationId xmlns="" xmlns:a16="http://schemas.microsoft.com/office/drawing/2014/main" id="{9B375BE0-EEFF-2E76-FEED-BCA49342B7C3}"/>
               </a:ext>
             </a:extLst>
           </p:cNvPr>
@@ -16507,7 +16507,7 @@
           <p:cNvPr id="97" name="Rectangle 96">
             <a:extLst>
               <a:ext uri="{FF2B5EF4-FFF2-40B4-BE49-F238E27FC236}">
-                <a16:creationId xmlns:a16="http://schemas.microsoft.com/office/drawing/2014/main" xmlns="" id="{3FB36FDD-E9F5-7A7F-77B5-D6E796BE8FB7}"/>
+                <a16:creationId xmlns="" xmlns:a16="http://schemas.microsoft.com/office/drawing/2014/main" id="{3FB36FDD-E9F5-7A7F-77B5-D6E796BE8FB7}"/>
               </a:ext>
             </a:extLst>
           </p:cNvPr>
@@ -16564,7 +16564,7 @@
           <p:cNvPr id="98" name="Rectangle 97">
             <a:extLst>
               <a:ext uri="{FF2B5EF4-FFF2-40B4-BE49-F238E27FC236}">
-                <a16:creationId xmlns:a16="http://schemas.microsoft.com/office/drawing/2014/main" xmlns="" id="{0B58A424-668A-775E-FE05-14CD5BB34A41}"/>
+                <a16:creationId xmlns="" xmlns:a16="http://schemas.microsoft.com/office/drawing/2014/main" id="{0B58A424-668A-775E-FE05-14CD5BB34A41}"/>
               </a:ext>
             </a:extLst>
           </p:cNvPr>
@@ -16621,7 +16621,7 @@
           <p:cNvPr id="100" name="Rectangle 99">
             <a:extLst>
               <a:ext uri="{FF2B5EF4-FFF2-40B4-BE49-F238E27FC236}">
-                <a16:creationId xmlns:a16="http://schemas.microsoft.com/office/drawing/2014/main" xmlns="" id="{AB7767E7-0D78-3F87-BB3D-A3C2E650D2F2}"/>
+                <a16:creationId xmlns="" xmlns:a16="http://schemas.microsoft.com/office/drawing/2014/main" id="{AB7767E7-0D78-3F87-BB3D-A3C2E650D2F2}"/>
               </a:ext>
             </a:extLst>
           </p:cNvPr>
@@ -16680,7 +16680,7 @@
           <p:cNvPr id="101" name="Rectangle 100">
             <a:extLst>
               <a:ext uri="{FF2B5EF4-FFF2-40B4-BE49-F238E27FC236}">
-                <a16:creationId xmlns:a16="http://schemas.microsoft.com/office/drawing/2014/main" xmlns="" id="{E5D62D1F-58F0-8907-4F4A-F59F92D38E3F}"/>
+                <a16:creationId xmlns="" xmlns:a16="http://schemas.microsoft.com/office/drawing/2014/main" id="{E5D62D1F-58F0-8907-4F4A-F59F92D38E3F}"/>
               </a:ext>
             </a:extLst>
           </p:cNvPr>
@@ -16744,7 +16744,7 @@
           <p:cNvPr id="103" name="Graphic 102" descr="Confused person with solid fill">
             <a:extLst>
               <a:ext uri="{FF2B5EF4-FFF2-40B4-BE49-F238E27FC236}">
-                <a16:creationId xmlns:a16="http://schemas.microsoft.com/office/drawing/2014/main" xmlns="" id="{C81FFC2E-17DC-A605-E306-D0E3B55CC08F}"/>
+                <a16:creationId xmlns="" xmlns:a16="http://schemas.microsoft.com/office/drawing/2014/main" id="{C81FFC2E-17DC-A605-E306-D0E3B55CC08F}"/>
               </a:ext>
             </a:extLst>
           </p:cNvPr>
@@ -16760,7 +16760,7 @@
                 <a14:useLocalDpi xmlns:a14="http://schemas.microsoft.com/office/drawing/2010/main" val="0"/>
               </a:ext>
               <a:ext uri="{96DAC541-7B7A-43D3-8B79-37D633B846F1}">
-                <asvg:svgBlip xmlns:asvg="http://schemas.microsoft.com/office/drawing/2016/SVG/main" xmlns="" r:embed="rId4"/>
+                <asvg:svgBlip xmlns="" xmlns:asvg="http://schemas.microsoft.com/office/drawing/2016/SVG/main" r:embed="rId4"/>
               </a:ext>
             </a:extLst>
           </a:blip>
@@ -16783,7 +16783,7 @@
           <p:cNvPr id="104" name="Rectangle 103">
             <a:extLst>
               <a:ext uri="{FF2B5EF4-FFF2-40B4-BE49-F238E27FC236}">
-                <a16:creationId xmlns:a16="http://schemas.microsoft.com/office/drawing/2014/main" xmlns="" id="{1DF83530-5760-B4EA-ADF3-94A5A6BD48E6}"/>
+                <a16:creationId xmlns="" xmlns:a16="http://schemas.microsoft.com/office/drawing/2014/main" id="{1DF83530-5760-B4EA-ADF3-94A5A6BD48E6}"/>
               </a:ext>
             </a:extLst>
           </p:cNvPr>
@@ -16872,7 +16872,7 @@
           <p:cNvPr id="105" name="Rectangle 104">
             <a:extLst>
               <a:ext uri="{FF2B5EF4-FFF2-40B4-BE49-F238E27FC236}">
-                <a16:creationId xmlns:a16="http://schemas.microsoft.com/office/drawing/2014/main" xmlns="" id="{42895D1F-91CA-6F19-AE74-5C3166109D12}"/>
+                <a16:creationId xmlns="" xmlns:a16="http://schemas.microsoft.com/office/drawing/2014/main" id="{42895D1F-91CA-6F19-AE74-5C3166109D12}"/>
               </a:ext>
             </a:extLst>
           </p:cNvPr>
@@ -16924,7 +16924,7 @@
           <p:cNvPr id="106" name="Rectangle 105">
             <a:extLst>
               <a:ext uri="{FF2B5EF4-FFF2-40B4-BE49-F238E27FC236}">
-                <a16:creationId xmlns:a16="http://schemas.microsoft.com/office/drawing/2014/main" xmlns="" id="{EF3253D5-5270-11B8-2174-2C5BDD4BB9B2}"/>
+                <a16:creationId xmlns="" xmlns:a16="http://schemas.microsoft.com/office/drawing/2014/main" id="{EF3253D5-5270-11B8-2174-2C5BDD4BB9B2}"/>
               </a:ext>
             </a:extLst>
           </p:cNvPr>
@@ -16981,7 +16981,7 @@
           <p:cNvPr id="108" name="Rectangle 107">
             <a:extLst>
               <a:ext uri="{FF2B5EF4-FFF2-40B4-BE49-F238E27FC236}">
-                <a16:creationId xmlns:a16="http://schemas.microsoft.com/office/drawing/2014/main" xmlns="" id="{9D0A5037-B040-2998-D387-A29C729BF312}"/>
+                <a16:creationId xmlns="" xmlns:a16="http://schemas.microsoft.com/office/drawing/2014/main" id="{9D0A5037-B040-2998-D387-A29C729BF312}"/>
               </a:ext>
             </a:extLst>
           </p:cNvPr>
@@ -17038,7 +17038,7 @@
           <p:cNvPr id="109" name="Rectangle 108">
             <a:extLst>
               <a:ext uri="{FF2B5EF4-FFF2-40B4-BE49-F238E27FC236}">
-                <a16:creationId xmlns:a16="http://schemas.microsoft.com/office/drawing/2014/main" xmlns="" id="{C6A4E51C-B8AC-CF87-D854-7C2D69790151}"/>
+                <a16:creationId xmlns="" xmlns:a16="http://schemas.microsoft.com/office/drawing/2014/main" id="{C6A4E51C-B8AC-CF87-D854-7C2D69790151}"/>
               </a:ext>
             </a:extLst>
           </p:cNvPr>
@@ -17090,7 +17090,7 @@
           <p:cNvPr id="110" name="Rectangle 109">
             <a:extLst>
               <a:ext uri="{FF2B5EF4-FFF2-40B4-BE49-F238E27FC236}">
-                <a16:creationId xmlns:a16="http://schemas.microsoft.com/office/drawing/2014/main" xmlns="" id="{7D341704-3F15-FA0B-3B31-B7F5575F6065}"/>
+                <a16:creationId xmlns="" xmlns:a16="http://schemas.microsoft.com/office/drawing/2014/main" id="{7D341704-3F15-FA0B-3B31-B7F5575F6065}"/>
               </a:ext>
             </a:extLst>
           </p:cNvPr>
@@ -17147,7 +17147,7 @@
           <p:cNvPr id="111" name="Graphic 110" descr="Confused person with solid fill">
             <a:extLst>
               <a:ext uri="{FF2B5EF4-FFF2-40B4-BE49-F238E27FC236}">
-                <a16:creationId xmlns:a16="http://schemas.microsoft.com/office/drawing/2014/main" xmlns="" id="{06091C52-D43B-5028-C2D1-979518B13AD6}"/>
+                <a16:creationId xmlns="" xmlns:a16="http://schemas.microsoft.com/office/drawing/2014/main" id="{06091C52-D43B-5028-C2D1-979518B13AD6}"/>
               </a:ext>
             </a:extLst>
           </p:cNvPr>
@@ -17163,7 +17163,7 @@
                 <a14:useLocalDpi xmlns:a14="http://schemas.microsoft.com/office/drawing/2010/main" val="0"/>
               </a:ext>
               <a:ext uri="{96DAC541-7B7A-43D3-8B79-37D633B846F1}">
-                <asvg:svgBlip xmlns:asvg="http://schemas.microsoft.com/office/drawing/2016/SVG/main" xmlns="" r:embed="rId4"/>
+                <asvg:svgBlip xmlns="" xmlns:asvg="http://schemas.microsoft.com/office/drawing/2016/SVG/main" r:embed="rId4"/>
               </a:ext>
             </a:extLst>
           </a:blip>
@@ -17186,7 +17186,7 @@
           <p:cNvPr id="112" name="Rectangle 111">
             <a:extLst>
               <a:ext uri="{FF2B5EF4-FFF2-40B4-BE49-F238E27FC236}">
-                <a16:creationId xmlns:a16="http://schemas.microsoft.com/office/drawing/2014/main" xmlns="" id="{AB786559-BEA9-BA6C-8D0F-ABD16B643B63}"/>
+                <a16:creationId xmlns="" xmlns:a16="http://schemas.microsoft.com/office/drawing/2014/main" id="{AB786559-BEA9-BA6C-8D0F-ABD16B643B63}"/>
               </a:ext>
             </a:extLst>
           </p:cNvPr>
@@ -17243,7 +17243,7 @@
           <p:cNvPr id="113" name="Rectangle 112">
             <a:extLst>
               <a:ext uri="{FF2B5EF4-FFF2-40B4-BE49-F238E27FC236}">
-                <a16:creationId xmlns:a16="http://schemas.microsoft.com/office/drawing/2014/main" xmlns="" id="{9808C758-B489-D0AC-F916-5CD1AEE502D9}"/>
+                <a16:creationId xmlns="" xmlns:a16="http://schemas.microsoft.com/office/drawing/2014/main" id="{9808C758-B489-D0AC-F916-5CD1AEE502D9}"/>
               </a:ext>
             </a:extLst>
           </p:cNvPr>
@@ -17332,7 +17332,7 @@
           <p:cNvPr id="115" name="Rectangle 114">
             <a:extLst>
               <a:ext uri="{FF2B5EF4-FFF2-40B4-BE49-F238E27FC236}">
-                <a16:creationId xmlns:a16="http://schemas.microsoft.com/office/drawing/2014/main" xmlns="" id="{9E353D36-B9C1-6E9C-8FE1-3B731869AE3B}"/>
+                <a16:creationId xmlns="" xmlns:a16="http://schemas.microsoft.com/office/drawing/2014/main" id="{9E353D36-B9C1-6E9C-8FE1-3B731869AE3B}"/>
               </a:ext>
             </a:extLst>
           </p:cNvPr>
@@ -17421,7 +17421,7 @@
           <p:cNvPr id="117" name="Graphic 116" descr="Confused person with solid fill">
             <a:extLst>
               <a:ext uri="{FF2B5EF4-FFF2-40B4-BE49-F238E27FC236}">
-                <a16:creationId xmlns:a16="http://schemas.microsoft.com/office/drawing/2014/main" xmlns="" id="{C316DC50-2717-A6A1-BEB8-93F8F591FC35}"/>
+                <a16:creationId xmlns="" xmlns:a16="http://schemas.microsoft.com/office/drawing/2014/main" id="{C316DC50-2717-A6A1-BEB8-93F8F591FC35}"/>
               </a:ext>
             </a:extLst>
           </p:cNvPr>
@@ -17437,7 +17437,7 @@
                 <a14:useLocalDpi xmlns:a14="http://schemas.microsoft.com/office/drawing/2010/main" val="0"/>
               </a:ext>
               <a:ext uri="{96DAC541-7B7A-43D3-8B79-37D633B846F1}">
-                <asvg:svgBlip xmlns:asvg="http://schemas.microsoft.com/office/drawing/2016/SVG/main" xmlns="" r:embed="rId4"/>
+                <asvg:svgBlip xmlns="" xmlns:asvg="http://schemas.microsoft.com/office/drawing/2016/SVG/main" r:embed="rId4"/>
               </a:ext>
             </a:extLst>
           </a:blip>
@@ -17460,7 +17460,7 @@
           <p:cNvPr id="118" name="Rectangle 117">
             <a:extLst>
               <a:ext uri="{FF2B5EF4-FFF2-40B4-BE49-F238E27FC236}">
-                <a16:creationId xmlns:a16="http://schemas.microsoft.com/office/drawing/2014/main" xmlns="" id="{B4F3495A-3B64-78FD-0C47-C4A10E674ADB}"/>
+                <a16:creationId xmlns="" xmlns:a16="http://schemas.microsoft.com/office/drawing/2014/main" id="{B4F3495A-3B64-78FD-0C47-C4A10E674ADB}"/>
               </a:ext>
             </a:extLst>
           </p:cNvPr>
@@ -17531,7 +17531,7 @@
           <p:cNvPr id="119" name="Rectangle 118">
             <a:extLst>
               <a:ext uri="{FF2B5EF4-FFF2-40B4-BE49-F238E27FC236}">
-                <a16:creationId xmlns:a16="http://schemas.microsoft.com/office/drawing/2014/main" xmlns="" id="{04FCC622-3633-1949-A14E-E77469B0E412}"/>
+                <a16:creationId xmlns="" xmlns:a16="http://schemas.microsoft.com/office/drawing/2014/main" id="{04FCC622-3633-1949-A14E-E77469B0E412}"/>
               </a:ext>
             </a:extLst>
           </p:cNvPr>
@@ -17584,7 +17584,7 @@
           <p:cNvPr id="120" name="Rectangle 119">
             <a:extLst>
               <a:ext uri="{FF2B5EF4-FFF2-40B4-BE49-F238E27FC236}">
-                <a16:creationId xmlns:a16="http://schemas.microsoft.com/office/drawing/2014/main" xmlns="" id="{6B0E7662-36EB-DADF-0BB5-ADA8557440DB}"/>
+                <a16:creationId xmlns="" xmlns:a16="http://schemas.microsoft.com/office/drawing/2014/main" id="{6B0E7662-36EB-DADF-0BB5-ADA8557440DB}"/>
               </a:ext>
             </a:extLst>
           </p:cNvPr>
@@ -17641,7 +17641,7 @@
           <p:cNvPr id="121" name="Graphic 120" descr="Confused person with solid fill">
             <a:extLst>
               <a:ext uri="{FF2B5EF4-FFF2-40B4-BE49-F238E27FC236}">
-                <a16:creationId xmlns:a16="http://schemas.microsoft.com/office/drawing/2014/main" xmlns="" id="{B883C53A-6527-84F1-7204-0AF08452D2BC}"/>
+                <a16:creationId xmlns="" xmlns:a16="http://schemas.microsoft.com/office/drawing/2014/main" id="{B883C53A-6527-84F1-7204-0AF08452D2BC}"/>
               </a:ext>
             </a:extLst>
           </p:cNvPr>
@@ -17657,7 +17657,7 @@
                 <a14:useLocalDpi xmlns:a14="http://schemas.microsoft.com/office/drawing/2010/main" val="0"/>
               </a:ext>
               <a:ext uri="{96DAC541-7B7A-43D3-8B79-37D633B846F1}">
-                <asvg:svgBlip xmlns:asvg="http://schemas.microsoft.com/office/drawing/2016/SVG/main" xmlns="" r:embed="rId4"/>
+                <asvg:svgBlip xmlns="" xmlns:asvg="http://schemas.microsoft.com/office/drawing/2016/SVG/main" r:embed="rId4"/>
               </a:ext>
             </a:extLst>
           </a:blip>
@@ -17680,7 +17680,7 @@
           <p:cNvPr id="122" name="Rectangle 121">
             <a:extLst>
               <a:ext uri="{FF2B5EF4-FFF2-40B4-BE49-F238E27FC236}">
-                <a16:creationId xmlns:a16="http://schemas.microsoft.com/office/drawing/2014/main" xmlns="" id="{789A8307-440F-419C-C3BB-A31CB35E9AB4}"/>
+                <a16:creationId xmlns="" xmlns:a16="http://schemas.microsoft.com/office/drawing/2014/main" id="{789A8307-440F-419C-C3BB-A31CB35E9AB4}"/>
               </a:ext>
             </a:extLst>
           </p:cNvPr>
@@ -17737,7 +17737,7 @@
           <p:cNvPr id="123" name="Rectangle 122">
             <a:extLst>
               <a:ext uri="{FF2B5EF4-FFF2-40B4-BE49-F238E27FC236}">
-                <a16:creationId xmlns:a16="http://schemas.microsoft.com/office/drawing/2014/main" xmlns="" id="{72165483-5740-1EE1-07F1-FFB1C2300426}"/>
+                <a16:creationId xmlns="" xmlns:a16="http://schemas.microsoft.com/office/drawing/2014/main" id="{72165483-5740-1EE1-07F1-FFB1C2300426}"/>
               </a:ext>
             </a:extLst>
           </p:cNvPr>
@@ -17790,7 +17790,7 @@
           <p:cNvPr id="124" name="Rectangle 123">
             <a:extLst>
               <a:ext uri="{FF2B5EF4-FFF2-40B4-BE49-F238E27FC236}">
-                <a16:creationId xmlns:a16="http://schemas.microsoft.com/office/drawing/2014/main" xmlns="" id="{A4096201-FB31-C9C6-9BE7-86B7BB3FCB86}"/>
+                <a16:creationId xmlns="" xmlns:a16="http://schemas.microsoft.com/office/drawing/2014/main" id="{A4096201-FB31-C9C6-9BE7-86B7BB3FCB86}"/>
               </a:ext>
             </a:extLst>
           </p:cNvPr>
@@ -17861,7 +17861,7 @@
           <p:cNvPr id="125" name="Rectangle 124">
             <a:extLst>
               <a:ext uri="{FF2B5EF4-FFF2-40B4-BE49-F238E27FC236}">
-                <a16:creationId xmlns:a16="http://schemas.microsoft.com/office/drawing/2014/main" xmlns="" id="{00BE76E3-1E8F-2EF1-4509-12B3B73EF327}"/>
+                <a16:creationId xmlns="" xmlns:a16="http://schemas.microsoft.com/office/drawing/2014/main" id="{00BE76E3-1E8F-2EF1-4509-12B3B73EF327}"/>
               </a:ext>
             </a:extLst>
           </p:cNvPr>
@@ -17918,7 +17918,7 @@
           <p:cNvPr id="126" name="Rectangle 125">
             <a:extLst>
               <a:ext uri="{FF2B5EF4-FFF2-40B4-BE49-F238E27FC236}">
-                <a16:creationId xmlns:a16="http://schemas.microsoft.com/office/drawing/2014/main" xmlns="" id="{F58B31D4-AC32-127B-F899-CE63EC4B6757}"/>
+                <a16:creationId xmlns="" xmlns:a16="http://schemas.microsoft.com/office/drawing/2014/main" id="{F58B31D4-AC32-127B-F899-CE63EC4B6757}"/>
               </a:ext>
             </a:extLst>
           </p:cNvPr>
@@ -17975,7 +17975,7 @@
           <p:cNvPr id="127" name="Graphic 126" descr="Confused person with solid fill">
             <a:extLst>
               <a:ext uri="{FF2B5EF4-FFF2-40B4-BE49-F238E27FC236}">
-                <a16:creationId xmlns:a16="http://schemas.microsoft.com/office/drawing/2014/main" xmlns="" id="{F0533017-667D-1659-63F2-FFB1FA1CF713}"/>
+                <a16:creationId xmlns="" xmlns:a16="http://schemas.microsoft.com/office/drawing/2014/main" id="{F0533017-667D-1659-63F2-FFB1FA1CF713}"/>
               </a:ext>
             </a:extLst>
           </p:cNvPr>
@@ -17991,7 +17991,7 @@
                 <a14:useLocalDpi xmlns:a14="http://schemas.microsoft.com/office/drawing/2010/main" val="0"/>
               </a:ext>
               <a:ext uri="{96DAC541-7B7A-43D3-8B79-37D633B846F1}">
-                <asvg:svgBlip xmlns:asvg="http://schemas.microsoft.com/office/drawing/2016/SVG/main" xmlns="" r:embed="rId4"/>
+                <asvg:svgBlip xmlns="" xmlns:asvg="http://schemas.microsoft.com/office/drawing/2016/SVG/main" r:embed="rId4"/>
               </a:ext>
             </a:extLst>
           </a:blip>
@@ -18014,7 +18014,7 @@
           <p:cNvPr id="128" name="Graphic 127" descr="Confused person with solid fill">
             <a:extLst>
               <a:ext uri="{FF2B5EF4-FFF2-40B4-BE49-F238E27FC236}">
-                <a16:creationId xmlns:a16="http://schemas.microsoft.com/office/drawing/2014/main" xmlns="" id="{BDD546D9-1406-9538-7EC2-470E8E90FB4D}"/>
+                <a16:creationId xmlns="" xmlns:a16="http://schemas.microsoft.com/office/drawing/2014/main" id="{BDD546D9-1406-9538-7EC2-470E8E90FB4D}"/>
               </a:ext>
             </a:extLst>
           </p:cNvPr>
@@ -18030,7 +18030,7 @@
                 <a14:useLocalDpi xmlns:a14="http://schemas.microsoft.com/office/drawing/2010/main" val="0"/>
               </a:ext>
               <a:ext uri="{96DAC541-7B7A-43D3-8B79-37D633B846F1}">
-                <asvg:svgBlip xmlns:asvg="http://schemas.microsoft.com/office/drawing/2016/SVG/main" xmlns="" r:embed="rId4"/>
+                <asvg:svgBlip xmlns="" xmlns:asvg="http://schemas.microsoft.com/office/drawing/2016/SVG/main" r:embed="rId4"/>
               </a:ext>
             </a:extLst>
           </a:blip>
@@ -18053,7 +18053,7 @@
           <p:cNvPr id="129" name="Rectangle 128">
             <a:extLst>
               <a:ext uri="{FF2B5EF4-FFF2-40B4-BE49-F238E27FC236}">
-                <a16:creationId xmlns:a16="http://schemas.microsoft.com/office/drawing/2014/main" xmlns="" id="{D1B8DC25-537E-9AA6-1009-333C22E4642E}"/>
+                <a16:creationId xmlns="" xmlns:a16="http://schemas.microsoft.com/office/drawing/2014/main" id="{D1B8DC25-537E-9AA6-1009-333C22E4642E}"/>
               </a:ext>
             </a:extLst>
           </p:cNvPr>
